--- a/Technologia vs GDP.pptx
+++ b/Technologia vs GDP.pptx
@@ -206,7 +206,7 @@
           <a:p>
             <a:fld id="{4738F603-E8B0-4797-A376-255C478D0C23}" type="datetimeFigureOut">
               <a:rPr lang="pl-PL" smtClean="0"/>
-              <a:t>08.05.2024</a:t>
+              <a:t>09.05.2024</a:t>
             </a:fld>
             <a:endParaRPr lang="pl-PL"/>
           </a:p>
@@ -1826,7 +1826,7 @@
             <a:fld id="{B61BEF0D-F0BB-DE4B-95CE-6DB70DBA9567}" type="datetimeFigureOut">
               <a:rPr lang="en-US" dirty="0"/>
               <a:pPr/>
-              <a:t>5/8/2024</a:t>
+              <a:t>5/9/2024</a:t>
             </a:fld>
             <a:endParaRPr lang="en-US" dirty="0"/>
           </a:p>
@@ -2074,7 +2074,7 @@
             <a:fld id="{B61BEF0D-F0BB-DE4B-95CE-6DB70DBA9567}" type="datetimeFigureOut">
               <a:rPr lang="en-US" dirty="0"/>
               <a:pPr/>
-              <a:t>5/8/2024</a:t>
+              <a:t>5/9/2024</a:t>
             </a:fld>
             <a:endParaRPr lang="en-US" dirty="0"/>
           </a:p>
@@ -2385,7 +2385,7 @@
             <a:fld id="{B61BEF0D-F0BB-DE4B-95CE-6DB70DBA9567}" type="datetimeFigureOut">
               <a:rPr lang="en-US" dirty="0"/>
               <a:pPr/>
-              <a:t>5/8/2024</a:t>
+              <a:t>5/9/2024</a:t>
             </a:fld>
             <a:endParaRPr lang="en-US" dirty="0"/>
           </a:p>
@@ -2723,7 +2723,7 @@
             <a:fld id="{B61BEF0D-F0BB-DE4B-95CE-6DB70DBA9567}" type="datetimeFigureOut">
               <a:rPr lang="en-US" dirty="0"/>
               <a:pPr/>
-              <a:t>5/8/2024</a:t>
+              <a:t>5/9/2024</a:t>
             </a:fld>
             <a:endParaRPr lang="en-US" dirty="0"/>
           </a:p>
@@ -3034,7 +3034,7 @@
             <a:fld id="{B61BEF0D-F0BB-DE4B-95CE-6DB70DBA9567}" type="datetimeFigureOut">
               <a:rPr lang="en-US" dirty="0"/>
               <a:pPr/>
-              <a:t>5/8/2024</a:t>
+              <a:t>5/9/2024</a:t>
             </a:fld>
             <a:endParaRPr lang="en-US" dirty="0"/>
           </a:p>
@@ -3424,7 +3424,7 @@
             <a:fld id="{B61BEF0D-F0BB-DE4B-95CE-6DB70DBA9567}" type="datetimeFigureOut">
               <a:rPr lang="en-US" dirty="0"/>
               <a:pPr/>
-              <a:t>5/8/2024</a:t>
+              <a:t>5/9/2024</a:t>
             </a:fld>
             <a:endParaRPr lang="en-US" dirty="0"/>
           </a:p>
@@ -3590,7 +3590,7 @@
           <a:p>
             <a:fld id="{55C6B4A9-1611-4792-9094-5F34BCA07E0B}" type="datetimeFigureOut">
               <a:rPr lang="en-US" dirty="0"/>
-              <a:t>5/8/2024</a:t>
+              <a:t>5/9/2024</a:t>
             </a:fld>
             <a:endParaRPr lang="en-US" dirty="0"/>
           </a:p>
@@ -3766,7 +3766,7 @@
             <a:fld id="{B61BEF0D-F0BB-DE4B-95CE-6DB70DBA9567}" type="datetimeFigureOut">
               <a:rPr lang="en-US" dirty="0"/>
               <a:pPr/>
-              <a:t>5/8/2024</a:t>
+              <a:t>5/9/2024</a:t>
             </a:fld>
             <a:endParaRPr lang="en-US" dirty="0"/>
           </a:p>
@@ -3939,7 +3939,7 @@
             <a:fld id="{B61BEF0D-F0BB-DE4B-95CE-6DB70DBA9567}" type="datetimeFigureOut">
               <a:rPr lang="en-US" dirty="0"/>
               <a:pPr/>
-              <a:t>5/8/2024</a:t>
+              <a:t>5/9/2024</a:t>
             </a:fld>
             <a:endParaRPr lang="en-US" dirty="0"/>
           </a:p>
@@ -4183,7 +4183,7 @@
             <a:fld id="{B61BEF0D-F0BB-DE4B-95CE-6DB70DBA9567}" type="datetimeFigureOut">
               <a:rPr lang="en-US" dirty="0"/>
               <a:pPr/>
-              <a:t>5/8/2024</a:t>
+              <a:t>5/9/2024</a:t>
             </a:fld>
             <a:endParaRPr lang="en-US" dirty="0"/>
           </a:p>
@@ -4411,7 +4411,7 @@
           <a:p>
             <a:fld id="{EB712588-04B1-427B-82EE-E8DB90309F08}" type="datetimeFigureOut">
               <a:rPr lang="en-US" dirty="0"/>
-              <a:t>5/8/2024</a:t>
+              <a:t>5/9/2024</a:t>
             </a:fld>
             <a:endParaRPr lang="en-US" dirty="0"/>
           </a:p>
@@ -4781,7 +4781,7 @@
             <a:fld id="{B61BEF0D-F0BB-DE4B-95CE-6DB70DBA9567}" type="datetimeFigureOut">
               <a:rPr lang="en-US" dirty="0"/>
               <a:pPr/>
-              <a:t>5/8/2024</a:t>
+              <a:t>5/9/2024</a:t>
             </a:fld>
             <a:endParaRPr lang="en-US" dirty="0"/>
           </a:p>
@@ -4901,7 +4901,7 @@
             <a:fld id="{B61BEF0D-F0BB-DE4B-95CE-6DB70DBA9567}" type="datetimeFigureOut">
               <a:rPr lang="en-US" dirty="0"/>
               <a:pPr/>
-              <a:t>5/8/2024</a:t>
+              <a:t>5/9/2024</a:t>
             </a:fld>
             <a:endParaRPr lang="en-US" dirty="0"/>
           </a:p>
@@ -4993,7 +4993,7 @@
             <a:fld id="{B61BEF0D-F0BB-DE4B-95CE-6DB70DBA9567}" type="datetimeFigureOut">
               <a:rPr lang="en-US" dirty="0"/>
               <a:pPr/>
-              <a:t>5/8/2024</a:t>
+              <a:t>5/9/2024</a:t>
             </a:fld>
             <a:endParaRPr lang="en-US" dirty="0"/>
           </a:p>
@@ -5244,7 +5244,7 @@
           <a:p>
             <a:fld id="{42A54C80-263E-416B-A8E0-580EDEADCBDC}" type="datetimeFigureOut">
               <a:rPr lang="en-US" dirty="0"/>
-              <a:t>5/8/2024</a:t>
+              <a:t>5/9/2024</a:t>
             </a:fld>
             <a:endParaRPr lang="en-US" dirty="0"/>
           </a:p>
@@ -5503,7 +5503,7 @@
             <a:fld id="{B61BEF0D-F0BB-DE4B-95CE-6DB70DBA9567}" type="datetimeFigureOut">
               <a:rPr lang="en-US" dirty="0"/>
               <a:pPr/>
-              <a:t>5/8/2024</a:t>
+              <a:t>5/9/2024</a:t>
             </a:fld>
             <a:endParaRPr lang="en-US" dirty="0"/>
           </a:p>
@@ -6243,7 +6243,7 @@
             <a:fld id="{B61BEF0D-F0BB-DE4B-95CE-6DB70DBA9567}" type="datetimeFigureOut">
               <a:rPr lang="en-US" dirty="0"/>
               <a:pPr/>
-              <a:t>5/8/2024</a:t>
+              <a:t>5/9/2024</a:t>
             </a:fld>
             <a:endParaRPr lang="en-US" dirty="0"/>
           </a:p>
@@ -7643,7 +7643,7 @@
           <a:p>
             <a:r>
               <a:rPr lang="pl-PL" dirty="0"/>
-              <a:t>Sprzedaż nowych samochodów elektrycznych: Norwegia, udział ponad 90%</a:t>
+              <a:t>Sprzedaż nowych samochodów elektrycznych w 2023 r.: Norwegia, udział ponad 90%</a:t>
             </a:r>
           </a:p>
           <a:p>
@@ -8198,7 +8198,7 @@
             </a:pPr>
             <a:r>
               <a:rPr lang="pl-PL" dirty="0"/>
-              <a:t>Barbara</a:t>
+              <a:t>Krzewina Barbara </a:t>
             </a:r>
           </a:p>
           <a:p>

--- a/Technologia vs GDP.pptx
+++ b/Technologia vs GDP.pptx
@@ -2,7 +2,7 @@
 <file path=ppt/presentation.xml><?xml version="1.0" encoding="utf-8"?>
 <p:presentation xmlns:a="http://schemas.openxmlformats.org/drawingml/2006/main" xmlns:r="http://schemas.openxmlformats.org/officeDocument/2006/relationships" xmlns:p="http://schemas.openxmlformats.org/presentationml/2006/main" autoCompressPictures="0">
   <p:sldMasterIdLst>
-    <p:sldMasterId id="2147483648" r:id="rId1"/>
+    <p:sldMasterId id="2147483668" r:id="rId1"/>
   </p:sldMasterIdLst>
   <p:notesMasterIdLst>
     <p:notesMasterId r:id="rId12"/>
@@ -206,7 +206,7 @@
           <a:p>
             <a:fld id="{4738F603-E8B0-4797-A376-255C478D0C23}" type="datetimeFigureOut">
               <a:rPr lang="pl-PL" smtClean="0"/>
-              <a:t>09.05.2024</a:t>
+              <a:t>10.05.2024</a:t>
             </a:fld>
             <a:endParaRPr lang="pl-PL"/>
           </a:p>
@@ -1122,7 +1122,7 @@
       </p:grpSpPr>
       <p:grpSp>
         <p:nvGrpSpPr>
-          <p:cNvPr id="7" name="Group 6"/>
+          <p:cNvPr id="16" name="Group 15"/>
           <p:cNvGrpSpPr/>
           <p:nvPr/>
         </p:nvGrpSpPr>
@@ -1134,9 +1134,72 @@
             <a:chExt cx="12192000" cy="6866467"/>
           </a:xfrm>
         </p:grpSpPr>
+        <p:sp>
+          <p:nvSpPr>
+            <p:cNvPr id="15" name="Freeform 14"/>
+            <p:cNvSpPr/>
+            <p:nvPr/>
+          </p:nvSpPr>
+          <p:spPr>
+            <a:xfrm>
+              <a:off x="0" y="-7862"/>
+              <a:ext cx="863600" cy="5698067"/>
+            </a:xfrm>
+            <a:custGeom>
+              <a:avLst/>
+              <a:gdLst/>
+              <a:ahLst/>
+              <a:cxnLst/>
+              <a:rect l="l" t="t" r="r" b="b"/>
+              <a:pathLst>
+                <a:path w="863600" h="5698067">
+                  <a:moveTo>
+                    <a:pt x="0" y="8467"/>
+                  </a:moveTo>
+                  <a:lnTo>
+                    <a:pt x="863600" y="0"/>
+                  </a:lnTo>
+                  <a:lnTo>
+                    <a:pt x="863600" y="16934"/>
+                  </a:lnTo>
+                  <a:lnTo>
+                    <a:pt x="0" y="5698067"/>
+                  </a:lnTo>
+                  <a:lnTo>
+                    <a:pt x="0" y="8467"/>
+                  </a:lnTo>
+                  <a:close/>
+                </a:path>
+              </a:pathLst>
+            </a:custGeom>
+            <a:solidFill>
+              <a:schemeClr val="accent1">
+                <a:alpha val="70000"/>
+              </a:schemeClr>
+            </a:solidFill>
+            <a:ln>
+              <a:noFill/>
+            </a:ln>
+            <a:effectLst/>
+          </p:spPr>
+          <p:style>
+            <a:lnRef idx="1">
+              <a:schemeClr val="accent1"/>
+            </a:lnRef>
+            <a:fillRef idx="3">
+              <a:schemeClr val="accent1"/>
+            </a:fillRef>
+            <a:effectRef idx="2">
+              <a:schemeClr val="accent1"/>
+            </a:effectRef>
+            <a:fontRef idx="minor">
+              <a:schemeClr val="lt1"/>
+            </a:fontRef>
+          </p:style>
+        </p:sp>
         <p:cxnSp>
           <p:nvCxnSpPr>
-            <p:cNvPr id="32" name="Straight Connector 31"/>
+            <p:cNvPr id="19" name="Straight Connector 18"/>
             <p:cNvCxnSpPr/>
             <p:nvPr/>
           </p:nvCxnSpPr>
@@ -1150,8 +1213,8 @@
             </a:prstGeom>
             <a:ln w="9525">
               <a:solidFill>
-                <a:schemeClr val="bg1">
-                  <a:lumMod val="75000"/>
+                <a:schemeClr val="accent1">
+                  <a:alpha val="70000"/>
                 </a:schemeClr>
               </a:solidFill>
             </a:ln>
@@ -1173,7 +1236,7 @@
         </p:cxnSp>
         <p:cxnSp>
           <p:nvCxnSpPr>
-            <p:cNvPr id="21" name="Straight Connector 20"/>
+            <p:cNvPr id="20" name="Straight Connector 19"/>
             <p:cNvCxnSpPr/>
             <p:nvPr/>
           </p:nvCxnSpPr>
@@ -1187,8 +1250,8 @@
             </a:prstGeom>
             <a:ln w="9525">
               <a:solidFill>
-                <a:schemeClr val="bg1">
-                  <a:lumMod val="85000"/>
+                <a:schemeClr val="accent1">
+                  <a:alpha val="70000"/>
                 </a:schemeClr>
               </a:solidFill>
             </a:ln>
@@ -1210,7 +1273,7 @@
         </p:cxnSp>
         <p:sp>
           <p:nvSpPr>
-            <p:cNvPr id="24" name="Rectangle 23"/>
+            <p:cNvPr id="21" name="Rectangle 23"/>
             <p:cNvSpPr/>
             <p:nvPr/>
           </p:nvSpPr>
@@ -1248,7 +1311,7 @@
             </a:custGeom>
             <a:solidFill>
               <a:schemeClr val="accent1">
-                <a:alpha val="30000"/>
+                <a:alpha val="36000"/>
               </a:schemeClr>
             </a:solidFill>
             <a:ln>
@@ -1273,7 +1336,7 @@
         </p:sp>
         <p:sp>
           <p:nvSpPr>
-            <p:cNvPr id="26" name="Rectangle 25"/>
+            <p:cNvPr id="22" name="Rectangle 25"/>
             <p:cNvSpPr/>
             <p:nvPr/>
           </p:nvSpPr>
@@ -1336,7 +1399,7 @@
         </p:sp>
         <p:sp>
           <p:nvSpPr>
-            <p:cNvPr id="27" name="Isosceles Triangle 26"/>
+            <p:cNvPr id="23" name="Isosceles Triangle 22"/>
             <p:cNvSpPr/>
             <p:nvPr/>
           </p:nvSpPr>
@@ -1351,8 +1414,9 @@
               </a:avLst>
             </a:prstGeom>
             <a:solidFill>
-              <a:schemeClr val="accent2">
-                <a:alpha val="72000"/>
+              <a:schemeClr val="accent1">
+                <a:lumMod val="75000"/>
+                <a:alpha val="66000"/>
               </a:schemeClr>
             </a:solidFill>
             <a:ln>
@@ -1377,7 +1441,7 @@
         </p:sp>
         <p:sp>
           <p:nvSpPr>
-            <p:cNvPr id="28" name="Rectangle 27"/>
+            <p:cNvPr id="24" name="Rectangle 27"/>
             <p:cNvSpPr/>
             <p:nvPr/>
           </p:nvSpPr>
@@ -1414,9 +1478,9 @@
               </a:pathLst>
             </a:custGeom>
             <a:solidFill>
-              <a:schemeClr val="accent2">
+              <a:schemeClr val="accent1">
                 <a:lumMod val="75000"/>
-                <a:alpha val="70000"/>
+                <a:alpha val="50000"/>
               </a:schemeClr>
             </a:solidFill>
             <a:ln>
@@ -1441,7 +1505,7 @@
         </p:sp>
         <p:sp>
           <p:nvSpPr>
-            <p:cNvPr id="29" name="Rectangle 28"/>
+            <p:cNvPr id="25" name="Rectangle 28"/>
             <p:cNvSpPr/>
             <p:nvPr/>
           </p:nvSpPr>
@@ -1478,9 +1542,7 @@
               </a:pathLst>
             </a:custGeom>
             <a:solidFill>
-              <a:schemeClr val="accent1">
-                <a:lumMod val="60000"/>
-                <a:lumOff val="40000"/>
+              <a:schemeClr val="accent2">
                 <a:alpha val="70000"/>
               </a:schemeClr>
             </a:solidFill>
@@ -1506,7 +1568,7 @@
         </p:sp>
         <p:sp>
           <p:nvSpPr>
-            <p:cNvPr id="30" name="Rectangle 29"/>
+            <p:cNvPr id="26" name="Rectangle 29"/>
             <p:cNvSpPr/>
             <p:nvPr/>
           </p:nvSpPr>
@@ -1543,48 +1605,8 @@
               </a:pathLst>
             </a:custGeom>
             <a:solidFill>
-              <a:schemeClr val="accent1">
-                <a:alpha val="65000"/>
-              </a:schemeClr>
-            </a:solidFill>
-            <a:ln>
-              <a:noFill/>
-            </a:ln>
-            <a:effectLst/>
-          </p:spPr>
-          <p:style>
-            <a:lnRef idx="1">
-              <a:schemeClr val="accent1"/>
-            </a:lnRef>
-            <a:fillRef idx="3">
-              <a:schemeClr val="accent1"/>
-            </a:fillRef>
-            <a:effectRef idx="2">
-              <a:schemeClr val="accent1"/>
-            </a:effectRef>
-            <a:fontRef idx="minor">
-              <a:schemeClr val="lt1"/>
-            </a:fontRef>
-          </p:style>
-        </p:sp>
-        <p:sp>
-          <p:nvSpPr>
-            <p:cNvPr id="31" name="Isosceles Triangle 30"/>
-            <p:cNvSpPr/>
-            <p:nvPr/>
-          </p:nvSpPr>
-          <p:spPr>
-            <a:xfrm>
-              <a:off x="10371666" y="3589867"/>
-              <a:ext cx="1817159" cy="3268133"/>
-            </a:xfrm>
-            <a:prstGeom prst="triangle">
-              <a:avLst>
-                <a:gd name="adj" fmla="val 100000"/>
-              </a:avLst>
-            </a:prstGeom>
-            <a:solidFill>
-              <a:schemeClr val="accent1">
+              <a:schemeClr val="accent2">
+                <a:lumMod val="75000"/>
                 <a:alpha val="80000"/>
               </a:schemeClr>
             </a:solidFill>
@@ -1610,14 +1632,14 @@
         </p:sp>
         <p:sp>
           <p:nvSpPr>
-            <p:cNvPr id="19" name="Isosceles Triangle 18"/>
+            <p:cNvPr id="27" name="Isosceles Triangle 26"/>
             <p:cNvSpPr/>
             <p:nvPr/>
           </p:nvSpPr>
           <p:spPr>
-            <a:xfrm rot="10800000">
-              <a:off x="0" y="0"/>
-              <a:ext cx="842596" cy="5666154"/>
+            <a:xfrm>
+              <a:off x="10371666" y="3589867"/>
+              <a:ext cx="1817159" cy="3268133"/>
             </a:xfrm>
             <a:prstGeom prst="triangle">
               <a:avLst>
@@ -1626,7 +1648,8 @@
             </a:prstGeom>
             <a:solidFill>
               <a:schemeClr val="accent1">
-                <a:alpha val="85000"/>
+                <a:lumMod val="75000"/>
+                <a:alpha val="66000"/>
               </a:schemeClr>
             </a:solidFill>
             <a:ln>
@@ -1824,9 +1847,9 @@
           <a:lstStyle/>
           <a:p>
             <a:fld id="{B61BEF0D-F0BB-DE4B-95CE-6DB70DBA9567}" type="datetimeFigureOut">
-              <a:rPr lang="en-US" dirty="0"/>
+              <a:rPr lang="en-US" smtClean="0"/>
               <a:pPr/>
-              <a:t>5/9/2024</a:t>
+              <a:t>5/10/2024</a:t>
             </a:fld>
             <a:endParaRPr lang="en-US" dirty="0"/>
           </a:p>
@@ -1867,7 +1890,7 @@
           <a:lstStyle/>
           <a:p>
             <a:fld id="{D57F1E4F-1CFF-5643-939E-217C01CDF565}" type="slidenum">
-              <a:rPr lang="en-US" dirty="0"/>
+              <a:rPr lang="en-US" smtClean="0"/>
               <a:pPr/>
               <a:t>‹#›</a:t>
             </a:fld>
@@ -1876,6 +1899,11 @@
         </p:txBody>
       </p:sp>
     </p:spTree>
+    <p:extLst>
+      <p:ext uri="{BB962C8B-B14F-4D97-AF65-F5344CB8AC3E}">
+        <p14:creationId xmlns:p14="http://schemas.microsoft.com/office/powerpoint/2010/main" val="4055777837"/>
+      </p:ext>
+    </p:extLst>
   </p:cSld>
   <p:clrMapOvr>
     <a:masterClrMapping/>
@@ -2051,7 +2079,7 @@
             <a:pPr lvl="0"/>
             <a:r>
               <a:rPr lang="pl-PL"/>
-              <a:t>Kliknij, aby edytować style wzorca tekstu</a:t>
+              <a:t>Edytuj style wzorca tekstu</a:t>
             </a:r>
           </a:p>
         </p:txBody>
@@ -2072,9 +2100,9 @@
           <a:lstStyle/>
           <a:p>
             <a:fld id="{B61BEF0D-F0BB-DE4B-95CE-6DB70DBA9567}" type="datetimeFigureOut">
-              <a:rPr lang="en-US" dirty="0"/>
+              <a:rPr lang="en-US" smtClean="0"/>
               <a:pPr/>
-              <a:t>5/9/2024</a:t>
+              <a:t>5/10/2024</a:t>
             </a:fld>
             <a:endParaRPr lang="en-US" dirty="0"/>
           </a:p>
@@ -2115,7 +2143,7 @@
           <a:lstStyle/>
           <a:p>
             <a:fld id="{D57F1E4F-1CFF-5643-939E-217C01CDF565}" type="slidenum">
-              <a:rPr lang="en-US" dirty="0"/>
+              <a:rPr lang="en-US" smtClean="0"/>
               <a:pPr/>
               <a:t>‹#›</a:t>
             </a:fld>
@@ -2124,6 +2152,11 @@
         </p:txBody>
       </p:sp>
     </p:spTree>
+    <p:extLst>
+      <p:ext uri="{BB962C8B-B14F-4D97-AF65-F5344CB8AC3E}">
+        <p14:creationId xmlns:p14="http://schemas.microsoft.com/office/powerpoint/2010/main" val="4004619488"/>
+      </p:ext>
+    </p:extLst>
   </p:cSld>
   <p:clrMapOvr>
     <a:masterClrMapping/>
@@ -2240,7 +2273,7 @@
             <a:pPr lvl="0"/>
             <a:r>
               <a:rPr lang="pl-PL"/>
-              <a:t>Kliknij, aby edytować style wzorca tekstu</a:t>
+              <a:t>Edytuj style wzorca tekstu</a:t>
             </a:r>
           </a:p>
         </p:txBody>
@@ -2362,7 +2395,7 @@
             <a:pPr lvl="0"/>
             <a:r>
               <a:rPr lang="pl-PL"/>
-              <a:t>Kliknij, aby edytować style wzorca tekstu</a:t>
+              <a:t>Edytuj style wzorca tekstu</a:t>
             </a:r>
           </a:p>
         </p:txBody>
@@ -2383,9 +2416,9 @@
           <a:lstStyle/>
           <a:p>
             <a:fld id="{B61BEF0D-F0BB-DE4B-95CE-6DB70DBA9567}" type="datetimeFigureOut">
-              <a:rPr lang="en-US" dirty="0"/>
+              <a:rPr lang="en-US" smtClean="0"/>
               <a:pPr/>
-              <a:t>5/9/2024</a:t>
+              <a:t>5/10/2024</a:t>
             </a:fld>
             <a:endParaRPr lang="en-US" dirty="0"/>
           </a:p>
@@ -2426,7 +2459,7 @@
           <a:lstStyle/>
           <a:p>
             <a:fld id="{D57F1E4F-1CFF-5643-939E-217C01CDF565}" type="slidenum">
-              <a:rPr lang="en-US" dirty="0"/>
+              <a:rPr lang="en-US" smtClean="0"/>
               <a:pPr/>
               <a:t>‹#›</a:t>
             </a:fld>
@@ -2436,7 +2469,7 @@
       </p:sp>
       <p:sp>
         <p:nvSpPr>
-          <p:cNvPr id="20" name="TextBox 19"/>
+          <p:cNvPr id="24" name="TextBox 23"/>
           <p:cNvSpPr txBox="1"/>
           <p:nvPr/>
         </p:nvSpPr>
@@ -2477,7 +2510,7 @@
       </p:sp>
       <p:sp>
         <p:nvSpPr>
-          <p:cNvPr id="22" name="TextBox 21"/>
+          <p:cNvPr id="25" name="TextBox 24"/>
           <p:cNvSpPr txBox="1"/>
           <p:nvPr/>
         </p:nvSpPr>
@@ -2508,23 +2541,20 @@
                     <a:lumOff val="40000"/>
                   </a:schemeClr>
                 </a:solidFill>
+                <a:effectLst/>
                 <a:latin typeface="Arial"/>
               </a:rPr>
               <a:t>”</a:t>
             </a:r>
-            <a:endParaRPr lang="en-US" dirty="0">
-              <a:solidFill>
-                <a:schemeClr val="accent1">
-                  <a:lumMod val="60000"/>
-                  <a:lumOff val="40000"/>
-                </a:schemeClr>
-              </a:solidFill>
-              <a:latin typeface="Arial"/>
-            </a:endParaRPr>
           </a:p>
         </p:txBody>
       </p:sp>
     </p:spTree>
+    <p:extLst>
+      <p:ext uri="{BB962C8B-B14F-4D97-AF65-F5344CB8AC3E}">
+        <p14:creationId xmlns:p14="http://schemas.microsoft.com/office/powerpoint/2010/main" val="2735116922"/>
+      </p:ext>
+    </p:extLst>
   </p:cSld>
   <p:clrMapOvr>
     <a:masterClrMapping/>
@@ -2700,7 +2730,7 @@
             <a:pPr lvl="0"/>
             <a:r>
               <a:rPr lang="pl-PL"/>
-              <a:t>Kliknij, aby edytować style wzorca tekstu</a:t>
+              <a:t>Edytuj style wzorca tekstu</a:t>
             </a:r>
           </a:p>
         </p:txBody>
@@ -2721,9 +2751,9 @@
           <a:lstStyle/>
           <a:p>
             <a:fld id="{B61BEF0D-F0BB-DE4B-95CE-6DB70DBA9567}" type="datetimeFigureOut">
-              <a:rPr lang="en-US" dirty="0"/>
+              <a:rPr lang="en-US" smtClean="0"/>
               <a:pPr/>
-              <a:t>5/9/2024</a:t>
+              <a:t>5/10/2024</a:t>
             </a:fld>
             <a:endParaRPr lang="en-US" dirty="0"/>
           </a:p>
@@ -2764,7 +2794,7 @@
           <a:lstStyle/>
           <a:p>
             <a:fld id="{D57F1E4F-1CFF-5643-939E-217C01CDF565}" type="slidenum">
-              <a:rPr lang="en-US" dirty="0"/>
+              <a:rPr lang="en-US" smtClean="0"/>
               <a:pPr/>
               <a:t>‹#›</a:t>
             </a:fld>
@@ -2773,6 +2803,11 @@
         </p:txBody>
       </p:sp>
     </p:spTree>
+    <p:extLst>
+      <p:ext uri="{BB962C8B-B14F-4D97-AF65-F5344CB8AC3E}">
+        <p14:creationId xmlns:p14="http://schemas.microsoft.com/office/powerpoint/2010/main" val="1403909807"/>
+      </p:ext>
+    </p:extLst>
   </p:cSld>
   <p:clrMapOvr>
     <a:masterClrMapping/>
@@ -2889,7 +2924,7 @@
             <a:pPr lvl="0"/>
             <a:r>
               <a:rPr lang="pl-PL"/>
-              <a:t>Kliknij, aby edytować style wzorca tekstu</a:t>
+              <a:t>Edytuj style wzorca tekstu</a:t>
             </a:r>
           </a:p>
         </p:txBody>
@@ -3011,7 +3046,7 @@
             <a:pPr lvl="0"/>
             <a:r>
               <a:rPr lang="pl-PL"/>
-              <a:t>Kliknij, aby edytować style wzorca tekstu</a:t>
+              <a:t>Edytuj style wzorca tekstu</a:t>
             </a:r>
           </a:p>
         </p:txBody>
@@ -3032,9 +3067,9 @@
           <a:lstStyle/>
           <a:p>
             <a:fld id="{B61BEF0D-F0BB-DE4B-95CE-6DB70DBA9567}" type="datetimeFigureOut">
-              <a:rPr lang="en-US" dirty="0"/>
+              <a:rPr lang="en-US" smtClean="0"/>
               <a:pPr/>
-              <a:t>5/9/2024</a:t>
+              <a:t>5/10/2024</a:t>
             </a:fld>
             <a:endParaRPr lang="en-US" dirty="0"/>
           </a:p>
@@ -3075,7 +3110,7 @@
           <a:lstStyle/>
           <a:p>
             <a:fld id="{D57F1E4F-1CFF-5643-939E-217C01CDF565}" type="slidenum">
-              <a:rPr lang="en-US" dirty="0"/>
+              <a:rPr lang="en-US" smtClean="0"/>
               <a:pPr/>
               <a:t>‹#›</a:t>
             </a:fld>
@@ -3166,6 +3201,11 @@
         </p:txBody>
       </p:sp>
     </p:spTree>
+    <p:extLst>
+      <p:ext uri="{BB962C8B-B14F-4D97-AF65-F5344CB8AC3E}">
+        <p14:creationId xmlns:p14="http://schemas.microsoft.com/office/powerpoint/2010/main" val="3835592595"/>
+      </p:ext>
+    </p:extLst>
   </p:cSld>
   <p:clrMapOvr>
     <a:masterClrMapping/>
@@ -3279,7 +3319,7 @@
             <a:pPr lvl="0"/>
             <a:r>
               <a:rPr lang="pl-PL"/>
-              <a:t>Kliknij, aby edytować style wzorca tekstu</a:t>
+              <a:t>Edytuj style wzorca tekstu</a:t>
             </a:r>
           </a:p>
         </p:txBody>
@@ -3401,7 +3441,7 @@
             <a:pPr lvl="0"/>
             <a:r>
               <a:rPr lang="pl-PL"/>
-              <a:t>Kliknij, aby edytować style wzorca tekstu</a:t>
+              <a:t>Edytuj style wzorca tekstu</a:t>
             </a:r>
           </a:p>
         </p:txBody>
@@ -3422,9 +3462,9 @@
           <a:lstStyle/>
           <a:p>
             <a:fld id="{B61BEF0D-F0BB-DE4B-95CE-6DB70DBA9567}" type="datetimeFigureOut">
-              <a:rPr lang="en-US" dirty="0"/>
+              <a:rPr lang="en-US" smtClean="0"/>
               <a:pPr/>
-              <a:t>5/9/2024</a:t>
+              <a:t>5/10/2024</a:t>
             </a:fld>
             <a:endParaRPr lang="en-US" dirty="0"/>
           </a:p>
@@ -3465,7 +3505,7 @@
           <a:lstStyle/>
           <a:p>
             <a:fld id="{D57F1E4F-1CFF-5643-939E-217C01CDF565}" type="slidenum">
-              <a:rPr lang="en-US" dirty="0"/>
+              <a:rPr lang="en-US" smtClean="0"/>
               <a:pPr/>
               <a:t>‹#›</a:t>
             </a:fld>
@@ -3474,6 +3514,11 @@
         </p:txBody>
       </p:sp>
     </p:spTree>
+    <p:extLst>
+      <p:ext uri="{BB962C8B-B14F-4D97-AF65-F5344CB8AC3E}">
+        <p14:creationId xmlns:p14="http://schemas.microsoft.com/office/powerpoint/2010/main" val="2283760894"/>
+      </p:ext>
+    </p:extLst>
   </p:cSld>
   <p:clrMapOvr>
     <a:masterClrMapping/>
@@ -3539,7 +3584,7 @@
             <a:pPr lvl="0"/>
             <a:r>
               <a:rPr lang="pl-PL"/>
-              <a:t>Kliknij, aby edytować style wzorca tekstu</a:t>
+              <a:t>Edytuj style wzorca tekstu</a:t>
             </a:r>
           </a:p>
           <a:p>
@@ -3589,8 +3634,8 @@
           <a:lstStyle/>
           <a:p>
             <a:fld id="{55C6B4A9-1611-4792-9094-5F34BCA07E0B}" type="datetimeFigureOut">
-              <a:rPr lang="en-US" dirty="0"/>
-              <a:t>5/9/2024</a:t>
+              <a:rPr lang="en-US" smtClean="0"/>
+              <a:t>5/10/2024</a:t>
             </a:fld>
             <a:endParaRPr lang="en-US" dirty="0"/>
           </a:p>
@@ -3631,7 +3676,7 @@
           <a:lstStyle/>
           <a:p>
             <a:fld id="{89333C77-0158-454C-844F-B7AB9BD7DAD4}" type="slidenum">
-              <a:rPr lang="en-US" dirty="0"/>
+              <a:rPr lang="en-US" smtClean="0"/>
               <a:t>‹#›</a:t>
             </a:fld>
             <a:endParaRPr lang="en-US" dirty="0"/>
@@ -3639,6 +3684,11 @@
         </p:txBody>
       </p:sp>
     </p:spTree>
+    <p:extLst>
+      <p:ext uri="{BB962C8B-B14F-4D97-AF65-F5344CB8AC3E}">
+        <p14:creationId xmlns:p14="http://schemas.microsoft.com/office/powerpoint/2010/main" val="1114537914"/>
+      </p:ext>
+    </p:extLst>
   </p:cSld>
   <p:clrMapOvr>
     <a:masterClrMapping/>
@@ -3714,7 +3764,7 @@
             <a:pPr lvl="0"/>
             <a:r>
               <a:rPr lang="pl-PL"/>
-              <a:t>Kliknij, aby edytować style wzorca tekstu</a:t>
+              <a:t>Edytuj style wzorca tekstu</a:t>
             </a:r>
           </a:p>
           <a:p>
@@ -3764,9 +3814,9 @@
           <a:lstStyle/>
           <a:p>
             <a:fld id="{B61BEF0D-F0BB-DE4B-95CE-6DB70DBA9567}" type="datetimeFigureOut">
-              <a:rPr lang="en-US" dirty="0"/>
+              <a:rPr lang="en-US" smtClean="0"/>
               <a:pPr/>
-              <a:t>5/9/2024</a:t>
+              <a:t>5/10/2024</a:t>
             </a:fld>
             <a:endParaRPr lang="en-US" dirty="0"/>
           </a:p>
@@ -3807,7 +3857,7 @@
           <a:lstStyle/>
           <a:p>
             <a:fld id="{D57F1E4F-1CFF-5643-939E-217C01CDF565}" type="slidenum">
-              <a:rPr lang="en-US" dirty="0"/>
+              <a:rPr lang="en-US" smtClean="0"/>
               <a:pPr/>
               <a:t>‹#›</a:t>
             </a:fld>
@@ -3816,6 +3866,11 @@
         </p:txBody>
       </p:sp>
     </p:spTree>
+    <p:extLst>
+      <p:ext uri="{BB962C8B-B14F-4D97-AF65-F5344CB8AC3E}">
+        <p14:creationId xmlns:p14="http://schemas.microsoft.com/office/powerpoint/2010/main" val="4025739019"/>
+      </p:ext>
+    </p:extLst>
   </p:cSld>
   <p:clrMapOvr>
     <a:masterClrMapping/>
@@ -3852,14 +3907,8 @@
         </p:nvSpPr>
         <p:spPr/>
         <p:txBody>
-          <a:bodyPr>
-            <a:normAutofit/>
-          </a:bodyPr>
-          <a:lstStyle>
-            <a:lvl1pPr>
-              <a:defRPr sz="3600"/>
-            </a:lvl1pPr>
-          </a:lstStyle>
+          <a:bodyPr/>
+          <a:lstStyle/>
           <a:p>
             <a:r>
               <a:rPr lang="pl-PL"/>
@@ -3887,7 +3936,7 @@
             <a:pPr lvl="0"/>
             <a:r>
               <a:rPr lang="pl-PL"/>
-              <a:t>Kliknij, aby edytować style wzorca tekstu</a:t>
+              <a:t>Edytuj style wzorca tekstu</a:t>
             </a:r>
           </a:p>
           <a:p>
@@ -3937,9 +3986,9 @@
           <a:lstStyle/>
           <a:p>
             <a:fld id="{B61BEF0D-F0BB-DE4B-95CE-6DB70DBA9567}" type="datetimeFigureOut">
-              <a:rPr lang="en-US" dirty="0"/>
+              <a:rPr lang="en-US" smtClean="0"/>
               <a:pPr/>
-              <a:t>5/9/2024</a:t>
+              <a:t>5/10/2024</a:t>
             </a:fld>
             <a:endParaRPr lang="en-US" dirty="0"/>
           </a:p>
@@ -3980,7 +4029,7 @@
           <a:lstStyle/>
           <a:p>
             <a:fld id="{D57F1E4F-1CFF-5643-939E-217C01CDF565}" type="slidenum">
-              <a:rPr lang="en-US" dirty="0"/>
+              <a:rPr lang="en-US" smtClean="0"/>
               <a:pPr/>
               <a:t>‹#›</a:t>
             </a:fld>
@@ -3989,6 +4038,11 @@
         </p:txBody>
       </p:sp>
     </p:spTree>
+    <p:extLst>
+      <p:ext uri="{BB962C8B-B14F-4D97-AF65-F5344CB8AC3E}">
+        <p14:creationId xmlns:p14="http://schemas.microsoft.com/office/powerpoint/2010/main" val="1177305650"/>
+      </p:ext>
+    </p:extLst>
   </p:cSld>
   <p:clrMapOvr>
     <a:masterClrMapping/>
@@ -4160,7 +4214,7 @@
             <a:pPr lvl="0"/>
             <a:r>
               <a:rPr lang="pl-PL"/>
-              <a:t>Kliknij, aby edytować style wzorca tekstu</a:t>
+              <a:t>Edytuj style wzorca tekstu</a:t>
             </a:r>
           </a:p>
         </p:txBody>
@@ -4181,9 +4235,9 @@
           <a:lstStyle/>
           <a:p>
             <a:fld id="{B61BEF0D-F0BB-DE4B-95CE-6DB70DBA9567}" type="datetimeFigureOut">
-              <a:rPr lang="en-US" dirty="0"/>
+              <a:rPr lang="en-US" smtClean="0"/>
               <a:pPr/>
-              <a:t>5/9/2024</a:t>
+              <a:t>5/10/2024</a:t>
             </a:fld>
             <a:endParaRPr lang="en-US" dirty="0"/>
           </a:p>
@@ -4224,7 +4278,7 @@
           <a:lstStyle/>
           <a:p>
             <a:fld id="{D57F1E4F-1CFF-5643-939E-217C01CDF565}" type="slidenum">
-              <a:rPr lang="en-US" dirty="0"/>
+              <a:rPr lang="en-US" smtClean="0"/>
               <a:pPr/>
               <a:t>‹#›</a:t>
             </a:fld>
@@ -4233,6 +4287,11 @@
         </p:txBody>
       </p:sp>
     </p:spTree>
+    <p:extLst>
+      <p:ext uri="{BB962C8B-B14F-4D97-AF65-F5344CB8AC3E}">
+        <p14:creationId xmlns:p14="http://schemas.microsoft.com/office/powerpoint/2010/main" val="4200037028"/>
+      </p:ext>
+    </p:extLst>
   </p:cSld>
   <p:clrMapOvr>
     <a:masterClrMapping/>
@@ -4303,7 +4362,7 @@
             <a:pPr lvl="0"/>
             <a:r>
               <a:rPr lang="pl-PL"/>
-              <a:t>Kliknij, aby edytować style wzorca tekstu</a:t>
+              <a:t>Edytuj style wzorca tekstu</a:t>
             </a:r>
           </a:p>
           <a:p>
@@ -4360,7 +4419,7 @@
             <a:pPr lvl="0"/>
             <a:r>
               <a:rPr lang="pl-PL"/>
-              <a:t>Kliknij, aby edytować style wzorca tekstu</a:t>
+              <a:t>Edytuj style wzorca tekstu</a:t>
             </a:r>
           </a:p>
           <a:p>
@@ -4410,8 +4469,8 @@
           <a:lstStyle/>
           <a:p>
             <a:fld id="{EB712588-04B1-427B-82EE-E8DB90309F08}" type="datetimeFigureOut">
-              <a:rPr lang="en-US" dirty="0"/>
-              <a:t>5/9/2024</a:t>
+              <a:rPr lang="en-US" smtClean="0"/>
+              <a:t>5/10/2024</a:t>
             </a:fld>
             <a:endParaRPr lang="en-US" dirty="0"/>
           </a:p>
@@ -4452,7 +4511,7 @@
           <a:lstStyle/>
           <a:p>
             <a:fld id="{6FF9F0C5-380F-41C2-899A-BAC0F0927E16}" type="slidenum">
-              <a:rPr lang="en-US" dirty="0"/>
+              <a:rPr lang="en-US" smtClean="0"/>
               <a:t>‹#›</a:t>
             </a:fld>
             <a:endParaRPr lang="en-US" dirty="0"/>
@@ -4460,6 +4519,11 @@
         </p:txBody>
       </p:sp>
     </p:spTree>
+    <p:extLst>
+      <p:ext uri="{BB962C8B-B14F-4D97-AF65-F5344CB8AC3E}">
+        <p14:creationId xmlns:p14="http://schemas.microsoft.com/office/powerpoint/2010/main" val="2309498085"/>
+      </p:ext>
+    </p:extLst>
   </p:cSld>
   <p:clrMapOvr>
     <a:masterClrMapping/>
@@ -4573,7 +4637,7 @@
             <a:pPr lvl="0"/>
             <a:r>
               <a:rPr lang="pl-PL"/>
-              <a:t>Kliknij, aby edytować style wzorca tekstu</a:t>
+              <a:t>Edytuj style wzorca tekstu</a:t>
             </a:r>
           </a:p>
         </p:txBody>
@@ -4603,7 +4667,7 @@
             <a:pPr lvl="0"/>
             <a:r>
               <a:rPr lang="pl-PL"/>
-              <a:t>Kliknij, aby edytować style wzorca tekstu</a:t>
+              <a:t>Edytuj style wzorca tekstu</a:t>
             </a:r>
           </a:p>
           <a:p>
@@ -4699,7 +4763,7 @@
             <a:pPr lvl="0"/>
             <a:r>
               <a:rPr lang="pl-PL"/>
-              <a:t>Kliknij, aby edytować style wzorca tekstu</a:t>
+              <a:t>Edytuj style wzorca tekstu</a:t>
             </a:r>
           </a:p>
         </p:txBody>
@@ -4729,7 +4793,7 @@
             <a:pPr lvl="0"/>
             <a:r>
               <a:rPr lang="pl-PL"/>
-              <a:t>Kliknij, aby edytować style wzorca tekstu</a:t>
+              <a:t>Edytuj style wzorca tekstu</a:t>
             </a:r>
           </a:p>
           <a:p>
@@ -4779,9 +4843,9 @@
           <a:lstStyle/>
           <a:p>
             <a:fld id="{B61BEF0D-F0BB-DE4B-95CE-6DB70DBA9567}" type="datetimeFigureOut">
-              <a:rPr lang="en-US" dirty="0"/>
+              <a:rPr lang="en-US" smtClean="0"/>
               <a:pPr/>
-              <a:t>5/9/2024</a:t>
+              <a:t>5/10/2024</a:t>
             </a:fld>
             <a:endParaRPr lang="en-US" dirty="0"/>
           </a:p>
@@ -4822,7 +4886,7 @@
           <a:lstStyle/>
           <a:p>
             <a:fld id="{D57F1E4F-1CFF-5643-939E-217C01CDF565}" type="slidenum">
-              <a:rPr lang="en-US" dirty="0"/>
+              <a:rPr lang="en-US" smtClean="0"/>
               <a:pPr/>
               <a:t>‹#›</a:t>
             </a:fld>
@@ -4831,6 +4895,11 @@
         </p:txBody>
       </p:sp>
     </p:spTree>
+    <p:extLst>
+      <p:ext uri="{BB962C8B-B14F-4D97-AF65-F5344CB8AC3E}">
+        <p14:creationId xmlns:p14="http://schemas.microsoft.com/office/powerpoint/2010/main" val="2970062675"/>
+      </p:ext>
+    </p:extLst>
   </p:cSld>
   <p:clrMapOvr>
     <a:masterClrMapping/>
@@ -4899,9 +4968,9 @@
           <a:lstStyle/>
           <a:p>
             <a:fld id="{B61BEF0D-F0BB-DE4B-95CE-6DB70DBA9567}" type="datetimeFigureOut">
-              <a:rPr lang="en-US" dirty="0"/>
+              <a:rPr lang="en-US" smtClean="0"/>
               <a:pPr/>
-              <a:t>5/9/2024</a:t>
+              <a:t>5/10/2024</a:t>
             </a:fld>
             <a:endParaRPr lang="en-US" dirty="0"/>
           </a:p>
@@ -4942,7 +5011,7 @@
           <a:lstStyle/>
           <a:p>
             <a:fld id="{D57F1E4F-1CFF-5643-939E-217C01CDF565}" type="slidenum">
-              <a:rPr lang="en-US" dirty="0"/>
+              <a:rPr lang="en-US" smtClean="0"/>
               <a:pPr/>
               <a:t>‹#›</a:t>
             </a:fld>
@@ -4951,6 +5020,11 @@
         </p:txBody>
       </p:sp>
     </p:spTree>
+    <p:extLst>
+      <p:ext uri="{BB962C8B-B14F-4D97-AF65-F5344CB8AC3E}">
+        <p14:creationId xmlns:p14="http://schemas.microsoft.com/office/powerpoint/2010/main" val="690831494"/>
+      </p:ext>
+    </p:extLst>
   </p:cSld>
   <p:clrMapOvr>
     <a:masterClrMapping/>
@@ -4991,9 +5065,9 @@
           <a:lstStyle/>
           <a:p>
             <a:fld id="{B61BEF0D-F0BB-DE4B-95CE-6DB70DBA9567}" type="datetimeFigureOut">
-              <a:rPr lang="en-US" dirty="0"/>
+              <a:rPr lang="en-US" smtClean="0"/>
               <a:pPr/>
-              <a:t>5/9/2024</a:t>
+              <a:t>5/10/2024</a:t>
             </a:fld>
             <a:endParaRPr lang="en-US" dirty="0"/>
           </a:p>
@@ -5034,7 +5108,7 @@
           <a:lstStyle/>
           <a:p>
             <a:fld id="{D57F1E4F-1CFF-5643-939E-217C01CDF565}" type="slidenum">
-              <a:rPr lang="en-US" dirty="0"/>
+              <a:rPr lang="en-US" smtClean="0"/>
               <a:pPr/>
               <a:t>‹#›</a:t>
             </a:fld>
@@ -5043,6 +5117,11 @@
         </p:txBody>
       </p:sp>
     </p:spTree>
+    <p:extLst>
+      <p:ext uri="{BB962C8B-B14F-4D97-AF65-F5344CB8AC3E}">
+        <p14:creationId xmlns:p14="http://schemas.microsoft.com/office/powerpoint/2010/main" val="3285398847"/>
+      </p:ext>
+    </p:extLst>
   </p:cSld>
   <p:clrMapOvr>
     <a:masterClrMapping/>
@@ -5126,7 +5205,7 @@
             <a:pPr lvl="0"/>
             <a:r>
               <a:rPr lang="pl-PL"/>
-              <a:t>Kliknij, aby edytować style wzorca tekstu</a:t>
+              <a:t>Edytuj style wzorca tekstu</a:t>
             </a:r>
           </a:p>
           <a:p>
@@ -5222,7 +5301,7 @@
             <a:pPr lvl="0"/>
             <a:r>
               <a:rPr lang="pl-PL"/>
-              <a:t>Kliknij, aby edytować style wzorca tekstu</a:t>
+              <a:t>Edytuj style wzorca tekstu</a:t>
             </a:r>
           </a:p>
         </p:txBody>
@@ -5243,8 +5322,8 @@
           <a:lstStyle/>
           <a:p>
             <a:fld id="{42A54C80-263E-416B-A8E0-580EDEADCBDC}" type="datetimeFigureOut">
-              <a:rPr lang="en-US" dirty="0"/>
-              <a:t>5/9/2024</a:t>
+              <a:rPr lang="en-US" smtClean="0"/>
+              <a:t>5/10/2024</a:t>
             </a:fld>
             <a:endParaRPr lang="en-US" dirty="0"/>
           </a:p>
@@ -5285,7 +5364,7 @@
           <a:lstStyle/>
           <a:p>
             <a:fld id="{519954A3-9DFD-4C44-94BA-B95130A3BA1C}" type="slidenum">
-              <a:rPr lang="en-US" dirty="0"/>
+              <a:rPr lang="en-US" smtClean="0"/>
               <a:t>‹#›</a:t>
             </a:fld>
             <a:endParaRPr lang="en-US" dirty="0"/>
@@ -5293,6 +5372,11 @@
         </p:txBody>
       </p:sp>
     </p:spTree>
+    <p:extLst>
+      <p:ext uri="{BB962C8B-B14F-4D97-AF65-F5344CB8AC3E}">
+        <p14:creationId xmlns:p14="http://schemas.microsoft.com/office/powerpoint/2010/main" val="944364537"/>
+      </p:ext>
+    </p:extLst>
   </p:cSld>
   <p:clrMapOvr>
     <a:masterClrMapping/>
@@ -5480,19 +5564,19 @@
             <a:pPr lvl="0"/>
             <a:r>
               <a:rPr lang="pl-PL"/>
-              <a:t>Kliknij, aby edytować style wzorca tekstu</a:t>
-            </a:r>
-          </a:p>
-        </p:txBody>
-      </p:sp>
-      <p:sp>
-        <p:nvSpPr>
-          <p:cNvPr id="5" name="Date Placeholder 4"/>
-          <p:cNvSpPr>
-            <a:spLocks noGrp="1"/>
-          </p:cNvSpPr>
-          <p:nvPr>
-            <p:ph type="dt" sz="half" idx="10"/>
+              <a:t>Edytuj style wzorca tekstu</a:t>
+            </a:r>
+          </a:p>
+        </p:txBody>
+      </p:sp>
+      <p:sp>
+        <p:nvSpPr>
+          <p:cNvPr id="6" name="Footer Placeholder 5"/>
+          <p:cNvSpPr>
+            <a:spLocks noGrp="1"/>
+          </p:cNvSpPr>
+          <p:nvPr>
+            <p:ph type="ftr" sz="quarter" idx="11"/>
           </p:nvPr>
         </p:nvSpPr>
         <p:spPr/>
@@ -5500,23 +5584,18 @@
           <a:bodyPr/>
           <a:lstStyle/>
           <a:p>
-            <a:fld id="{B61BEF0D-F0BB-DE4B-95CE-6DB70DBA9567}" type="datetimeFigureOut">
-              <a:rPr lang="en-US" dirty="0"/>
-              <a:pPr/>
-              <a:t>5/9/2024</a:t>
-            </a:fld>
             <a:endParaRPr lang="en-US" dirty="0"/>
           </a:p>
         </p:txBody>
       </p:sp>
       <p:sp>
         <p:nvSpPr>
-          <p:cNvPr id="6" name="Footer Placeholder 5"/>
-          <p:cNvSpPr>
-            <a:spLocks noGrp="1"/>
-          </p:cNvSpPr>
-          <p:nvPr>
-            <p:ph type="ftr" sz="quarter" idx="11"/>
+          <p:cNvPr id="7" name="Slide Number Placeholder 6"/>
+          <p:cNvSpPr>
+            <a:spLocks noGrp="1"/>
+          </p:cNvSpPr>
+          <p:nvPr>
+            <p:ph type="sldNum" sz="quarter" idx="12"/>
           </p:nvPr>
         </p:nvSpPr>
         <p:spPr/>
@@ -5524,27 +5603,8 @@
           <a:bodyPr/>
           <a:lstStyle/>
           <a:p>
-            <a:endParaRPr lang="en-US" dirty="0"/>
-          </a:p>
-        </p:txBody>
-      </p:sp>
-      <p:sp>
-        <p:nvSpPr>
-          <p:cNvPr id="7" name="Slide Number Placeholder 6"/>
-          <p:cNvSpPr>
-            <a:spLocks noGrp="1"/>
-          </p:cNvSpPr>
-          <p:nvPr>
-            <p:ph type="sldNum" sz="quarter" idx="12"/>
-          </p:nvPr>
-        </p:nvSpPr>
-        <p:spPr/>
-        <p:txBody>
-          <a:bodyPr/>
-          <a:lstStyle/>
-          <a:p>
             <a:fld id="{D57F1E4F-1CFF-5643-939E-217C01CDF565}" type="slidenum">
-              <a:rPr lang="en-US" dirty="0"/>
+              <a:rPr lang="en-US" smtClean="0"/>
               <a:pPr/>
               <a:t>‹#›</a:t>
             </a:fld>
@@ -5552,7 +5612,36 @@
           </a:p>
         </p:txBody>
       </p:sp>
+      <p:sp>
+        <p:nvSpPr>
+          <p:cNvPr id="5" name="Date Placeholder 4"/>
+          <p:cNvSpPr>
+            <a:spLocks noGrp="1"/>
+          </p:cNvSpPr>
+          <p:nvPr>
+            <p:ph type="dt" sz="half" idx="10"/>
+          </p:nvPr>
+        </p:nvSpPr>
+        <p:spPr/>
+        <p:txBody>
+          <a:bodyPr/>
+          <a:lstStyle/>
+          <a:p>
+            <a:fld id="{B61BEF0D-F0BB-DE4B-95CE-6DB70DBA9567}" type="datetimeFigureOut">
+              <a:rPr lang="en-US" smtClean="0"/>
+              <a:pPr/>
+              <a:t>5/10/2024</a:t>
+            </a:fld>
+            <a:endParaRPr lang="en-US" dirty="0"/>
+          </a:p>
+        </p:txBody>
+      </p:sp>
     </p:spTree>
+    <p:extLst>
+      <p:ext uri="{BB962C8B-B14F-4D97-AF65-F5344CB8AC3E}">
+        <p14:creationId xmlns:p14="http://schemas.microsoft.com/office/powerpoint/2010/main" val="1297944339"/>
+      </p:ext>
+    </p:extLst>
   </p:cSld>
   <p:clrMapOvr>
     <a:masterClrMapping/>
@@ -5584,7 +5673,7 @@
       </p:grpSpPr>
       <p:grpSp>
         <p:nvGrpSpPr>
-          <p:cNvPr id="7" name="Group 6"/>
+          <p:cNvPr id="44" name="Group 43"/>
           <p:cNvGrpSpPr/>
           <p:nvPr/>
         </p:nvGrpSpPr>
@@ -5612,8 +5701,8 @@
             </a:prstGeom>
             <a:ln w="9525">
               <a:solidFill>
-                <a:schemeClr val="bg1">
-                  <a:lumMod val="75000"/>
+                <a:schemeClr val="accent1">
+                  <a:alpha val="70000"/>
                 </a:schemeClr>
               </a:solidFill>
             </a:ln>
@@ -5649,8 +5738,8 @@
             </a:prstGeom>
             <a:ln w="9525">
               <a:solidFill>
-                <a:schemeClr val="bg1">
-                  <a:lumMod val="85000"/>
+                <a:schemeClr val="accent1">
+                  <a:alpha val="70000"/>
                 </a:schemeClr>
               </a:solidFill>
             </a:ln>
@@ -5710,7 +5799,7 @@
             </a:custGeom>
             <a:solidFill>
               <a:schemeClr val="accent1">
-                <a:alpha val="30000"/>
+                <a:alpha val="36000"/>
               </a:schemeClr>
             </a:solidFill>
             <a:ln>
@@ -5813,8 +5902,9 @@
               </a:avLst>
             </a:prstGeom>
             <a:solidFill>
-              <a:schemeClr val="accent2">
-                <a:alpha val="72000"/>
+              <a:schemeClr val="accent1">
+                <a:lumMod val="75000"/>
+                <a:alpha val="66000"/>
               </a:schemeClr>
             </a:solidFill>
             <a:ln>
@@ -5876,9 +5966,9 @@
               </a:pathLst>
             </a:custGeom>
             <a:solidFill>
-              <a:schemeClr val="accent2">
+              <a:schemeClr val="accent1">
                 <a:lumMod val="75000"/>
-                <a:alpha val="70000"/>
+                <a:alpha val="50000"/>
               </a:schemeClr>
             </a:solidFill>
             <a:ln>
@@ -5940,9 +6030,7 @@
               </a:pathLst>
             </a:custGeom>
             <a:solidFill>
-              <a:schemeClr val="accent1">
-                <a:lumMod val="60000"/>
-                <a:lumOff val="40000"/>
+              <a:schemeClr val="accent2">
                 <a:alpha val="70000"/>
               </a:schemeClr>
             </a:solidFill>
@@ -6005,8 +6093,9 @@
               </a:pathLst>
             </a:custGeom>
             <a:solidFill>
-              <a:schemeClr val="accent1">
-                <a:alpha val="65000"/>
+              <a:schemeClr val="accent2">
+                <a:lumMod val="75000"/>
+                <a:alpha val="80000"/>
               </a:schemeClr>
             </a:solidFill>
             <a:ln>
@@ -6047,7 +6136,8 @@
             </a:prstGeom>
             <a:solidFill>
               <a:schemeClr val="accent1">
-                <a:alpha val="80000"/>
+                <a:lumMod val="75000"/>
+                <a:alpha val="66000"/>
               </a:schemeClr>
             </a:solidFill>
             <a:ln>
@@ -6072,7 +6162,7 @@
         </p:sp>
         <p:sp>
           <p:nvSpPr>
-            <p:cNvPr id="29" name="Isosceles Triangle 28"/>
+            <p:cNvPr id="19" name="Isosceles Triangle 18"/>
             <p:cNvSpPr/>
             <p:nvPr/>
           </p:nvSpPr>
@@ -6088,7 +6178,7 @@
             </a:prstGeom>
             <a:solidFill>
               <a:schemeClr val="accent1">
-                <a:alpha val="85000"/>
+                <a:alpha val="70000"/>
               </a:schemeClr>
             </a:solidFill>
             <a:ln>
@@ -6173,7 +6263,7 @@
             <a:pPr lvl="0"/>
             <a:r>
               <a:rPr lang="pl-PL"/>
-              <a:t>Kliknij, aby edytować style wzorca tekstu</a:t>
+              <a:t>Edytuj style wzorca tekstu</a:t>
             </a:r>
           </a:p>
           <a:p>
@@ -6241,9 +6331,9 @@
           </a:lstStyle>
           <a:p>
             <a:fld id="{B61BEF0D-F0BB-DE4B-95CE-6DB70DBA9567}" type="datetimeFigureOut">
-              <a:rPr lang="en-US" dirty="0"/>
+              <a:rPr lang="en-US" smtClean="0"/>
               <a:pPr/>
-              <a:t>5/9/2024</a:t>
+              <a:t>5/10/2024</a:t>
             </a:fld>
             <a:endParaRPr lang="en-US" dirty="0"/>
           </a:p>
@@ -6318,7 +6408,7 @@
           </a:lstStyle>
           <a:p>
             <a:fld id="{D57F1E4F-1CFF-5643-939E-217C01CDF565}" type="slidenum">
-              <a:rPr lang="en-US" dirty="0"/>
+              <a:rPr lang="en-US" smtClean="0"/>
               <a:pPr/>
               <a:t>‹#›</a:t>
             </a:fld>
@@ -6327,25 +6417,30 @@
         </p:txBody>
       </p:sp>
     </p:spTree>
+    <p:extLst>
+      <p:ext uri="{BB962C8B-B14F-4D97-AF65-F5344CB8AC3E}">
+        <p14:creationId xmlns:p14="http://schemas.microsoft.com/office/powerpoint/2010/main" val="1371339966"/>
+      </p:ext>
+    </p:extLst>
   </p:cSld>
   <p:clrMap bg1="lt1" tx1="dk1" bg2="lt2" tx2="dk2" accent1="accent1" accent2="accent2" accent3="accent3" accent4="accent4" accent5="accent5" accent6="accent6" hlink="hlink" folHlink="folHlink"/>
   <p:sldLayoutIdLst>
-    <p:sldLayoutId id="2147483649" r:id="rId1"/>
-    <p:sldLayoutId id="2147483650" r:id="rId2"/>
-    <p:sldLayoutId id="2147483651" r:id="rId3"/>
-    <p:sldLayoutId id="2147483665" r:id="rId4"/>
-    <p:sldLayoutId id="2147483653" r:id="rId5"/>
-    <p:sldLayoutId id="2147483654" r:id="rId6"/>
-    <p:sldLayoutId id="2147483655" r:id="rId7"/>
-    <p:sldLayoutId id="2147483666" r:id="rId8"/>
-    <p:sldLayoutId id="2147483657" r:id="rId9"/>
-    <p:sldLayoutId id="2147483660" r:id="rId10"/>
-    <p:sldLayoutId id="2147483661" r:id="rId11"/>
-    <p:sldLayoutId id="2147483662" r:id="rId12"/>
-    <p:sldLayoutId id="2147483663" r:id="rId13"/>
-    <p:sldLayoutId id="2147483664" r:id="rId14"/>
-    <p:sldLayoutId id="2147483667" r:id="rId15"/>
-    <p:sldLayoutId id="2147483659" r:id="rId16"/>
+    <p:sldLayoutId id="2147483669" r:id="rId1"/>
+    <p:sldLayoutId id="2147483670" r:id="rId2"/>
+    <p:sldLayoutId id="2147483671" r:id="rId3"/>
+    <p:sldLayoutId id="2147483672" r:id="rId4"/>
+    <p:sldLayoutId id="2147483673" r:id="rId5"/>
+    <p:sldLayoutId id="2147483674" r:id="rId6"/>
+    <p:sldLayoutId id="2147483675" r:id="rId7"/>
+    <p:sldLayoutId id="2147483676" r:id="rId8"/>
+    <p:sldLayoutId id="2147483677" r:id="rId9"/>
+    <p:sldLayoutId id="2147483678" r:id="rId10"/>
+    <p:sldLayoutId id="2147483679" r:id="rId11"/>
+    <p:sldLayoutId id="2147483680" r:id="rId12"/>
+    <p:sldLayoutId id="2147483681" r:id="rId13"/>
+    <p:sldLayoutId id="2147483682" r:id="rId14"/>
+    <p:sldLayoutId id="2147483683" r:id="rId15"/>
+    <p:sldLayoutId id="2147483684" r:id="rId16"/>
   </p:sldLayoutIdLst>
   <p:txStyles>
     <p:titleStyle>
@@ -6747,481 +6842,7 @@
 </file>
 
 <file path=ppt/slides/slide1.xml><?xml version="1.0" encoding="utf-8"?>
-<p:sld xmlns:a="http://schemas.openxmlformats.org/drawingml/2006/main" xmlns:r="http://schemas.openxmlformats.org/officeDocument/2006/relationships" xmlns:p="http://schemas.openxmlformats.org/presentationml/2006/main">
-  <p:cSld>
-    <p:bg>
-      <p:bgPr>
-        <a:solidFill>
-          <a:schemeClr val="bg1"/>
-        </a:solidFill>
-        <a:effectLst/>
-      </p:bgPr>
-    </p:bg>
-    <p:spTree>
-      <p:nvGrpSpPr>
-        <p:cNvPr id="1" name=""/>
-        <p:cNvGrpSpPr/>
-        <p:nvPr/>
-      </p:nvGrpSpPr>
-      <p:grpSpPr>
-        <a:xfrm>
-          <a:off x="0" y="0"/>
-          <a:ext cx="0" cy="0"/>
-          <a:chOff x="0" y="0"/>
-          <a:chExt cx="0" cy="0"/>
-        </a:xfrm>
-      </p:grpSpPr>
-      <p:sp>
-        <p:nvSpPr>
-          <p:cNvPr id="2" name="Tytuł 1">
-            <a:extLst>
-              <a:ext uri="{FF2B5EF4-FFF2-40B4-BE49-F238E27FC236}">
-                <a16:creationId xmlns:a16="http://schemas.microsoft.com/office/drawing/2014/main" id="{E784F85C-2E7C-EFA2-7D55-6A9681ABABA9}"/>
-              </a:ext>
-            </a:extLst>
-          </p:cNvPr>
-          <p:cNvSpPr>
-            <a:spLocks noGrp="1"/>
-          </p:cNvSpPr>
-          <p:nvPr>
-            <p:ph type="ctrTitle"/>
-          </p:nvPr>
-        </p:nvSpPr>
-        <p:spPr>
-          <a:xfrm>
-            <a:off x="1507067" y="2470449"/>
-            <a:ext cx="7766936" cy="1646302"/>
-          </a:xfrm>
-        </p:spPr>
-        <p:txBody>
-          <a:bodyPr/>
-          <a:lstStyle/>
-          <a:p>
-            <a:r>
-              <a:rPr lang="pl-PL" dirty="0">
-                <a:solidFill>
-                  <a:schemeClr val="accent2"/>
-                </a:solidFill>
-              </a:rPr>
-              <a:t>Technologia vs GDP</a:t>
-            </a:r>
-          </a:p>
-        </p:txBody>
-      </p:sp>
-      <p:sp>
-        <p:nvSpPr>
-          <p:cNvPr id="3" name="Podtytuł 2">
-            <a:extLst>
-              <a:ext uri="{FF2B5EF4-FFF2-40B4-BE49-F238E27FC236}">
-                <a16:creationId xmlns:a16="http://schemas.microsoft.com/office/drawing/2014/main" id="{E325F88A-AA4A-3909-5EBD-E24E16AF885A}"/>
-              </a:ext>
-            </a:extLst>
-          </p:cNvPr>
-          <p:cNvSpPr>
-            <a:spLocks noGrp="1"/>
-          </p:cNvSpPr>
-          <p:nvPr>
-            <p:ph type="subTitle" idx="1"/>
-          </p:nvPr>
-        </p:nvSpPr>
-        <p:spPr>
-          <a:xfrm>
-            <a:off x="1507067" y="4260558"/>
-            <a:ext cx="7766936" cy="1096899"/>
-          </a:xfrm>
-        </p:spPr>
-        <p:txBody>
-          <a:bodyPr/>
-          <a:lstStyle/>
-          <a:p>
-            <a:r>
-              <a:rPr lang="pl-PL" cap="small" dirty="0"/>
-              <a:t>PRACA DYPLOMOWA - GRUPA 4</a:t>
-            </a:r>
-          </a:p>
-        </p:txBody>
-      </p:sp>
-      <p:sp>
-        <p:nvSpPr>
-          <p:cNvPr id="4" name="Podtytuł 2">
-            <a:extLst>
-              <a:ext uri="{FF2B5EF4-FFF2-40B4-BE49-F238E27FC236}">
-                <a16:creationId xmlns:a16="http://schemas.microsoft.com/office/drawing/2014/main" id="{0189EC5C-DA89-F517-233F-5A7C621DA3B8}"/>
-              </a:ext>
-            </a:extLst>
-          </p:cNvPr>
-          <p:cNvSpPr txBox="1">
-            <a:spLocks/>
-          </p:cNvSpPr>
-          <p:nvPr/>
-        </p:nvSpPr>
-        <p:spPr>
-          <a:xfrm>
-            <a:off x="3867361" y="6412965"/>
-            <a:ext cx="3046348" cy="335313"/>
-          </a:xfrm>
-          <a:prstGeom prst="rect">
-            <a:avLst/>
-          </a:prstGeom>
-        </p:spPr>
-        <p:txBody>
-          <a:bodyPr vert="horz" lIns="91440" tIns="45720" rIns="91440" bIns="45720" rtlCol="0" anchor="t">
-            <a:normAutofit fontScale="92500" lnSpcReduction="10000"/>
-          </a:bodyPr>
-          <a:lstStyle>
-            <a:lvl1pPr marL="0" indent="0" algn="r" defTabSz="457200" rtl="0" eaLnBrk="1" latinLnBrk="0" hangingPunct="1">
-              <a:spcBef>
-                <a:spcPts val="1000"/>
-              </a:spcBef>
-              <a:spcAft>
-                <a:spcPts val="0"/>
-              </a:spcAft>
-              <a:buClr>
-                <a:schemeClr val="accent1"/>
-              </a:buClr>
-              <a:buSzPct val="80000"/>
-              <a:buFont typeface="Wingdings 3" charset="2"/>
-              <a:buNone/>
-              <a:defRPr sz="1800" kern="1200">
-                <a:solidFill>
-                  <a:schemeClr val="tx1">
-                    <a:lumMod val="50000"/>
-                    <a:lumOff val="50000"/>
-                  </a:schemeClr>
-                </a:solidFill>
-                <a:latin typeface="+mn-lt"/>
-                <a:ea typeface="+mn-ea"/>
-                <a:cs typeface="+mn-cs"/>
-              </a:defRPr>
-            </a:lvl1pPr>
-            <a:lvl2pPr marL="457200" indent="0" algn="ctr" defTabSz="457200" rtl="0" eaLnBrk="1" latinLnBrk="0" hangingPunct="1">
-              <a:spcBef>
-                <a:spcPts val="1000"/>
-              </a:spcBef>
-              <a:spcAft>
-                <a:spcPts val="0"/>
-              </a:spcAft>
-              <a:buClr>
-                <a:schemeClr val="accent1"/>
-              </a:buClr>
-              <a:buSzPct val="80000"/>
-              <a:buFont typeface="Wingdings 3" charset="2"/>
-              <a:buNone/>
-              <a:defRPr sz="1600" kern="1200">
-                <a:solidFill>
-                  <a:schemeClr val="tx1">
-                    <a:tint val="75000"/>
-                  </a:schemeClr>
-                </a:solidFill>
-                <a:latin typeface="+mn-lt"/>
-                <a:ea typeface="+mn-ea"/>
-                <a:cs typeface="+mn-cs"/>
-              </a:defRPr>
-            </a:lvl2pPr>
-            <a:lvl3pPr marL="914400" indent="0" algn="ctr" defTabSz="457200" rtl="0" eaLnBrk="1" latinLnBrk="0" hangingPunct="1">
-              <a:spcBef>
-                <a:spcPts val="1000"/>
-              </a:spcBef>
-              <a:spcAft>
-                <a:spcPts val="0"/>
-              </a:spcAft>
-              <a:buClr>
-                <a:schemeClr val="accent1"/>
-              </a:buClr>
-              <a:buSzPct val="80000"/>
-              <a:buFont typeface="Wingdings 3" charset="2"/>
-              <a:buNone/>
-              <a:defRPr sz="1400" kern="1200">
-                <a:solidFill>
-                  <a:schemeClr val="tx1">
-                    <a:tint val="75000"/>
-                  </a:schemeClr>
-                </a:solidFill>
-                <a:latin typeface="+mn-lt"/>
-                <a:ea typeface="+mn-ea"/>
-                <a:cs typeface="+mn-cs"/>
-              </a:defRPr>
-            </a:lvl3pPr>
-            <a:lvl4pPr marL="1371600" indent="0" algn="ctr" defTabSz="457200" rtl="0" eaLnBrk="1" latinLnBrk="0" hangingPunct="1">
-              <a:spcBef>
-                <a:spcPts val="1000"/>
-              </a:spcBef>
-              <a:spcAft>
-                <a:spcPts val="0"/>
-              </a:spcAft>
-              <a:buClr>
-                <a:schemeClr val="accent1"/>
-              </a:buClr>
-              <a:buSzPct val="80000"/>
-              <a:buFont typeface="Wingdings 3" charset="2"/>
-              <a:buNone/>
-              <a:defRPr sz="1200" kern="1200">
-                <a:solidFill>
-                  <a:schemeClr val="tx1">
-                    <a:tint val="75000"/>
-                  </a:schemeClr>
-                </a:solidFill>
-                <a:latin typeface="+mn-lt"/>
-                <a:ea typeface="+mn-ea"/>
-                <a:cs typeface="+mn-cs"/>
-              </a:defRPr>
-            </a:lvl4pPr>
-            <a:lvl5pPr marL="1828800" indent="0" algn="ctr" defTabSz="457200" rtl="0" eaLnBrk="1" latinLnBrk="0" hangingPunct="1">
-              <a:spcBef>
-                <a:spcPts val="1000"/>
-              </a:spcBef>
-              <a:spcAft>
-                <a:spcPts val="0"/>
-              </a:spcAft>
-              <a:buClr>
-                <a:schemeClr val="accent1"/>
-              </a:buClr>
-              <a:buSzPct val="80000"/>
-              <a:buFont typeface="Wingdings 3" charset="2"/>
-              <a:buNone/>
-              <a:defRPr sz="1200" kern="1200">
-                <a:solidFill>
-                  <a:schemeClr val="tx1">
-                    <a:tint val="75000"/>
-                  </a:schemeClr>
-                </a:solidFill>
-                <a:latin typeface="+mn-lt"/>
-                <a:ea typeface="+mn-ea"/>
-                <a:cs typeface="+mn-cs"/>
-              </a:defRPr>
-            </a:lvl5pPr>
-            <a:lvl6pPr marL="2286000" indent="0" algn="ctr" defTabSz="457200" rtl="0" eaLnBrk="1" latinLnBrk="0" hangingPunct="1">
-              <a:spcBef>
-                <a:spcPts val="1000"/>
-              </a:spcBef>
-              <a:spcAft>
-                <a:spcPts val="0"/>
-              </a:spcAft>
-              <a:buClr>
-                <a:schemeClr val="accent1"/>
-              </a:buClr>
-              <a:buSzPct val="80000"/>
-              <a:buFont typeface="Wingdings 3" charset="2"/>
-              <a:buNone/>
-              <a:defRPr sz="1200" kern="1200">
-                <a:solidFill>
-                  <a:schemeClr val="tx1">
-                    <a:tint val="75000"/>
-                  </a:schemeClr>
-                </a:solidFill>
-                <a:latin typeface="+mn-lt"/>
-                <a:ea typeface="+mn-ea"/>
-                <a:cs typeface="+mn-cs"/>
-              </a:defRPr>
-            </a:lvl6pPr>
-            <a:lvl7pPr marL="2743200" indent="0" algn="ctr" defTabSz="457200" rtl="0" eaLnBrk="1" latinLnBrk="0" hangingPunct="1">
-              <a:spcBef>
-                <a:spcPts val="1000"/>
-              </a:spcBef>
-              <a:spcAft>
-                <a:spcPts val="0"/>
-              </a:spcAft>
-              <a:buClr>
-                <a:schemeClr val="accent1"/>
-              </a:buClr>
-              <a:buSzPct val="80000"/>
-              <a:buFont typeface="Wingdings 3" charset="2"/>
-              <a:buNone/>
-              <a:defRPr sz="1200" kern="1200">
-                <a:solidFill>
-                  <a:schemeClr val="tx1">
-                    <a:tint val="75000"/>
-                  </a:schemeClr>
-                </a:solidFill>
-                <a:latin typeface="+mn-lt"/>
-                <a:ea typeface="+mn-ea"/>
-                <a:cs typeface="+mn-cs"/>
-              </a:defRPr>
-            </a:lvl7pPr>
-            <a:lvl8pPr marL="3200400" indent="0" algn="ctr" defTabSz="457200" rtl="0" eaLnBrk="1" latinLnBrk="0" hangingPunct="1">
-              <a:spcBef>
-                <a:spcPts val="1000"/>
-              </a:spcBef>
-              <a:spcAft>
-                <a:spcPts val="0"/>
-              </a:spcAft>
-              <a:buClr>
-                <a:schemeClr val="accent1"/>
-              </a:buClr>
-              <a:buSzPct val="80000"/>
-              <a:buFont typeface="Wingdings 3" charset="2"/>
-              <a:buNone/>
-              <a:defRPr sz="1200" kern="1200">
-                <a:solidFill>
-                  <a:schemeClr val="tx1">
-                    <a:tint val="75000"/>
-                  </a:schemeClr>
-                </a:solidFill>
-                <a:latin typeface="+mn-lt"/>
-                <a:ea typeface="+mn-ea"/>
-                <a:cs typeface="+mn-cs"/>
-              </a:defRPr>
-            </a:lvl8pPr>
-            <a:lvl9pPr marL="3657600" indent="0" algn="ctr" defTabSz="457200" rtl="0" eaLnBrk="1" latinLnBrk="0" hangingPunct="1">
-              <a:spcBef>
-                <a:spcPts val="1000"/>
-              </a:spcBef>
-              <a:spcAft>
-                <a:spcPts val="0"/>
-              </a:spcAft>
-              <a:buClr>
-                <a:schemeClr val="accent1"/>
-              </a:buClr>
-              <a:buSzPct val="80000"/>
-              <a:buFont typeface="Wingdings 3" charset="2"/>
-              <a:buNone/>
-              <a:defRPr sz="1200" kern="1200">
-                <a:solidFill>
-                  <a:schemeClr val="tx1">
-                    <a:tint val="75000"/>
-                  </a:schemeClr>
-                </a:solidFill>
-                <a:latin typeface="+mn-lt"/>
-                <a:ea typeface="+mn-ea"/>
-                <a:cs typeface="+mn-cs"/>
-              </a:defRPr>
-            </a:lvl9pPr>
-          </a:lstStyle>
-          <a:p>
-            <a:r>
-              <a:rPr lang="pl-PL" cap="small" dirty="0"/>
-              <a:t>POZNAŃ, 7 CZERWCA 2024 R.</a:t>
-            </a:r>
-          </a:p>
-        </p:txBody>
-      </p:sp>
-      <p:sp>
-        <p:nvSpPr>
-          <p:cNvPr id="9" name="Tytuł 1">
-            <a:extLst>
-              <a:ext uri="{FF2B5EF4-FFF2-40B4-BE49-F238E27FC236}">
-                <a16:creationId xmlns:a16="http://schemas.microsoft.com/office/drawing/2014/main" id="{9A9C0D97-53D7-E0FA-3C4B-CB18FFC14FA7}"/>
-              </a:ext>
-            </a:extLst>
-          </p:cNvPr>
-          <p:cNvSpPr txBox="1">
-            <a:spLocks/>
-          </p:cNvSpPr>
-          <p:nvPr/>
-        </p:nvSpPr>
-        <p:spPr>
-          <a:xfrm>
-            <a:off x="3724712" y="3351806"/>
-            <a:ext cx="7252256" cy="621137"/>
-          </a:xfrm>
-          <a:prstGeom prst="rect">
-            <a:avLst/>
-          </a:prstGeom>
-        </p:spPr>
-        <p:txBody>
-          <a:bodyPr vert="horz" lIns="91440" tIns="45720" rIns="91440" bIns="45720" rtlCol="0" anchor="b">
-            <a:noAutofit/>
-          </a:bodyPr>
-          <a:lstStyle>
-            <a:lvl1pPr algn="r" defTabSz="457200" rtl="0" eaLnBrk="1" latinLnBrk="0" hangingPunct="1">
-              <a:spcBef>
-                <a:spcPct val="0"/>
-              </a:spcBef>
-              <a:buNone/>
-              <a:defRPr sz="5400" kern="1200">
-                <a:solidFill>
-                  <a:schemeClr val="accent1"/>
-                </a:solidFill>
-                <a:latin typeface="+mj-lt"/>
-                <a:ea typeface="+mj-ea"/>
-                <a:cs typeface="+mj-cs"/>
-              </a:defRPr>
-            </a:lvl1pPr>
-            <a:lvl2pPr eaLnBrk="1" hangingPunct="1">
-              <a:defRPr>
-                <a:solidFill>
-                  <a:schemeClr val="tx2"/>
-                </a:solidFill>
-              </a:defRPr>
-            </a:lvl2pPr>
-            <a:lvl3pPr eaLnBrk="1" hangingPunct="1">
-              <a:defRPr>
-                <a:solidFill>
-                  <a:schemeClr val="tx2"/>
-                </a:solidFill>
-              </a:defRPr>
-            </a:lvl3pPr>
-            <a:lvl4pPr eaLnBrk="1" hangingPunct="1">
-              <a:defRPr>
-                <a:solidFill>
-                  <a:schemeClr val="tx2"/>
-                </a:solidFill>
-              </a:defRPr>
-            </a:lvl4pPr>
-            <a:lvl5pPr eaLnBrk="1" hangingPunct="1">
-              <a:defRPr>
-                <a:solidFill>
-                  <a:schemeClr val="tx2"/>
-                </a:solidFill>
-              </a:defRPr>
-            </a:lvl5pPr>
-            <a:lvl6pPr eaLnBrk="1" hangingPunct="1">
-              <a:defRPr>
-                <a:solidFill>
-                  <a:schemeClr val="tx2"/>
-                </a:solidFill>
-              </a:defRPr>
-            </a:lvl6pPr>
-            <a:lvl7pPr eaLnBrk="1" hangingPunct="1">
-              <a:defRPr>
-                <a:solidFill>
-                  <a:schemeClr val="tx2"/>
-                </a:solidFill>
-              </a:defRPr>
-            </a:lvl7pPr>
-            <a:lvl8pPr eaLnBrk="1" hangingPunct="1">
-              <a:defRPr>
-                <a:solidFill>
-                  <a:schemeClr val="tx2"/>
-                </a:solidFill>
-              </a:defRPr>
-            </a:lvl8pPr>
-            <a:lvl9pPr eaLnBrk="1" hangingPunct="1">
-              <a:defRPr>
-                <a:solidFill>
-                  <a:schemeClr val="tx2"/>
-                </a:solidFill>
-              </a:defRPr>
-            </a:lvl9pPr>
-          </a:lstStyle>
-          <a:p>
-            <a:pPr algn="l"/>
-            <a:endParaRPr lang="pl-PL" sz="4800" dirty="0">
-              <a:solidFill>
-                <a:schemeClr val="accent2">
-                  <a:lumMod val="60000"/>
-                  <a:lumOff val="40000"/>
-                </a:schemeClr>
-              </a:solidFill>
-            </a:endParaRPr>
-          </a:p>
-        </p:txBody>
-      </p:sp>
-    </p:spTree>
-    <p:extLst>
-      <p:ext uri="{BB962C8B-B14F-4D97-AF65-F5344CB8AC3E}">
-        <p14:creationId xmlns:p14="http://schemas.microsoft.com/office/powerpoint/2010/main" val="3265156635"/>
-      </p:ext>
-    </p:extLst>
-  </p:cSld>
-  <p:clrMapOvr>
-    <a:masterClrMapping/>
-  </p:clrMapOvr>
-</p:sld>
-</file>
-
-<file path=ppt/slides/slide10.xml><?xml version="1.0" encoding="utf-8"?>
-<p:sld xmlns:a="http://schemas.openxmlformats.org/drawingml/2006/main" xmlns:r="http://schemas.openxmlformats.org/officeDocument/2006/relationships" xmlns:p="http://schemas.openxmlformats.org/presentationml/2006/main">
+<p:sld xmlns:a="http://schemas.openxmlformats.org/drawingml/2006/main" xmlns:r="http://schemas.openxmlformats.org/officeDocument/2006/relationships" xmlns:p="http://schemas.openxmlformats.org/presentationml/2006/main" showMasterSp="0">
   <p:cSld>
     <p:spTree>
       <p:nvGrpSpPr>
@@ -7239,6 +6860,521 @@
       </p:grpSpPr>
       <p:sp>
         <p:nvSpPr>
+          <p:cNvPr id="11" name="Prostokąt 10">
+            <a:extLst>
+              <a:ext uri="{FF2B5EF4-FFF2-40B4-BE49-F238E27FC236}">
+                <a16:creationId xmlns:a16="http://schemas.microsoft.com/office/drawing/2014/main" id="{2D551A64-5D96-4675-AFC5-45A8CE926A08}"/>
+              </a:ext>
+            </a:extLst>
+          </p:cNvPr>
+          <p:cNvSpPr/>
+          <p:nvPr/>
+        </p:nvSpPr>
+        <p:spPr>
+          <a:xfrm>
+            <a:off x="0" y="1106310"/>
+            <a:ext cx="12192000" cy="5751689"/>
+          </a:xfrm>
+          <a:prstGeom prst="rect">
+            <a:avLst/>
+          </a:prstGeom>
+          <a:solidFill>
+            <a:srgbClr val="006EFB"/>
+          </a:solidFill>
+        </p:spPr>
+        <p:style>
+          <a:lnRef idx="2">
+            <a:schemeClr val="accent1">
+              <a:shade val="50000"/>
+            </a:schemeClr>
+          </a:lnRef>
+          <a:fillRef idx="1">
+            <a:schemeClr val="accent1"/>
+          </a:fillRef>
+          <a:effectRef idx="0">
+            <a:schemeClr val="accent1"/>
+          </a:effectRef>
+          <a:fontRef idx="minor">
+            <a:schemeClr val="lt1"/>
+          </a:fontRef>
+        </p:style>
+        <p:txBody>
+          <a:bodyPr rtlCol="0" anchor="ctr"/>
+          <a:lstStyle/>
+          <a:p>
+            <a:pPr algn="ctr"/>
+            <a:endParaRPr lang="pl-PL"/>
+          </a:p>
+        </p:txBody>
+      </p:sp>
+      <p:sp>
+        <p:nvSpPr>
+          <p:cNvPr id="2" name="Tytuł 1">
+            <a:extLst>
+              <a:ext uri="{FF2B5EF4-FFF2-40B4-BE49-F238E27FC236}">
+                <a16:creationId xmlns:a16="http://schemas.microsoft.com/office/drawing/2014/main" id="{E784F85C-2E7C-EFA2-7D55-6A9681ABABA9}"/>
+              </a:ext>
+            </a:extLst>
+          </p:cNvPr>
+          <p:cNvSpPr>
+            <a:spLocks noGrp="1"/>
+          </p:cNvSpPr>
+          <p:nvPr>
+            <p:ph type="ctrTitle"/>
+          </p:nvPr>
+        </p:nvSpPr>
+        <p:spPr>
+          <a:xfrm>
+            <a:off x="4142934" y="2626546"/>
+            <a:ext cx="7405688" cy="1604907"/>
+          </a:xfrm>
+        </p:spPr>
+        <p:txBody>
+          <a:bodyPr/>
+          <a:lstStyle/>
+          <a:p>
+            <a:pPr algn="ctr"/>
+            <a:r>
+              <a:rPr lang="pl-PL" b="1" dirty="0">
+                <a:solidFill>
+                  <a:schemeClr val="bg1"/>
+                </a:solidFill>
+                <a:latin typeface="Calibri" panose="020F0502020204030204" pitchFamily="34" charset="0"/>
+                <a:cs typeface="Calibri" panose="020F0502020204030204" pitchFamily="34" charset="0"/>
+              </a:rPr>
+              <a:t>Technologia</a:t>
+            </a:r>
+            <a:r>
+              <a:rPr lang="pl-PL" b="1" dirty="0">
+                <a:solidFill>
+                  <a:schemeClr val="bg1"/>
+                </a:solidFill>
+                <a:latin typeface="Arial" panose="020B0604020202020204" pitchFamily="34" charset="0"/>
+                <a:cs typeface="Arial" panose="020B0604020202020204" pitchFamily="34" charset="0"/>
+              </a:rPr>
+              <a:t> vs GDP</a:t>
+            </a:r>
+          </a:p>
+        </p:txBody>
+      </p:sp>
+      <p:sp>
+        <p:nvSpPr>
+          <p:cNvPr id="9" name="Tytuł 1">
+            <a:extLst>
+              <a:ext uri="{FF2B5EF4-FFF2-40B4-BE49-F238E27FC236}">
+                <a16:creationId xmlns:a16="http://schemas.microsoft.com/office/drawing/2014/main" id="{9A9C0D97-53D7-E0FA-3C4B-CB18FFC14FA7}"/>
+              </a:ext>
+            </a:extLst>
+          </p:cNvPr>
+          <p:cNvSpPr txBox="1">
+            <a:spLocks/>
+          </p:cNvSpPr>
+          <p:nvPr/>
+        </p:nvSpPr>
+        <p:spPr>
+          <a:xfrm>
+            <a:off x="3724712" y="3351806"/>
+            <a:ext cx="7252256" cy="621137"/>
+          </a:xfrm>
+          <a:prstGeom prst="rect">
+            <a:avLst/>
+          </a:prstGeom>
+        </p:spPr>
+        <p:txBody>
+          <a:bodyPr vert="horz" lIns="91440" tIns="45720" rIns="91440" bIns="45720" rtlCol="0" anchor="b">
+            <a:noAutofit/>
+          </a:bodyPr>
+          <a:lstStyle>
+            <a:lvl1pPr algn="r" defTabSz="457200" rtl="0" eaLnBrk="1" latinLnBrk="0" hangingPunct="1">
+              <a:spcBef>
+                <a:spcPct val="0"/>
+              </a:spcBef>
+              <a:buNone/>
+              <a:defRPr sz="5400" kern="1200">
+                <a:solidFill>
+                  <a:schemeClr val="accent1"/>
+                </a:solidFill>
+                <a:latin typeface="+mj-lt"/>
+                <a:ea typeface="+mj-ea"/>
+                <a:cs typeface="+mj-cs"/>
+              </a:defRPr>
+            </a:lvl1pPr>
+            <a:lvl2pPr eaLnBrk="1" hangingPunct="1">
+              <a:defRPr>
+                <a:solidFill>
+                  <a:schemeClr val="tx2"/>
+                </a:solidFill>
+              </a:defRPr>
+            </a:lvl2pPr>
+            <a:lvl3pPr eaLnBrk="1" hangingPunct="1">
+              <a:defRPr>
+                <a:solidFill>
+                  <a:schemeClr val="tx2"/>
+                </a:solidFill>
+              </a:defRPr>
+            </a:lvl3pPr>
+            <a:lvl4pPr eaLnBrk="1" hangingPunct="1">
+              <a:defRPr>
+                <a:solidFill>
+                  <a:schemeClr val="tx2"/>
+                </a:solidFill>
+              </a:defRPr>
+            </a:lvl4pPr>
+            <a:lvl5pPr eaLnBrk="1" hangingPunct="1">
+              <a:defRPr>
+                <a:solidFill>
+                  <a:schemeClr val="tx2"/>
+                </a:solidFill>
+              </a:defRPr>
+            </a:lvl5pPr>
+            <a:lvl6pPr eaLnBrk="1" hangingPunct="1">
+              <a:defRPr>
+                <a:solidFill>
+                  <a:schemeClr val="tx2"/>
+                </a:solidFill>
+              </a:defRPr>
+            </a:lvl6pPr>
+            <a:lvl7pPr eaLnBrk="1" hangingPunct="1">
+              <a:defRPr>
+                <a:solidFill>
+                  <a:schemeClr val="tx2"/>
+                </a:solidFill>
+              </a:defRPr>
+            </a:lvl7pPr>
+            <a:lvl8pPr eaLnBrk="1" hangingPunct="1">
+              <a:defRPr>
+                <a:solidFill>
+                  <a:schemeClr val="tx2"/>
+                </a:solidFill>
+              </a:defRPr>
+            </a:lvl8pPr>
+            <a:lvl9pPr eaLnBrk="1" hangingPunct="1">
+              <a:defRPr>
+                <a:solidFill>
+                  <a:schemeClr val="tx2"/>
+                </a:solidFill>
+              </a:defRPr>
+            </a:lvl9pPr>
+          </a:lstStyle>
+          <a:p>
+            <a:pPr algn="l"/>
+            <a:endParaRPr lang="pl-PL" sz="4800" dirty="0">
+              <a:solidFill>
+                <a:schemeClr val="accent2">
+                  <a:lumMod val="60000"/>
+                  <a:lumOff val="40000"/>
+                </a:schemeClr>
+              </a:solidFill>
+            </a:endParaRPr>
+          </a:p>
+        </p:txBody>
+      </p:sp>
+      <p:pic>
+        <p:nvPicPr>
+          <p:cNvPr id="5" name="Obraz 4">
+            <a:extLst>
+              <a:ext uri="{FF2B5EF4-FFF2-40B4-BE49-F238E27FC236}">
+                <a16:creationId xmlns:a16="http://schemas.microsoft.com/office/drawing/2014/main" id="{582D0C5E-9EF6-4E93-9C86-F0FB12D46541}"/>
+              </a:ext>
+            </a:extLst>
+          </p:cNvPr>
+          <p:cNvPicPr>
+            <a:picLocks noChangeAspect="1"/>
+          </p:cNvPicPr>
+          <p:nvPr/>
+        </p:nvPicPr>
+        <p:blipFill rotWithShape="1">
+          <a:blip r:embed="rId3"/>
+          <a:srcRect l="9923" t="32714" r="11163" b="30428"/>
+          <a:stretch/>
+        </p:blipFill>
+        <p:spPr>
+          <a:xfrm>
+            <a:off x="158045" y="190871"/>
+            <a:ext cx="1885244" cy="587022"/>
+          </a:xfrm>
+          <a:prstGeom prst="rect">
+            <a:avLst/>
+          </a:prstGeom>
+        </p:spPr>
+      </p:pic>
+      <p:sp>
+        <p:nvSpPr>
+          <p:cNvPr id="6" name="pole tekstowe 5">
+            <a:extLst>
+              <a:ext uri="{FF2B5EF4-FFF2-40B4-BE49-F238E27FC236}">
+                <a16:creationId xmlns:a16="http://schemas.microsoft.com/office/drawing/2014/main" id="{EADC1AA3-8A3B-4FA0-9FCA-8C9DCB4B3870}"/>
+              </a:ext>
+            </a:extLst>
+          </p:cNvPr>
+          <p:cNvSpPr txBox="1"/>
+          <p:nvPr/>
+        </p:nvSpPr>
+        <p:spPr>
+          <a:xfrm>
+            <a:off x="9207566" y="179458"/>
+            <a:ext cx="2826389" cy="707886"/>
+          </a:xfrm>
+          <a:prstGeom prst="rect">
+            <a:avLst/>
+          </a:prstGeom>
+          <a:noFill/>
+        </p:spPr>
+        <p:txBody>
+          <a:bodyPr wrap="square" rtlCol="0">
+            <a:spAutoFit/>
+          </a:bodyPr>
+          <a:lstStyle/>
+          <a:p>
+            <a:pPr algn="r"/>
+            <a:r>
+              <a:rPr lang="pl-PL" sz="2000" b="1" dirty="0">
+                <a:solidFill>
+                  <a:srgbClr val="006EFB"/>
+                </a:solidFill>
+                <a:latin typeface="Arial" panose="020B0604020202020204" pitchFamily="34" charset="0"/>
+                <a:ea typeface="+mj-ea"/>
+                <a:cs typeface="Arial" panose="020B0604020202020204" pitchFamily="34" charset="0"/>
+              </a:rPr>
+              <a:t>BIG DATA</a:t>
+            </a:r>
+            <a:br>
+              <a:rPr lang="pl-PL" sz="2000" b="1" dirty="0">
+                <a:solidFill>
+                  <a:srgbClr val="006EFB"/>
+                </a:solidFill>
+                <a:latin typeface="Arial" panose="020B0604020202020204" pitchFamily="34" charset="0"/>
+                <a:ea typeface="+mj-ea"/>
+                <a:cs typeface="Arial" panose="020B0604020202020204" pitchFamily="34" charset="0"/>
+              </a:rPr>
+            </a:br>
+            <a:r>
+              <a:rPr lang="pl-PL" sz="2000" b="1" dirty="0">
+                <a:solidFill>
+                  <a:srgbClr val="006EFB"/>
+                </a:solidFill>
+                <a:latin typeface="Arial" panose="020B0604020202020204" pitchFamily="34" charset="0"/>
+                <a:ea typeface="+mj-ea"/>
+                <a:cs typeface="Arial" panose="020B0604020202020204" pitchFamily="34" charset="0"/>
+              </a:rPr>
+              <a:t>Inżynieria danych</a:t>
+            </a:r>
+          </a:p>
+        </p:txBody>
+      </p:sp>
+      <p:sp>
+        <p:nvSpPr>
+          <p:cNvPr id="7" name="pole tekstowe 6">
+            <a:extLst>
+              <a:ext uri="{FF2B5EF4-FFF2-40B4-BE49-F238E27FC236}">
+                <a16:creationId xmlns:a16="http://schemas.microsoft.com/office/drawing/2014/main" id="{0B75C223-B010-4594-A289-6847F87711B1}"/>
+              </a:ext>
+            </a:extLst>
+          </p:cNvPr>
+          <p:cNvSpPr txBox="1"/>
+          <p:nvPr/>
+        </p:nvSpPr>
+        <p:spPr>
+          <a:xfrm>
+            <a:off x="3913209" y="4416846"/>
+            <a:ext cx="7857157" cy="369332"/>
+          </a:xfrm>
+          <a:prstGeom prst="rect">
+            <a:avLst/>
+          </a:prstGeom>
+          <a:noFill/>
+        </p:spPr>
+        <p:txBody>
+          <a:bodyPr wrap="square" rtlCol="0">
+            <a:spAutoFit/>
+          </a:bodyPr>
+          <a:lstStyle/>
+          <a:p>
+            <a:pPr algn="ctr"/>
+            <a:r>
+              <a:rPr lang="pl-PL" dirty="0">
+                <a:solidFill>
+                  <a:schemeClr val="bg1"/>
+                </a:solidFill>
+              </a:rPr>
+              <a:t>Praca dyplomowa – grupa 4</a:t>
+            </a:r>
+          </a:p>
+        </p:txBody>
+      </p:sp>
+      <p:sp>
+        <p:nvSpPr>
+          <p:cNvPr id="13" name="pole tekstowe 12">
+            <a:extLst>
+              <a:ext uri="{FF2B5EF4-FFF2-40B4-BE49-F238E27FC236}">
+                <a16:creationId xmlns:a16="http://schemas.microsoft.com/office/drawing/2014/main" id="{35C4E600-150C-4AC3-BE30-22A628200949}"/>
+              </a:ext>
+            </a:extLst>
+          </p:cNvPr>
+          <p:cNvSpPr txBox="1"/>
+          <p:nvPr/>
+        </p:nvSpPr>
+        <p:spPr>
+          <a:xfrm>
+            <a:off x="-413653" y="4624058"/>
+            <a:ext cx="3438870" cy="1169551"/>
+          </a:xfrm>
+          <a:prstGeom prst="rect">
+            <a:avLst/>
+          </a:prstGeom>
+          <a:noFill/>
+        </p:spPr>
+        <p:txBody>
+          <a:bodyPr wrap="square" rtlCol="0">
+            <a:spAutoFit/>
+          </a:bodyPr>
+          <a:lstStyle/>
+          <a:p>
+            <a:pPr algn="r"/>
+            <a:r>
+              <a:rPr lang="pl-PL" sz="1400" dirty="0">
+                <a:solidFill>
+                  <a:schemeClr val="bg1"/>
+                </a:solidFill>
+              </a:rPr>
+              <a:t>Dominiak Adrian</a:t>
+            </a:r>
+          </a:p>
+          <a:p>
+            <a:pPr algn="r"/>
+            <a:r>
+              <a:rPr lang="pl-PL" sz="1400" dirty="0">
+                <a:solidFill>
+                  <a:schemeClr val="bg1"/>
+                </a:solidFill>
+              </a:rPr>
+              <a:t>Grzegorska Wioleta</a:t>
+            </a:r>
+          </a:p>
+          <a:p>
+            <a:pPr algn="r"/>
+            <a:r>
+              <a:rPr lang="pl-PL" sz="1400" dirty="0">
+                <a:solidFill>
+                  <a:schemeClr val="bg1"/>
+                </a:solidFill>
+              </a:rPr>
+              <a:t>Krzewina Barbara </a:t>
+            </a:r>
+          </a:p>
+          <a:p>
+            <a:pPr algn="r"/>
+            <a:r>
+              <a:rPr lang="pl-PL" sz="1400" dirty="0">
+                <a:solidFill>
+                  <a:schemeClr val="bg1"/>
+                </a:solidFill>
+              </a:rPr>
+              <a:t>Prymas Agnieszka </a:t>
+            </a:r>
+          </a:p>
+          <a:p>
+            <a:pPr algn="r"/>
+            <a:r>
+              <a:rPr lang="pl-PL" sz="1400" dirty="0">
+                <a:solidFill>
+                  <a:schemeClr val="bg1"/>
+                </a:solidFill>
+              </a:rPr>
+              <a:t>Urbańska-</a:t>
+            </a:r>
+            <a:r>
+              <a:rPr lang="pl-PL" sz="1400" dirty="0" err="1">
+                <a:solidFill>
+                  <a:schemeClr val="bg1"/>
+                </a:solidFill>
+              </a:rPr>
+              <a:t>Jacoszek</a:t>
+            </a:r>
+            <a:r>
+              <a:rPr lang="pl-PL" sz="1400" dirty="0">
+                <a:solidFill>
+                  <a:schemeClr val="bg1"/>
+                </a:solidFill>
+              </a:rPr>
+              <a:t> Marta </a:t>
+            </a:r>
+          </a:p>
+        </p:txBody>
+      </p:sp>
+      <p:cxnSp>
+        <p:nvCxnSpPr>
+          <p:cNvPr id="15" name="Łącznik prosty 14">
+            <a:extLst>
+              <a:ext uri="{FF2B5EF4-FFF2-40B4-BE49-F238E27FC236}">
+                <a16:creationId xmlns:a16="http://schemas.microsoft.com/office/drawing/2014/main" id="{1F63E4B5-6C81-4103-AD4F-AA20ED49A81F}"/>
+              </a:ext>
+            </a:extLst>
+          </p:cNvPr>
+          <p:cNvCxnSpPr/>
+          <p:nvPr/>
+        </p:nvCxnSpPr>
+        <p:spPr>
+          <a:xfrm>
+            <a:off x="3499555" y="1840089"/>
+            <a:ext cx="0" cy="3911601"/>
+          </a:xfrm>
+          <a:prstGeom prst="line">
+            <a:avLst/>
+          </a:prstGeom>
+          <a:ln>
+            <a:solidFill>
+              <a:schemeClr val="bg1"/>
+            </a:solidFill>
+          </a:ln>
+        </p:spPr>
+        <p:style>
+          <a:lnRef idx="1">
+            <a:schemeClr val="accent1"/>
+          </a:lnRef>
+          <a:fillRef idx="0">
+            <a:schemeClr val="accent1"/>
+          </a:fillRef>
+          <a:effectRef idx="0">
+            <a:schemeClr val="accent1"/>
+          </a:effectRef>
+          <a:fontRef idx="minor">
+            <a:schemeClr val="tx1"/>
+          </a:fontRef>
+        </p:style>
+      </p:cxnSp>
+    </p:spTree>
+    <p:extLst>
+      <p:ext uri="{BB962C8B-B14F-4D97-AF65-F5344CB8AC3E}">
+        <p14:creationId xmlns:p14="http://schemas.microsoft.com/office/powerpoint/2010/main" val="3265156635"/>
+      </p:ext>
+    </p:extLst>
+  </p:cSld>
+  <p:clrMapOvr>
+    <a:masterClrMapping/>
+  </p:clrMapOvr>
+</p:sld>
+</file>
+
+<file path=ppt/slides/slide10.xml><?xml version="1.0" encoding="utf-8"?>
+<p:sld xmlns:a="http://schemas.openxmlformats.org/drawingml/2006/main" xmlns:r="http://schemas.openxmlformats.org/officeDocument/2006/relationships" xmlns:p="http://schemas.openxmlformats.org/presentationml/2006/main" showMasterSp="0">
+  <p:cSld>
+    <p:spTree>
+      <p:nvGrpSpPr>
+        <p:cNvPr id="1" name=""/>
+        <p:cNvGrpSpPr/>
+        <p:nvPr/>
+      </p:nvGrpSpPr>
+      <p:grpSpPr>
+        <a:xfrm>
+          <a:off x="0" y="0"/>
+          <a:ext cx="0" cy="0"/>
+          <a:chOff x="0" y="0"/>
+          <a:chExt cx="0" cy="0"/>
+        </a:xfrm>
+      </p:grpSpPr>
+      <p:sp>
+        <p:nvSpPr>
           <p:cNvPr id="2" name="Tytuł 1">
             <a:extLst>
               <a:ext uri="{FF2B5EF4-FFF2-40B4-BE49-F238E27FC236}">
@@ -7338,12 +7474,14 @@
           </a:lstStyle>
           <a:p>
             <a:r>
-              <a:rPr lang="pl-PL" dirty="0">
-                <a:solidFill>
-                  <a:schemeClr val="accent2"/>
-                </a:solidFill>
+              <a:rPr lang="pl-PL" sz="3200" b="1" dirty="0">
+                <a:solidFill>
+                  <a:srgbClr val="006EFB"/>
+                </a:solidFill>
+                <a:latin typeface="Arial" panose="020B0604020202020204" pitchFamily="34" charset="0"/>
+                <a:cs typeface="Arial" panose="020B0604020202020204" pitchFamily="34" charset="0"/>
               </a:rPr>
-              <a:t>Wnioski:</a:t>
+              <a:t>Wnioski</a:t>
             </a:r>
           </a:p>
         </p:txBody>
@@ -7712,7 +7850,7 @@
 </file>
 
 <file path=ppt/slides/slide2.xml><?xml version="1.0" encoding="utf-8"?>
-<p:sld xmlns:a="http://schemas.openxmlformats.org/drawingml/2006/main" xmlns:r="http://schemas.openxmlformats.org/officeDocument/2006/relationships" xmlns:p="http://schemas.openxmlformats.org/presentationml/2006/main">
+<p:sld xmlns:a="http://schemas.openxmlformats.org/drawingml/2006/main" xmlns:r="http://schemas.openxmlformats.org/officeDocument/2006/relationships" xmlns:p="http://schemas.openxmlformats.org/presentationml/2006/main" showMasterSp="0">
   <p:cSld>
     <p:spTree>
       <p:nvGrpSpPr>
@@ -7746,7 +7884,7 @@
         </p:nvSpPr>
         <p:spPr>
           <a:xfrm>
-            <a:off x="677334" y="331712"/>
+            <a:off x="677335" y="685805"/>
             <a:ext cx="8596668" cy="717395"/>
           </a:xfrm>
         </p:spPr>
@@ -7757,12 +7895,14 @@
           <a:lstStyle/>
           <a:p>
             <a:r>
-              <a:rPr lang="pl-PL" dirty="0">
-                <a:solidFill>
-                  <a:schemeClr val="accent2"/>
-                </a:solidFill>
+              <a:rPr lang="pl-PL" sz="3200" b="1" dirty="0">
+                <a:solidFill>
+                  <a:srgbClr val="006EFB"/>
+                </a:solidFill>
+                <a:latin typeface="Arial" panose="020B0604020202020204" pitchFamily="34" charset="0"/>
+                <a:cs typeface="Arial" panose="020B0604020202020204" pitchFamily="34" charset="0"/>
               </a:rPr>
-              <a:t>Opis projektu:</a:t>
+              <a:t>Opis projektu</a:t>
             </a:r>
           </a:p>
         </p:txBody>
@@ -7785,8 +7925,8 @@
         </p:nvSpPr>
         <p:spPr>
           <a:xfrm>
-            <a:off x="677334" y="1208791"/>
-            <a:ext cx="9013076" cy="1276889"/>
+            <a:off x="677334" y="1562884"/>
+            <a:ext cx="10972799" cy="1276889"/>
           </a:xfrm>
         </p:spPr>
         <p:txBody>
@@ -7799,436 +7939,6 @@
             <a:r>
               <a:rPr lang="pl-PL" dirty="0"/>
               <a:t>Projekt dostarczy istotnych informacji na temat wpływu dostępu do nowoczesnych technologii komunikacyjnych i środków transportu na rozwój gospodarczy, jednocześnie zwracając uwagę na aspekty zrównoważonego rozwoju, takie jak efektywność energetyczna i emisyjność.</a:t>
-            </a:r>
-          </a:p>
-        </p:txBody>
-      </p:sp>
-      <p:sp>
-        <p:nvSpPr>
-          <p:cNvPr id="4" name="Tytuł 1">
-            <a:extLst>
-              <a:ext uri="{FF2B5EF4-FFF2-40B4-BE49-F238E27FC236}">
-                <a16:creationId xmlns:a16="http://schemas.microsoft.com/office/drawing/2014/main" id="{9B23CEB8-1783-1B12-2109-A14E7EB19666}"/>
-              </a:ext>
-            </a:extLst>
-          </p:cNvPr>
-          <p:cNvSpPr txBox="1">
-            <a:spLocks/>
-          </p:cNvSpPr>
-          <p:nvPr/>
-        </p:nvSpPr>
-        <p:spPr>
-          <a:xfrm>
-            <a:off x="677334" y="2645364"/>
-            <a:ext cx="8596668" cy="717395"/>
-          </a:xfrm>
-          <a:prstGeom prst="rect">
-            <a:avLst/>
-          </a:prstGeom>
-        </p:spPr>
-        <p:txBody>
-          <a:bodyPr vert="horz" lIns="91440" tIns="45720" rIns="91440" bIns="45720" rtlCol="0" anchor="t">
-            <a:normAutofit/>
-          </a:bodyPr>
-          <a:lstStyle>
-            <a:lvl1pPr algn="l" defTabSz="457200" rtl="0" eaLnBrk="1" latinLnBrk="0" hangingPunct="1">
-              <a:spcBef>
-                <a:spcPct val="0"/>
-              </a:spcBef>
-              <a:buNone/>
-              <a:defRPr sz="3600" kern="1200">
-                <a:solidFill>
-                  <a:schemeClr val="accent1"/>
-                </a:solidFill>
-                <a:latin typeface="+mj-lt"/>
-                <a:ea typeface="+mj-ea"/>
-                <a:cs typeface="+mj-cs"/>
-              </a:defRPr>
-            </a:lvl1pPr>
-            <a:lvl2pPr eaLnBrk="1" hangingPunct="1">
-              <a:defRPr>
-                <a:solidFill>
-                  <a:schemeClr val="tx2"/>
-                </a:solidFill>
-              </a:defRPr>
-            </a:lvl2pPr>
-            <a:lvl3pPr eaLnBrk="1" hangingPunct="1">
-              <a:defRPr>
-                <a:solidFill>
-                  <a:schemeClr val="tx2"/>
-                </a:solidFill>
-              </a:defRPr>
-            </a:lvl3pPr>
-            <a:lvl4pPr eaLnBrk="1" hangingPunct="1">
-              <a:defRPr>
-                <a:solidFill>
-                  <a:schemeClr val="tx2"/>
-                </a:solidFill>
-              </a:defRPr>
-            </a:lvl4pPr>
-            <a:lvl5pPr eaLnBrk="1" hangingPunct="1">
-              <a:defRPr>
-                <a:solidFill>
-                  <a:schemeClr val="tx2"/>
-                </a:solidFill>
-              </a:defRPr>
-            </a:lvl5pPr>
-            <a:lvl6pPr eaLnBrk="1" hangingPunct="1">
-              <a:defRPr>
-                <a:solidFill>
-                  <a:schemeClr val="tx2"/>
-                </a:solidFill>
-              </a:defRPr>
-            </a:lvl6pPr>
-            <a:lvl7pPr eaLnBrk="1" hangingPunct="1">
-              <a:defRPr>
-                <a:solidFill>
-                  <a:schemeClr val="tx2"/>
-                </a:solidFill>
-              </a:defRPr>
-            </a:lvl7pPr>
-            <a:lvl8pPr eaLnBrk="1" hangingPunct="1">
-              <a:defRPr>
-                <a:solidFill>
-                  <a:schemeClr val="tx2"/>
-                </a:solidFill>
-              </a:defRPr>
-            </a:lvl8pPr>
-            <a:lvl9pPr eaLnBrk="1" hangingPunct="1">
-              <a:defRPr>
-                <a:solidFill>
-                  <a:schemeClr val="tx2"/>
-                </a:solidFill>
-              </a:defRPr>
-            </a:lvl9pPr>
-          </a:lstStyle>
-          <a:p>
-            <a:r>
-              <a:rPr lang="pl-PL" dirty="0">
-                <a:solidFill>
-                  <a:schemeClr val="accent2"/>
-                </a:solidFill>
-              </a:rPr>
-              <a:t>Autorzy projektu:</a:t>
-            </a:r>
-          </a:p>
-        </p:txBody>
-      </p:sp>
-      <p:sp>
-        <p:nvSpPr>
-          <p:cNvPr id="5" name="Symbol zastępczy zawartości 2">
-            <a:extLst>
-              <a:ext uri="{FF2B5EF4-FFF2-40B4-BE49-F238E27FC236}">
-                <a16:creationId xmlns:a16="http://schemas.microsoft.com/office/drawing/2014/main" id="{521BE6F3-14DE-E805-5520-698C7C3AD429}"/>
-              </a:ext>
-            </a:extLst>
-          </p:cNvPr>
-          <p:cNvSpPr txBox="1">
-            <a:spLocks/>
-          </p:cNvSpPr>
-          <p:nvPr/>
-        </p:nvSpPr>
-        <p:spPr>
-          <a:xfrm>
-            <a:off x="677334" y="3382175"/>
-            <a:ext cx="8596668" cy="2027889"/>
-          </a:xfrm>
-          <a:prstGeom prst="rect">
-            <a:avLst/>
-          </a:prstGeom>
-        </p:spPr>
-        <p:txBody>
-          <a:bodyPr vert="horz" lIns="91440" tIns="45720" rIns="91440" bIns="45720" rtlCol="0">
-            <a:normAutofit/>
-          </a:bodyPr>
-          <a:lstStyle>
-            <a:lvl1pPr marL="342900" indent="-342900" algn="l" defTabSz="457200" rtl="0" eaLnBrk="1" latinLnBrk="0" hangingPunct="1">
-              <a:spcBef>
-                <a:spcPts val="1000"/>
-              </a:spcBef>
-              <a:spcAft>
-                <a:spcPts val="0"/>
-              </a:spcAft>
-              <a:buClr>
-                <a:schemeClr val="accent1"/>
-              </a:buClr>
-              <a:buSzPct val="80000"/>
-              <a:buFont typeface="Wingdings 3" charset="2"/>
-              <a:buChar char=""/>
-              <a:defRPr sz="1800" kern="1200">
-                <a:solidFill>
-                  <a:schemeClr val="tx1">
-                    <a:lumMod val="75000"/>
-                    <a:lumOff val="25000"/>
-                  </a:schemeClr>
-                </a:solidFill>
-                <a:latin typeface="+mn-lt"/>
-                <a:ea typeface="+mn-ea"/>
-                <a:cs typeface="+mn-cs"/>
-              </a:defRPr>
-            </a:lvl1pPr>
-            <a:lvl2pPr marL="742950" indent="-285750" algn="l" defTabSz="457200" rtl="0" eaLnBrk="1" latinLnBrk="0" hangingPunct="1">
-              <a:spcBef>
-                <a:spcPts val="1000"/>
-              </a:spcBef>
-              <a:spcAft>
-                <a:spcPts val="0"/>
-              </a:spcAft>
-              <a:buClr>
-                <a:schemeClr val="accent1"/>
-              </a:buClr>
-              <a:buSzPct val="80000"/>
-              <a:buFont typeface="Wingdings 3" charset="2"/>
-              <a:buChar char=""/>
-              <a:defRPr sz="1600" kern="1200">
-                <a:solidFill>
-                  <a:schemeClr val="tx1">
-                    <a:lumMod val="75000"/>
-                    <a:lumOff val="25000"/>
-                  </a:schemeClr>
-                </a:solidFill>
-                <a:latin typeface="+mn-lt"/>
-                <a:ea typeface="+mn-ea"/>
-                <a:cs typeface="+mn-cs"/>
-              </a:defRPr>
-            </a:lvl2pPr>
-            <a:lvl3pPr marL="1143000" indent="-228600" algn="l" defTabSz="457200" rtl="0" eaLnBrk="1" latinLnBrk="0" hangingPunct="1">
-              <a:spcBef>
-                <a:spcPts val="1000"/>
-              </a:spcBef>
-              <a:spcAft>
-                <a:spcPts val="0"/>
-              </a:spcAft>
-              <a:buClr>
-                <a:schemeClr val="accent1"/>
-              </a:buClr>
-              <a:buSzPct val="80000"/>
-              <a:buFont typeface="Wingdings 3" charset="2"/>
-              <a:buChar char=""/>
-              <a:defRPr sz="1400" kern="1200">
-                <a:solidFill>
-                  <a:schemeClr val="tx1">
-                    <a:lumMod val="75000"/>
-                    <a:lumOff val="25000"/>
-                  </a:schemeClr>
-                </a:solidFill>
-                <a:latin typeface="+mn-lt"/>
-                <a:ea typeface="+mn-ea"/>
-                <a:cs typeface="+mn-cs"/>
-              </a:defRPr>
-            </a:lvl3pPr>
-            <a:lvl4pPr marL="1600200" indent="-228600" algn="l" defTabSz="457200" rtl="0" eaLnBrk="1" latinLnBrk="0" hangingPunct="1">
-              <a:spcBef>
-                <a:spcPts val="1000"/>
-              </a:spcBef>
-              <a:spcAft>
-                <a:spcPts val="0"/>
-              </a:spcAft>
-              <a:buClr>
-                <a:schemeClr val="accent1"/>
-              </a:buClr>
-              <a:buSzPct val="80000"/>
-              <a:buFont typeface="Wingdings 3" charset="2"/>
-              <a:buChar char=""/>
-              <a:defRPr sz="1200" kern="1200">
-                <a:solidFill>
-                  <a:schemeClr val="tx1">
-                    <a:lumMod val="75000"/>
-                    <a:lumOff val="25000"/>
-                  </a:schemeClr>
-                </a:solidFill>
-                <a:latin typeface="+mn-lt"/>
-                <a:ea typeface="+mn-ea"/>
-                <a:cs typeface="+mn-cs"/>
-              </a:defRPr>
-            </a:lvl4pPr>
-            <a:lvl5pPr marL="2057400" indent="-228600" algn="l" defTabSz="457200" rtl="0" eaLnBrk="1" latinLnBrk="0" hangingPunct="1">
-              <a:spcBef>
-                <a:spcPts val="1000"/>
-              </a:spcBef>
-              <a:spcAft>
-                <a:spcPts val="0"/>
-              </a:spcAft>
-              <a:buClr>
-                <a:schemeClr val="accent1"/>
-              </a:buClr>
-              <a:buSzPct val="80000"/>
-              <a:buFont typeface="Wingdings 3" charset="2"/>
-              <a:buChar char=""/>
-              <a:defRPr sz="1200" kern="1200">
-                <a:solidFill>
-                  <a:schemeClr val="tx1">
-                    <a:lumMod val="75000"/>
-                    <a:lumOff val="25000"/>
-                  </a:schemeClr>
-                </a:solidFill>
-                <a:latin typeface="+mn-lt"/>
-                <a:ea typeface="+mn-ea"/>
-                <a:cs typeface="+mn-cs"/>
-              </a:defRPr>
-            </a:lvl5pPr>
-            <a:lvl6pPr marL="2514600" indent="-228600" algn="l" defTabSz="457200" rtl="0" eaLnBrk="1" latinLnBrk="0" hangingPunct="1">
-              <a:spcBef>
-                <a:spcPts val="1000"/>
-              </a:spcBef>
-              <a:spcAft>
-                <a:spcPts val="0"/>
-              </a:spcAft>
-              <a:buClr>
-                <a:schemeClr val="accent1"/>
-              </a:buClr>
-              <a:buSzPct val="80000"/>
-              <a:buFont typeface="Wingdings 3" charset="2"/>
-              <a:buChar char=""/>
-              <a:defRPr sz="1200" kern="1200">
-                <a:solidFill>
-                  <a:schemeClr val="tx1">
-                    <a:lumMod val="75000"/>
-                    <a:lumOff val="25000"/>
-                  </a:schemeClr>
-                </a:solidFill>
-                <a:latin typeface="+mn-lt"/>
-                <a:ea typeface="+mn-ea"/>
-                <a:cs typeface="+mn-cs"/>
-              </a:defRPr>
-            </a:lvl6pPr>
-            <a:lvl7pPr marL="2971800" indent="-228600" algn="l" defTabSz="457200" rtl="0" eaLnBrk="1" latinLnBrk="0" hangingPunct="1">
-              <a:spcBef>
-                <a:spcPts val="1000"/>
-              </a:spcBef>
-              <a:spcAft>
-                <a:spcPts val="0"/>
-              </a:spcAft>
-              <a:buClr>
-                <a:schemeClr val="accent1"/>
-              </a:buClr>
-              <a:buSzPct val="80000"/>
-              <a:buFont typeface="Wingdings 3" charset="2"/>
-              <a:buChar char=""/>
-              <a:defRPr sz="1200" kern="1200">
-                <a:solidFill>
-                  <a:schemeClr val="tx1">
-                    <a:lumMod val="75000"/>
-                    <a:lumOff val="25000"/>
-                  </a:schemeClr>
-                </a:solidFill>
-                <a:latin typeface="+mn-lt"/>
-                <a:ea typeface="+mn-ea"/>
-                <a:cs typeface="+mn-cs"/>
-              </a:defRPr>
-            </a:lvl7pPr>
-            <a:lvl8pPr marL="3429000" indent="-228600" algn="l" defTabSz="457200" rtl="0" eaLnBrk="1" latinLnBrk="0" hangingPunct="1">
-              <a:spcBef>
-                <a:spcPts val="1000"/>
-              </a:spcBef>
-              <a:spcAft>
-                <a:spcPts val="0"/>
-              </a:spcAft>
-              <a:buClr>
-                <a:schemeClr val="accent1"/>
-              </a:buClr>
-              <a:buSzPct val="80000"/>
-              <a:buFont typeface="Wingdings 3" charset="2"/>
-              <a:buChar char=""/>
-              <a:defRPr sz="1200" kern="1200">
-                <a:solidFill>
-                  <a:schemeClr val="tx1">
-                    <a:lumMod val="75000"/>
-                    <a:lumOff val="25000"/>
-                  </a:schemeClr>
-                </a:solidFill>
-                <a:latin typeface="+mn-lt"/>
-                <a:ea typeface="+mn-ea"/>
-                <a:cs typeface="+mn-cs"/>
-              </a:defRPr>
-            </a:lvl8pPr>
-            <a:lvl9pPr marL="3886200" indent="-228600" algn="l" defTabSz="457200" rtl="0" eaLnBrk="1" latinLnBrk="0" hangingPunct="1">
-              <a:spcBef>
-                <a:spcPts val="1000"/>
-              </a:spcBef>
-              <a:spcAft>
-                <a:spcPts val="0"/>
-              </a:spcAft>
-              <a:buClr>
-                <a:schemeClr val="accent1"/>
-              </a:buClr>
-              <a:buSzPct val="80000"/>
-              <a:buFont typeface="Wingdings 3" charset="2"/>
-              <a:buChar char=""/>
-              <a:defRPr sz="1200" kern="1200">
-                <a:solidFill>
-                  <a:schemeClr val="tx1">
-                    <a:lumMod val="75000"/>
-                    <a:lumOff val="25000"/>
-                  </a:schemeClr>
-                </a:solidFill>
-                <a:latin typeface="+mn-lt"/>
-                <a:ea typeface="+mn-ea"/>
-                <a:cs typeface="+mn-cs"/>
-              </a:defRPr>
-            </a:lvl9pPr>
-          </a:lstStyle>
-          <a:p>
-            <a:pPr>
-              <a:spcBef>
-                <a:spcPts val="600"/>
-              </a:spcBef>
-            </a:pPr>
-            <a:r>
-              <a:rPr lang="pl-PL" dirty="0"/>
-              <a:t>Dominiak Adrian</a:t>
-            </a:r>
-          </a:p>
-          <a:p>
-            <a:pPr>
-              <a:spcBef>
-                <a:spcPts val="600"/>
-              </a:spcBef>
-            </a:pPr>
-            <a:r>
-              <a:rPr lang="pl-PL" dirty="0"/>
-              <a:t>Grzegorska Wioleta</a:t>
-            </a:r>
-          </a:p>
-          <a:p>
-            <a:pPr>
-              <a:spcBef>
-                <a:spcPts val="600"/>
-              </a:spcBef>
-            </a:pPr>
-            <a:r>
-              <a:rPr lang="pl-PL" dirty="0"/>
-              <a:t>Krzewina Barbara </a:t>
-            </a:r>
-          </a:p>
-          <a:p>
-            <a:pPr>
-              <a:spcBef>
-                <a:spcPts val="600"/>
-              </a:spcBef>
-            </a:pPr>
-            <a:r>
-              <a:rPr lang="pl-PL" dirty="0"/>
-              <a:t>Prymas Agnieszka </a:t>
-            </a:r>
-          </a:p>
-          <a:p>
-            <a:pPr>
-              <a:spcBef>
-                <a:spcPts val="600"/>
-              </a:spcBef>
-            </a:pPr>
-            <a:r>
-              <a:rPr lang="pl-PL" dirty="0"/>
-              <a:t>Urbańska-</a:t>
-            </a:r>
-            <a:r>
-              <a:rPr lang="pl-PL" dirty="0" err="1"/>
-              <a:t>Jacoszek</a:t>
-            </a:r>
-            <a:r>
-              <a:rPr lang="pl-PL" dirty="0"/>
-              <a:t> Marta </a:t>
             </a:r>
           </a:p>
         </p:txBody>
@@ -8247,7 +7957,7 @@
         </p:nvSpPr>
         <p:spPr>
           <a:xfrm>
-            <a:off x="677334" y="6239342"/>
+            <a:off x="677334" y="3557168"/>
             <a:ext cx="8410910" cy="369332"/>
           </a:xfrm>
           <a:prstGeom prst="rect">
@@ -8309,7 +8019,7 @@
         </p:nvSpPr>
         <p:spPr>
           <a:xfrm>
-            <a:off x="677334" y="5521947"/>
+            <a:off x="677334" y="2839773"/>
             <a:ext cx="8596668" cy="717395"/>
           </a:xfrm>
           <a:prstGeom prst="rect">
@@ -8394,13 +8104,22 @@
           </a:lstStyle>
           <a:p>
             <a:r>
-              <a:rPr lang="pl-PL" dirty="0">
-                <a:solidFill>
-                  <a:schemeClr val="accent2"/>
-                </a:solidFill>
+              <a:rPr lang="pl-PL" sz="3200" b="1" dirty="0">
+                <a:solidFill>
+                  <a:srgbClr val="006EFB"/>
+                </a:solidFill>
+                <a:latin typeface="Arial" panose="020B0604020202020204" pitchFamily="34" charset="0"/>
+                <a:cs typeface="Arial" panose="020B0604020202020204" pitchFamily="34" charset="0"/>
               </a:rPr>
-              <a:t>GitHub:</a:t>
-            </a:r>
+              <a:t>GitHub</a:t>
+            </a:r>
+            <a:endParaRPr lang="pl-PL" b="1" dirty="0">
+              <a:solidFill>
+                <a:srgbClr val="006EFB"/>
+              </a:solidFill>
+              <a:latin typeface="Arial" panose="020B0604020202020204" pitchFamily="34" charset="0"/>
+              <a:cs typeface="Arial" panose="020B0604020202020204" pitchFamily="34" charset="0"/>
+            </a:endParaRPr>
           </a:p>
         </p:txBody>
       </p:sp>
@@ -8418,7 +8137,7 @@
 </file>
 
 <file path=ppt/slides/slide3.xml><?xml version="1.0" encoding="utf-8"?>
-<p:sld xmlns:a="http://schemas.openxmlformats.org/drawingml/2006/main" xmlns:r="http://schemas.openxmlformats.org/officeDocument/2006/relationships" xmlns:p="http://schemas.openxmlformats.org/presentationml/2006/main">
+<p:sld xmlns:a="http://schemas.openxmlformats.org/drawingml/2006/main" xmlns:r="http://schemas.openxmlformats.org/officeDocument/2006/relationships" xmlns:p="http://schemas.openxmlformats.org/presentationml/2006/main" showMasterSp="0">
   <p:cSld>
     <p:spTree>
       <p:nvGrpSpPr>
@@ -8463,12 +8182,14 @@
           <a:lstStyle/>
           <a:p>
             <a:r>
-              <a:rPr lang="pl-PL" dirty="0">
-                <a:solidFill>
-                  <a:schemeClr val="accent2"/>
-                </a:solidFill>
+              <a:rPr lang="pl-PL" b="1" dirty="0">
+                <a:solidFill>
+                  <a:srgbClr val="006EFB"/>
+                </a:solidFill>
+                <a:latin typeface="Arial" panose="020B0604020202020204" pitchFamily="34" charset="0"/>
+                <a:cs typeface="Arial" panose="020B0604020202020204" pitchFamily="34" charset="0"/>
               </a:rPr>
-              <a:t>Diagram dobranej architektury rozwiązania:</a:t>
+              <a:t>Diagram dobranej architektury rozwiązania</a:t>
             </a:r>
             <a:br>
               <a:rPr lang="pl-PL" dirty="0">
@@ -8539,7 +8260,7 @@
 </file>
 
 <file path=ppt/slides/slide4.xml><?xml version="1.0" encoding="utf-8"?>
-<p:sld xmlns:a="http://schemas.openxmlformats.org/drawingml/2006/main" xmlns:r="http://schemas.openxmlformats.org/officeDocument/2006/relationships" xmlns:p="http://schemas.openxmlformats.org/presentationml/2006/main">
+<p:sld xmlns:a="http://schemas.openxmlformats.org/drawingml/2006/main" xmlns:r="http://schemas.openxmlformats.org/officeDocument/2006/relationships" xmlns:p="http://schemas.openxmlformats.org/presentationml/2006/main" showMasterSp="0">
   <p:cSld>
     <p:spTree>
       <p:nvGrpSpPr>
@@ -8584,36 +8305,44 @@
           <a:lstStyle/>
           <a:p>
             <a:r>
-              <a:rPr lang="pl-PL" dirty="0" err="1">
-                <a:solidFill>
-                  <a:schemeClr val="accent2"/>
-                </a:solidFill>
+              <a:rPr lang="pl-PL" b="1" dirty="0" err="1">
+                <a:solidFill>
+                  <a:srgbClr val="006EFB"/>
+                </a:solidFill>
+                <a:latin typeface="Arial" panose="020B0604020202020204" pitchFamily="34" charset="0"/>
+                <a:cs typeface="Arial" panose="020B0604020202020204" pitchFamily="34" charset="0"/>
               </a:rPr>
               <a:t>Azure</a:t>
             </a:r>
             <a:r>
-              <a:rPr lang="pl-PL" dirty="0">
-                <a:solidFill>
-                  <a:schemeClr val="accent2"/>
-                </a:solidFill>
+              <a:rPr lang="pl-PL" b="1" dirty="0">
+                <a:solidFill>
+                  <a:srgbClr val="006EFB"/>
+                </a:solidFill>
+                <a:latin typeface="Arial" panose="020B0604020202020204" pitchFamily="34" charset="0"/>
+                <a:cs typeface="Arial" panose="020B0604020202020204" pitchFamily="34" charset="0"/>
               </a:rPr>
               <a:t> </a:t>
             </a:r>
             <a:r>
-              <a:rPr lang="pl-PL" dirty="0" err="1">
-                <a:solidFill>
-                  <a:schemeClr val="accent2"/>
-                </a:solidFill>
+              <a:rPr lang="pl-PL" b="1" dirty="0" err="1">
+                <a:solidFill>
+                  <a:srgbClr val="006EFB"/>
+                </a:solidFill>
+                <a:latin typeface="Arial" panose="020B0604020202020204" pitchFamily="34" charset="0"/>
+                <a:cs typeface="Arial" panose="020B0604020202020204" pitchFamily="34" charset="0"/>
               </a:rPr>
               <a:t>DevOPS</a:t>
             </a:r>
             <a:r>
-              <a:rPr lang="pl-PL" dirty="0">
-                <a:solidFill>
-                  <a:schemeClr val="accent2"/>
-                </a:solidFill>
+              <a:rPr lang="pl-PL" b="1" dirty="0">
+                <a:solidFill>
+                  <a:srgbClr val="006EFB"/>
+                </a:solidFill>
+                <a:latin typeface="Arial" panose="020B0604020202020204" pitchFamily="34" charset="0"/>
+                <a:cs typeface="Arial" panose="020B0604020202020204" pitchFamily="34" charset="0"/>
               </a:rPr>
-              <a:t> – podział zadań:</a:t>
+              <a:t> – podział zadań</a:t>
             </a:r>
             <a:br>
               <a:rPr lang="pl-PL" dirty="0">
@@ -8675,7 +8404,7 @@
 </file>
 
 <file path=ppt/slides/slide5.xml><?xml version="1.0" encoding="utf-8"?>
-<p:sld xmlns:a="http://schemas.openxmlformats.org/drawingml/2006/main" xmlns:r="http://schemas.openxmlformats.org/officeDocument/2006/relationships" xmlns:p="http://schemas.openxmlformats.org/presentationml/2006/main">
+<p:sld xmlns:a="http://schemas.openxmlformats.org/drawingml/2006/main" xmlns:r="http://schemas.openxmlformats.org/officeDocument/2006/relationships" xmlns:p="http://schemas.openxmlformats.org/presentationml/2006/main" showMasterSp="0">
   <p:cSld>
     <p:spTree>
       <p:nvGrpSpPr>
@@ -8887,7 +8616,7 @@
 </file>
 
 <file path=ppt/slides/slide6.xml><?xml version="1.0" encoding="utf-8"?>
-<p:sld xmlns:a="http://schemas.openxmlformats.org/drawingml/2006/main" xmlns:r="http://schemas.openxmlformats.org/officeDocument/2006/relationships" xmlns:p="http://schemas.openxmlformats.org/presentationml/2006/main">
+<p:sld xmlns:a="http://schemas.openxmlformats.org/drawingml/2006/main" xmlns:r="http://schemas.openxmlformats.org/officeDocument/2006/relationships" xmlns:p="http://schemas.openxmlformats.org/presentationml/2006/main" showMasterSp="0">
   <p:cSld>
     <p:spTree>
       <p:nvGrpSpPr>
@@ -8993,7 +8722,7 @@
 </file>
 
 <file path=ppt/slides/slide7.xml><?xml version="1.0" encoding="utf-8"?>
-<p:sld xmlns:a="http://schemas.openxmlformats.org/drawingml/2006/main" xmlns:r="http://schemas.openxmlformats.org/officeDocument/2006/relationships" xmlns:p="http://schemas.openxmlformats.org/presentationml/2006/main">
+<p:sld xmlns:a="http://schemas.openxmlformats.org/drawingml/2006/main" xmlns:r="http://schemas.openxmlformats.org/officeDocument/2006/relationships" xmlns:p="http://schemas.openxmlformats.org/presentationml/2006/main" showMasterSp="0">
   <p:cSld>
     <p:spTree>
       <p:nvGrpSpPr>
@@ -9183,7 +8912,7 @@
 </file>
 
 <file path=ppt/slides/slide8.xml><?xml version="1.0" encoding="utf-8"?>
-<p:sld xmlns:a="http://schemas.openxmlformats.org/drawingml/2006/main" xmlns:r="http://schemas.openxmlformats.org/officeDocument/2006/relationships" xmlns:p="http://schemas.openxmlformats.org/presentationml/2006/main">
+<p:sld xmlns:a="http://schemas.openxmlformats.org/drawingml/2006/main" xmlns:r="http://schemas.openxmlformats.org/officeDocument/2006/relationships" xmlns:p="http://schemas.openxmlformats.org/presentationml/2006/main" showMasterSp="0">
   <p:cSld>
     <p:spTree>
       <p:nvGrpSpPr>
@@ -9299,7 +9028,7 @@
 </file>
 
 <file path=ppt/slides/slide9.xml><?xml version="1.0" encoding="utf-8"?>
-<p:sld xmlns:a="http://schemas.openxmlformats.org/drawingml/2006/main" xmlns:r="http://schemas.openxmlformats.org/officeDocument/2006/relationships" xmlns:p="http://schemas.openxmlformats.org/presentationml/2006/main">
+<p:sld xmlns:a="http://schemas.openxmlformats.org/drawingml/2006/main" xmlns:r="http://schemas.openxmlformats.org/officeDocument/2006/relationships" xmlns:p="http://schemas.openxmlformats.org/presentationml/2006/main" showMasterSp="0">
   <p:cSld>
     <p:spTree>
       <p:nvGrpSpPr>
@@ -9370,7 +9099,7 @@
 <file path=ppt/theme/theme1.xml><?xml version="1.0" encoding="utf-8"?>
 <a:theme xmlns:a="http://schemas.openxmlformats.org/drawingml/2006/main" name="Faseta">
   <a:themeElements>
-    <a:clrScheme name="Facet">
+    <a:clrScheme name="Faseta">
       <a:dk1>
         <a:sysClr val="windowText" lastClr="000000"/>
       </a:dk1>
@@ -9384,31 +9113,31 @@
         <a:srgbClr val="EBEBEB"/>
       </a:lt2>
       <a:accent1>
-        <a:srgbClr val="90C226"/>
+        <a:srgbClr val="5FCBEF"/>
       </a:accent1>
       <a:accent2>
-        <a:srgbClr val="54A021"/>
+        <a:srgbClr val="2E83C3"/>
       </a:accent2>
       <a:accent3>
-        <a:srgbClr val="E6B91E"/>
+        <a:srgbClr val="42D0A2"/>
       </a:accent3>
       <a:accent4>
-        <a:srgbClr val="E76618"/>
+        <a:srgbClr val="2E946B"/>
       </a:accent4>
       <a:accent5>
-        <a:srgbClr val="C42F1A"/>
+        <a:srgbClr val="42B051"/>
       </a:accent5>
       <a:accent6>
-        <a:srgbClr val="918655"/>
+        <a:srgbClr val="96D141"/>
       </a:accent6>
       <a:hlink>
-        <a:srgbClr val="99CA3C"/>
+        <a:srgbClr val="3FCDE7"/>
       </a:hlink>
       <a:folHlink>
-        <a:srgbClr val="B9D181"/>
+        <a:srgbClr val="A9D3E1"/>
       </a:folHlink>
     </a:clrScheme>
-    <a:fontScheme name="Facet">
+    <a:fontScheme name="Faseta">
       <a:majorFont>
         <a:latin typeface="Trebuchet MS" panose="020B0603020202020204"/>
         <a:ea typeface=""/>
@@ -9480,7 +9209,7 @@
         <a:font script="Geor" typeface="Sylfaen"/>
       </a:minorFont>
     </a:fontScheme>
-    <a:fmtScheme name="Facet">
+    <a:fmtScheme name="Faseta">
       <a:fillStyleLst>
         <a:solidFill>
           <a:schemeClr val="phClr"/>
@@ -9618,7 +9347,7 @@
   <a:extraClrSchemeLst/>
   <a:extLst>
     <a:ext uri="{05A4C25C-085E-4340-85A3-A5531E510DB2}">
-      <thm15:themeFamily xmlns:thm15="http://schemas.microsoft.com/office/thememl/2012/main" name="Facet" id="{C0C680CD-088A-49FC-A102-D699147F32B2}" vid="{CFBC31BA-B70F-4F30-BCAA-4F3011E16C4D}"/>
+      <thm15:themeFamily xmlns:thm15="http://schemas.microsoft.com/office/thememl/2012/main" name="Facet" id="{C0C680CD-088A-49FC-A102-D699147F32B2}" vid="{0B5AB586-D108-4FC1-8368-649FE654B894}"/>
     </a:ext>
   </a:extLst>
 </a:theme>

--- a/Technologia vs GDP.pptx
+++ b/Technologia vs GDP.pptx
@@ -5,7 +5,7 @@
     <p:sldMasterId id="2147483668" r:id="rId1"/>
   </p:sldMasterIdLst>
   <p:notesMasterIdLst>
-    <p:notesMasterId r:id="rId12"/>
+    <p:notesMasterId r:id="rId14"/>
   </p:notesMasterIdLst>
   <p:sldIdLst>
     <p:sldId id="256" r:id="rId2"/>
@@ -17,7 +17,9 @@
     <p:sldId id="261" r:id="rId8"/>
     <p:sldId id="263" r:id="rId9"/>
     <p:sldId id="264" r:id="rId10"/>
-    <p:sldId id="265" r:id="rId11"/>
+    <p:sldId id="267" r:id="rId11"/>
+    <p:sldId id="268" r:id="rId12"/>
+    <p:sldId id="265" r:id="rId13"/>
   </p:sldIdLst>
   <p:sldSz cx="12192000" cy="6858000"/>
   <p:notesSz cx="6858000" cy="9144000"/>
@@ -206,7 +208,7 @@
           <a:p>
             <a:fld id="{4738F603-E8B0-4797-A376-255C478D0C23}" type="datetimeFigureOut">
               <a:rPr lang="pl-PL" smtClean="0"/>
-              <a:t>10.05.2024</a:t>
+              <a:t>20.05.2024</a:t>
             </a:fld>
             <a:endParaRPr lang="pl-PL"/>
           </a:p>
@@ -519,129 +521,7 @@
           <a:p>
             <a:pPr rtl="0">
               <a:buFont typeface="+mj-lt"/>
-              <a:buAutoNum type="arabicPeriod"/>
-            </a:pPr>
-            <a:r>
-              <a:rPr lang="pl-PL" dirty="0"/>
-              <a:t>Opis projektu, osoby wykonujące jako autorzy</a:t>
-            </a:r>
-          </a:p>
-          <a:p>
-            <a:pPr rtl="0">
-              <a:buFont typeface="+mj-lt"/>
-              <a:buAutoNum type="arabicPeriod"/>
-            </a:pPr>
-            <a:r>
-              <a:rPr lang="pl-PL" dirty="0"/>
-              <a:t>Link do MS </a:t>
-            </a:r>
-            <a:r>
-              <a:rPr lang="pl-PL" dirty="0" err="1"/>
-              <a:t>DevOps</a:t>
-            </a:r>
-            <a:endParaRPr lang="pl-PL" dirty="0"/>
-          </a:p>
-          <a:p>
-            <a:pPr rtl="0">
-              <a:buFont typeface="+mj-lt"/>
-              <a:buAutoNum type="arabicPeriod"/>
-            </a:pPr>
-            <a:r>
-              <a:rPr lang="pl-PL" dirty="0"/>
-              <a:t>Diagram dobranej architektury rozwiązania</a:t>
-            </a:r>
-          </a:p>
-          <a:p>
-            <a:pPr rtl="0">
-              <a:buFont typeface="+mj-lt"/>
-              <a:buAutoNum type="arabicPeriod"/>
-            </a:pPr>
-            <a:r>
-              <a:rPr lang="pl-PL" dirty="0" err="1"/>
-              <a:t>Screenshoty</a:t>
-            </a:r>
-            <a:r>
-              <a:rPr lang="pl-PL" dirty="0"/>
-              <a:t> z projektu</a:t>
-            </a:r>
-          </a:p>
-          <a:p>
-            <a:pPr rtl="0">
-              <a:buFont typeface="+mj-lt"/>
-              <a:buAutoNum type="arabicPeriod"/>
-            </a:pPr>
-            <a:endParaRPr lang="pl-PL" dirty="0"/>
-          </a:p>
-          <a:p>
-            <a:pPr rtl="0">
-              <a:buFont typeface="+mj-lt"/>
-              <a:buAutoNum type="arabicPeriod"/>
-            </a:pPr>
-            <a:endParaRPr lang="pl-PL" dirty="0"/>
-          </a:p>
-          <a:p>
-            <a:pPr marL="0" marR="0" lvl="0" indent="0" algn="l" defTabSz="914400" rtl="0" eaLnBrk="1" fontAlgn="auto" latinLnBrk="0" hangingPunct="1">
-              <a:lnSpc>
-                <a:spcPct val="100000"/>
-              </a:lnSpc>
-              <a:spcBef>
-                <a:spcPts val="0"/>
-              </a:spcBef>
-              <a:spcAft>
-                <a:spcPts val="0"/>
-              </a:spcAft>
-              <a:buClrTx/>
-              <a:buSzTx/>
-              <a:buFont typeface="+mj-lt"/>
-              <a:buNone/>
-              <a:tabLst/>
-              <a:defRPr/>
-            </a:pPr>
-            <a:r>
-              <a:rPr lang="pl-PL" sz="1200" dirty="0">
-                <a:solidFill>
-                  <a:schemeClr val="accent2">
-                    <a:lumMod val="60000"/>
-                    <a:lumOff val="40000"/>
-                  </a:schemeClr>
-                </a:solidFill>
-              </a:rPr>
-              <a:t>1. dostęp do technologii komunikacyjnych vs. GDP w czasie</a:t>
-            </a:r>
-            <a:br>
-              <a:rPr lang="pl-PL" sz="1200" dirty="0">
-                <a:solidFill>
-                  <a:schemeClr val="accent2">
-                    <a:lumMod val="60000"/>
-                    <a:lumOff val="40000"/>
-                  </a:schemeClr>
-                </a:solidFill>
-              </a:rPr>
-            </a:br>
-            <a:r>
-              <a:rPr lang="pl-PL" sz="1200" dirty="0">
-                <a:solidFill>
-                  <a:schemeClr val="accent2">
-                    <a:lumMod val="60000"/>
-                    <a:lumOff val="40000"/>
-                  </a:schemeClr>
-                </a:solidFill>
-              </a:rPr>
-              <a:t>2. dostęp do środków transportu i ich efektywność energetyczna/emisyjność</a:t>
-            </a:r>
-            <a:endParaRPr lang="pl-PL" sz="4400" dirty="0">
-              <a:solidFill>
-                <a:schemeClr val="accent2">
-                  <a:lumMod val="60000"/>
-                  <a:lumOff val="40000"/>
-                </a:schemeClr>
-              </a:solidFill>
-            </a:endParaRPr>
-          </a:p>
-          <a:p>
-            <a:pPr rtl="0">
-              <a:buFont typeface="+mj-lt"/>
-              <a:buAutoNum type="arabicPeriod"/>
+              <a:buNone/>
             </a:pPr>
             <a:endParaRPr lang="pl-PL" dirty="0"/>
           </a:p>
@@ -674,6 +554,90 @@
     <p:extLst>
       <p:ext uri="{BB962C8B-B14F-4D97-AF65-F5344CB8AC3E}">
         <p14:creationId xmlns:p14="http://schemas.microsoft.com/office/powerpoint/2010/main" val="2580126728"/>
+      </p:ext>
+    </p:extLst>
+  </p:cSld>
+  <p:clrMapOvr>
+    <a:masterClrMapping/>
+  </p:clrMapOvr>
+</p:notes>
+</file>
+
+<file path=ppt/notesSlides/notesSlide10.xml><?xml version="1.0" encoding="utf-8"?>
+<p:notes xmlns:a="http://schemas.openxmlformats.org/drawingml/2006/main" xmlns:r="http://schemas.openxmlformats.org/officeDocument/2006/relationships" xmlns:p="http://schemas.openxmlformats.org/presentationml/2006/main">
+  <p:cSld>
+    <p:spTree>
+      <p:nvGrpSpPr>
+        <p:cNvPr id="1" name=""/>
+        <p:cNvGrpSpPr/>
+        <p:nvPr/>
+      </p:nvGrpSpPr>
+      <p:grpSpPr>
+        <a:xfrm>
+          <a:off x="0" y="0"/>
+          <a:ext cx="0" cy="0"/>
+          <a:chOff x="0" y="0"/>
+          <a:chExt cx="0" cy="0"/>
+        </a:xfrm>
+      </p:grpSpPr>
+      <p:sp>
+        <p:nvSpPr>
+          <p:cNvPr id="2" name="Symbol zastępczy obrazu slajdu 1"/>
+          <p:cNvSpPr>
+            <a:spLocks noGrp="1" noRot="1" noChangeAspect="1"/>
+          </p:cNvSpPr>
+          <p:nvPr>
+            <p:ph type="sldImg"/>
+          </p:nvPr>
+        </p:nvSpPr>
+        <p:spPr/>
+      </p:sp>
+      <p:sp>
+        <p:nvSpPr>
+          <p:cNvPr id="3" name="Symbol zastępczy notatek 2"/>
+          <p:cNvSpPr>
+            <a:spLocks noGrp="1"/>
+          </p:cNvSpPr>
+          <p:nvPr>
+            <p:ph type="body" idx="1"/>
+          </p:nvPr>
+        </p:nvSpPr>
+        <p:spPr/>
+        <p:txBody>
+          <a:bodyPr/>
+          <a:lstStyle/>
+          <a:p>
+            <a:endParaRPr lang="pl-PL" dirty="0"/>
+          </a:p>
+        </p:txBody>
+      </p:sp>
+      <p:sp>
+        <p:nvSpPr>
+          <p:cNvPr id="4" name="Symbol zastępczy numeru slajdu 3"/>
+          <p:cNvSpPr>
+            <a:spLocks noGrp="1"/>
+          </p:cNvSpPr>
+          <p:nvPr>
+            <p:ph type="sldNum" sz="quarter" idx="5"/>
+          </p:nvPr>
+        </p:nvSpPr>
+        <p:spPr/>
+        <p:txBody>
+          <a:bodyPr/>
+          <a:lstStyle/>
+          <a:p>
+            <a:fld id="{AEBA54A6-3330-4606-883F-AF8607A5599A}" type="slidenum">
+              <a:rPr lang="pl-PL" smtClean="0"/>
+              <a:t>12</a:t>
+            </a:fld>
+            <a:endParaRPr lang="pl-PL"/>
+          </a:p>
+        </p:txBody>
+      </p:sp>
+    </p:spTree>
+    <p:extLst>
+      <p:ext uri="{BB962C8B-B14F-4D97-AF65-F5344CB8AC3E}">
+        <p14:creationId xmlns:p14="http://schemas.microsoft.com/office/powerpoint/2010/main" val="2981258641"/>
       </p:ext>
     </p:extLst>
   </p:cSld>
@@ -727,6 +691,23 @@
           <a:bodyPr/>
           <a:lstStyle/>
           <a:p>
+            <a:pPr marL="0" marR="0" lvl="0" indent="0" algn="l" defTabSz="914400" rtl="0" eaLnBrk="1" fontAlgn="auto" latinLnBrk="0" hangingPunct="1">
+              <a:lnSpc>
+                <a:spcPct val="100000"/>
+              </a:lnSpc>
+              <a:spcBef>
+                <a:spcPts val="0"/>
+              </a:spcBef>
+              <a:spcAft>
+                <a:spcPts val="0"/>
+              </a:spcAft>
+              <a:buClrTx/>
+              <a:buSzTx/>
+              <a:buFontTx/>
+              <a:buNone/>
+              <a:tabLst/>
+              <a:defRPr/>
+            </a:pPr>
             <a:endParaRPr lang="pl-PL" dirty="0"/>
           </a:p>
         </p:txBody>
@@ -1084,6 +1065,174 @@
           <a:p>
             <a:fld id="{AEBA54A6-3330-4606-883F-AF8607A5599A}" type="slidenum">
               <a:rPr lang="pl-PL" smtClean="0"/>
+              <a:t>8</a:t>
+            </a:fld>
+            <a:endParaRPr lang="pl-PL"/>
+          </a:p>
+        </p:txBody>
+      </p:sp>
+    </p:spTree>
+    <p:extLst>
+      <p:ext uri="{BB962C8B-B14F-4D97-AF65-F5344CB8AC3E}">
+        <p14:creationId xmlns:p14="http://schemas.microsoft.com/office/powerpoint/2010/main" val="1670277816"/>
+      </p:ext>
+    </p:extLst>
+  </p:cSld>
+  <p:clrMapOvr>
+    <a:masterClrMapping/>
+  </p:clrMapOvr>
+</p:notes>
+</file>
+
+<file path=ppt/notesSlides/notesSlide7.xml><?xml version="1.0" encoding="utf-8"?>
+<p:notes xmlns:a="http://schemas.openxmlformats.org/drawingml/2006/main" xmlns:r="http://schemas.openxmlformats.org/officeDocument/2006/relationships" xmlns:p="http://schemas.openxmlformats.org/presentationml/2006/main">
+  <p:cSld>
+    <p:spTree>
+      <p:nvGrpSpPr>
+        <p:cNvPr id="1" name=""/>
+        <p:cNvGrpSpPr/>
+        <p:nvPr/>
+      </p:nvGrpSpPr>
+      <p:grpSpPr>
+        <a:xfrm>
+          <a:off x="0" y="0"/>
+          <a:ext cx="0" cy="0"/>
+          <a:chOff x="0" y="0"/>
+          <a:chExt cx="0" cy="0"/>
+        </a:xfrm>
+      </p:grpSpPr>
+      <p:sp>
+        <p:nvSpPr>
+          <p:cNvPr id="2" name="Symbol zastępczy obrazu slajdu 1"/>
+          <p:cNvSpPr>
+            <a:spLocks noGrp="1" noRot="1" noChangeAspect="1"/>
+          </p:cNvSpPr>
+          <p:nvPr>
+            <p:ph type="sldImg"/>
+          </p:nvPr>
+        </p:nvSpPr>
+        <p:spPr/>
+      </p:sp>
+      <p:sp>
+        <p:nvSpPr>
+          <p:cNvPr id="3" name="Symbol zastępczy notatek 2"/>
+          <p:cNvSpPr>
+            <a:spLocks noGrp="1"/>
+          </p:cNvSpPr>
+          <p:nvPr>
+            <p:ph type="body" idx="1"/>
+          </p:nvPr>
+        </p:nvSpPr>
+        <p:spPr/>
+        <p:txBody>
+          <a:bodyPr/>
+          <a:lstStyle/>
+          <a:p>
+            <a:endParaRPr lang="pl-PL" dirty="0"/>
+          </a:p>
+        </p:txBody>
+      </p:sp>
+      <p:sp>
+        <p:nvSpPr>
+          <p:cNvPr id="4" name="Symbol zastępczy numeru slajdu 3"/>
+          <p:cNvSpPr>
+            <a:spLocks noGrp="1"/>
+          </p:cNvSpPr>
+          <p:nvPr>
+            <p:ph type="sldNum" sz="quarter" idx="5"/>
+          </p:nvPr>
+        </p:nvSpPr>
+        <p:spPr/>
+        <p:txBody>
+          <a:bodyPr/>
+          <a:lstStyle/>
+          <a:p>
+            <a:fld id="{AEBA54A6-3330-4606-883F-AF8607A5599A}" type="slidenum">
+              <a:rPr lang="pl-PL" smtClean="0"/>
+              <a:t>9</a:t>
+            </a:fld>
+            <a:endParaRPr lang="pl-PL"/>
+          </a:p>
+        </p:txBody>
+      </p:sp>
+    </p:spTree>
+    <p:extLst>
+      <p:ext uri="{BB962C8B-B14F-4D97-AF65-F5344CB8AC3E}">
+        <p14:creationId xmlns:p14="http://schemas.microsoft.com/office/powerpoint/2010/main" val="2091233177"/>
+      </p:ext>
+    </p:extLst>
+  </p:cSld>
+  <p:clrMapOvr>
+    <a:masterClrMapping/>
+  </p:clrMapOvr>
+</p:notes>
+</file>
+
+<file path=ppt/notesSlides/notesSlide8.xml><?xml version="1.0" encoding="utf-8"?>
+<p:notes xmlns:a="http://schemas.openxmlformats.org/drawingml/2006/main" xmlns:r="http://schemas.openxmlformats.org/officeDocument/2006/relationships" xmlns:p="http://schemas.openxmlformats.org/presentationml/2006/main">
+  <p:cSld>
+    <p:spTree>
+      <p:nvGrpSpPr>
+        <p:cNvPr id="1" name=""/>
+        <p:cNvGrpSpPr/>
+        <p:nvPr/>
+      </p:nvGrpSpPr>
+      <p:grpSpPr>
+        <a:xfrm>
+          <a:off x="0" y="0"/>
+          <a:ext cx="0" cy="0"/>
+          <a:chOff x="0" y="0"/>
+          <a:chExt cx="0" cy="0"/>
+        </a:xfrm>
+      </p:grpSpPr>
+      <p:sp>
+        <p:nvSpPr>
+          <p:cNvPr id="2" name="Symbol zastępczy obrazu slajdu 1"/>
+          <p:cNvSpPr>
+            <a:spLocks noGrp="1" noRot="1" noChangeAspect="1"/>
+          </p:cNvSpPr>
+          <p:nvPr>
+            <p:ph type="sldImg"/>
+          </p:nvPr>
+        </p:nvSpPr>
+        <p:spPr/>
+      </p:sp>
+      <p:sp>
+        <p:nvSpPr>
+          <p:cNvPr id="3" name="Symbol zastępczy notatek 2"/>
+          <p:cNvSpPr>
+            <a:spLocks noGrp="1"/>
+          </p:cNvSpPr>
+          <p:nvPr>
+            <p:ph type="body" idx="1"/>
+          </p:nvPr>
+        </p:nvSpPr>
+        <p:spPr/>
+        <p:txBody>
+          <a:bodyPr/>
+          <a:lstStyle/>
+          <a:p>
+            <a:endParaRPr lang="pl-PL" dirty="0"/>
+          </a:p>
+        </p:txBody>
+      </p:sp>
+      <p:sp>
+        <p:nvSpPr>
+          <p:cNvPr id="4" name="Symbol zastępczy numeru slajdu 3"/>
+          <p:cNvSpPr>
+            <a:spLocks noGrp="1"/>
+          </p:cNvSpPr>
+          <p:nvPr>
+            <p:ph type="sldNum" sz="quarter" idx="5"/>
+          </p:nvPr>
+        </p:nvSpPr>
+        <p:spPr/>
+        <p:txBody>
+          <a:bodyPr/>
+          <a:lstStyle/>
+          <a:p>
+            <a:fld id="{AEBA54A6-3330-4606-883F-AF8607A5599A}" type="slidenum">
+              <a:rPr lang="pl-PL" smtClean="0"/>
               <a:t>10</a:t>
             </a:fld>
             <a:endParaRPr lang="pl-PL"/>
@@ -1093,7 +1242,91 @@
     </p:spTree>
     <p:extLst>
       <p:ext uri="{BB962C8B-B14F-4D97-AF65-F5344CB8AC3E}">
-        <p14:creationId xmlns:p14="http://schemas.microsoft.com/office/powerpoint/2010/main" val="2981258641"/>
+        <p14:creationId xmlns:p14="http://schemas.microsoft.com/office/powerpoint/2010/main" val="3784672556"/>
+      </p:ext>
+    </p:extLst>
+  </p:cSld>
+  <p:clrMapOvr>
+    <a:masterClrMapping/>
+  </p:clrMapOvr>
+</p:notes>
+</file>
+
+<file path=ppt/notesSlides/notesSlide9.xml><?xml version="1.0" encoding="utf-8"?>
+<p:notes xmlns:a="http://schemas.openxmlformats.org/drawingml/2006/main" xmlns:r="http://schemas.openxmlformats.org/officeDocument/2006/relationships" xmlns:p="http://schemas.openxmlformats.org/presentationml/2006/main">
+  <p:cSld>
+    <p:spTree>
+      <p:nvGrpSpPr>
+        <p:cNvPr id="1" name=""/>
+        <p:cNvGrpSpPr/>
+        <p:nvPr/>
+      </p:nvGrpSpPr>
+      <p:grpSpPr>
+        <a:xfrm>
+          <a:off x="0" y="0"/>
+          <a:ext cx="0" cy="0"/>
+          <a:chOff x="0" y="0"/>
+          <a:chExt cx="0" cy="0"/>
+        </a:xfrm>
+      </p:grpSpPr>
+      <p:sp>
+        <p:nvSpPr>
+          <p:cNvPr id="2" name="Symbol zastępczy obrazu slajdu 1"/>
+          <p:cNvSpPr>
+            <a:spLocks noGrp="1" noRot="1" noChangeAspect="1"/>
+          </p:cNvSpPr>
+          <p:nvPr>
+            <p:ph type="sldImg"/>
+          </p:nvPr>
+        </p:nvSpPr>
+        <p:spPr/>
+      </p:sp>
+      <p:sp>
+        <p:nvSpPr>
+          <p:cNvPr id="3" name="Symbol zastępczy notatek 2"/>
+          <p:cNvSpPr>
+            <a:spLocks noGrp="1"/>
+          </p:cNvSpPr>
+          <p:nvPr>
+            <p:ph type="body" idx="1"/>
+          </p:nvPr>
+        </p:nvSpPr>
+        <p:spPr/>
+        <p:txBody>
+          <a:bodyPr/>
+          <a:lstStyle/>
+          <a:p>
+            <a:endParaRPr lang="pl-PL" dirty="0"/>
+          </a:p>
+        </p:txBody>
+      </p:sp>
+      <p:sp>
+        <p:nvSpPr>
+          <p:cNvPr id="4" name="Symbol zastępczy numeru slajdu 3"/>
+          <p:cNvSpPr>
+            <a:spLocks noGrp="1"/>
+          </p:cNvSpPr>
+          <p:nvPr>
+            <p:ph type="sldNum" sz="quarter" idx="5"/>
+          </p:nvPr>
+        </p:nvSpPr>
+        <p:spPr/>
+        <p:txBody>
+          <a:bodyPr/>
+          <a:lstStyle/>
+          <a:p>
+            <a:fld id="{AEBA54A6-3330-4606-883F-AF8607A5599A}" type="slidenum">
+              <a:rPr lang="pl-PL" smtClean="0"/>
+              <a:t>11</a:t>
+            </a:fld>
+            <a:endParaRPr lang="pl-PL"/>
+          </a:p>
+        </p:txBody>
+      </p:sp>
+    </p:spTree>
+    <p:extLst>
+      <p:ext uri="{BB962C8B-B14F-4D97-AF65-F5344CB8AC3E}">
+        <p14:creationId xmlns:p14="http://schemas.microsoft.com/office/powerpoint/2010/main" val="1443967095"/>
       </p:ext>
     </p:extLst>
   </p:cSld>
@@ -1849,7 +2082,7 @@
             <a:fld id="{B61BEF0D-F0BB-DE4B-95CE-6DB70DBA9567}" type="datetimeFigureOut">
               <a:rPr lang="en-US" smtClean="0"/>
               <a:pPr/>
-              <a:t>5/10/2024</a:t>
+              <a:t>5/20/2024</a:t>
             </a:fld>
             <a:endParaRPr lang="en-US" dirty="0"/>
           </a:p>
@@ -2102,7 +2335,7 @@
             <a:fld id="{B61BEF0D-F0BB-DE4B-95CE-6DB70DBA9567}" type="datetimeFigureOut">
               <a:rPr lang="en-US" smtClean="0"/>
               <a:pPr/>
-              <a:t>5/10/2024</a:t>
+              <a:t>5/20/2024</a:t>
             </a:fld>
             <a:endParaRPr lang="en-US" dirty="0"/>
           </a:p>
@@ -2418,7 +2651,7 @@
             <a:fld id="{B61BEF0D-F0BB-DE4B-95CE-6DB70DBA9567}" type="datetimeFigureOut">
               <a:rPr lang="en-US" smtClean="0"/>
               <a:pPr/>
-              <a:t>5/10/2024</a:t>
+              <a:t>5/20/2024</a:t>
             </a:fld>
             <a:endParaRPr lang="en-US" dirty="0"/>
           </a:p>
@@ -2753,7 +2986,7 @@
             <a:fld id="{B61BEF0D-F0BB-DE4B-95CE-6DB70DBA9567}" type="datetimeFigureOut">
               <a:rPr lang="en-US" smtClean="0"/>
               <a:pPr/>
-              <a:t>5/10/2024</a:t>
+              <a:t>5/20/2024</a:t>
             </a:fld>
             <a:endParaRPr lang="en-US" dirty="0"/>
           </a:p>
@@ -3069,7 +3302,7 @@
             <a:fld id="{B61BEF0D-F0BB-DE4B-95CE-6DB70DBA9567}" type="datetimeFigureOut">
               <a:rPr lang="en-US" smtClean="0"/>
               <a:pPr/>
-              <a:t>5/10/2024</a:t>
+              <a:t>5/20/2024</a:t>
             </a:fld>
             <a:endParaRPr lang="en-US" dirty="0"/>
           </a:p>
@@ -3464,7 +3697,7 @@
             <a:fld id="{B61BEF0D-F0BB-DE4B-95CE-6DB70DBA9567}" type="datetimeFigureOut">
               <a:rPr lang="en-US" smtClean="0"/>
               <a:pPr/>
-              <a:t>5/10/2024</a:t>
+              <a:t>5/20/2024</a:t>
             </a:fld>
             <a:endParaRPr lang="en-US" dirty="0"/>
           </a:p>
@@ -3635,7 +3868,7 @@
           <a:p>
             <a:fld id="{55C6B4A9-1611-4792-9094-5F34BCA07E0B}" type="datetimeFigureOut">
               <a:rPr lang="en-US" smtClean="0"/>
-              <a:t>5/10/2024</a:t>
+              <a:t>5/20/2024</a:t>
             </a:fld>
             <a:endParaRPr lang="en-US" dirty="0"/>
           </a:p>
@@ -3816,7 +4049,7 @@
             <a:fld id="{B61BEF0D-F0BB-DE4B-95CE-6DB70DBA9567}" type="datetimeFigureOut">
               <a:rPr lang="en-US" smtClean="0"/>
               <a:pPr/>
-              <a:t>5/10/2024</a:t>
+              <a:t>5/20/2024</a:t>
             </a:fld>
             <a:endParaRPr lang="en-US" dirty="0"/>
           </a:p>
@@ -3988,7 +4221,7 @@
             <a:fld id="{B61BEF0D-F0BB-DE4B-95CE-6DB70DBA9567}" type="datetimeFigureOut">
               <a:rPr lang="en-US" smtClean="0"/>
               <a:pPr/>
-              <a:t>5/10/2024</a:t>
+              <a:t>5/20/2024</a:t>
             </a:fld>
             <a:endParaRPr lang="en-US" dirty="0"/>
           </a:p>
@@ -4237,7 +4470,7 @@
             <a:fld id="{B61BEF0D-F0BB-DE4B-95CE-6DB70DBA9567}" type="datetimeFigureOut">
               <a:rPr lang="en-US" smtClean="0"/>
               <a:pPr/>
-              <a:t>5/10/2024</a:t>
+              <a:t>5/20/2024</a:t>
             </a:fld>
             <a:endParaRPr lang="en-US" dirty="0"/>
           </a:p>
@@ -4470,7 +4703,7 @@
           <a:p>
             <a:fld id="{EB712588-04B1-427B-82EE-E8DB90309F08}" type="datetimeFigureOut">
               <a:rPr lang="en-US" smtClean="0"/>
-              <a:t>5/10/2024</a:t>
+              <a:t>5/20/2024</a:t>
             </a:fld>
             <a:endParaRPr lang="en-US" dirty="0"/>
           </a:p>
@@ -4845,7 +5078,7 @@
             <a:fld id="{B61BEF0D-F0BB-DE4B-95CE-6DB70DBA9567}" type="datetimeFigureOut">
               <a:rPr lang="en-US" smtClean="0"/>
               <a:pPr/>
-              <a:t>5/10/2024</a:t>
+              <a:t>5/20/2024</a:t>
             </a:fld>
             <a:endParaRPr lang="en-US" dirty="0"/>
           </a:p>
@@ -4970,7 +5203,7 @@
             <a:fld id="{B61BEF0D-F0BB-DE4B-95CE-6DB70DBA9567}" type="datetimeFigureOut">
               <a:rPr lang="en-US" smtClean="0"/>
               <a:pPr/>
-              <a:t>5/10/2024</a:t>
+              <a:t>5/20/2024</a:t>
             </a:fld>
             <a:endParaRPr lang="en-US" dirty="0"/>
           </a:p>
@@ -5067,7 +5300,7 @@
             <a:fld id="{B61BEF0D-F0BB-DE4B-95CE-6DB70DBA9567}" type="datetimeFigureOut">
               <a:rPr lang="en-US" smtClean="0"/>
               <a:pPr/>
-              <a:t>5/10/2024</a:t>
+              <a:t>5/20/2024</a:t>
             </a:fld>
             <a:endParaRPr lang="en-US" dirty="0"/>
           </a:p>
@@ -5323,7 +5556,7 @@
           <a:p>
             <a:fld id="{42A54C80-263E-416B-A8E0-580EDEADCBDC}" type="datetimeFigureOut">
               <a:rPr lang="en-US" smtClean="0"/>
-              <a:t>5/10/2024</a:t>
+              <a:t>5/20/2024</a:t>
             </a:fld>
             <a:endParaRPr lang="en-US" dirty="0"/>
           </a:p>
@@ -5630,7 +5863,7 @@
             <a:fld id="{B61BEF0D-F0BB-DE4B-95CE-6DB70DBA9567}" type="datetimeFigureOut">
               <a:rPr lang="en-US" smtClean="0"/>
               <a:pPr/>
-              <a:t>5/10/2024</a:t>
+              <a:t>5/20/2024</a:t>
             </a:fld>
             <a:endParaRPr lang="en-US" dirty="0"/>
           </a:p>
@@ -6333,7 +6566,7 @@
             <a:fld id="{B61BEF0D-F0BB-DE4B-95CE-6DB70DBA9567}" type="datetimeFigureOut">
               <a:rPr lang="en-US" smtClean="0"/>
               <a:pPr/>
-              <a:t>5/10/2024</a:t>
+              <a:t>5/20/2024</a:t>
             </a:fld>
             <a:endParaRPr lang="en-US" dirty="0"/>
           </a:p>
@@ -7357,6 +7590,124 @@
 </file>
 
 <file path=ppt/slides/slide10.xml><?xml version="1.0" encoding="utf-8"?>
+<p:sld xmlns:a="http://schemas.openxmlformats.org/drawingml/2006/main" xmlns:r="http://schemas.openxmlformats.org/officeDocument/2006/relationships" xmlns:p="http://schemas.openxmlformats.org/presentationml/2006/main">
+  <p:cSld>
+    <p:spTree>
+      <p:nvGrpSpPr>
+        <p:cNvPr id="1" name=""/>
+        <p:cNvGrpSpPr/>
+        <p:nvPr/>
+      </p:nvGrpSpPr>
+      <p:grpSpPr>
+        <a:xfrm>
+          <a:off x="0" y="0"/>
+          <a:ext cx="0" cy="0"/>
+          <a:chOff x="0" y="0"/>
+          <a:chExt cx="0" cy="0"/>
+        </a:xfrm>
+      </p:grpSpPr>
+      <p:pic>
+        <p:nvPicPr>
+          <p:cNvPr id="3" name="Obraz 2">
+            <a:extLst>
+              <a:ext uri="{FF2B5EF4-FFF2-40B4-BE49-F238E27FC236}">
+                <a16:creationId xmlns:a16="http://schemas.microsoft.com/office/drawing/2014/main" id="{1BE05510-806E-F283-CD8D-226B42867901}"/>
+              </a:ext>
+            </a:extLst>
+          </p:cNvPr>
+          <p:cNvPicPr>
+            <a:picLocks noChangeAspect="1"/>
+          </p:cNvPicPr>
+          <p:nvPr/>
+        </p:nvPicPr>
+        <p:blipFill rotWithShape="1">
+          <a:blip r:embed="rId3"/>
+          <a:srcRect l="9907" t="14816" r="15185" b="10781"/>
+          <a:stretch/>
+        </p:blipFill>
+        <p:spPr>
+          <a:xfrm>
+            <a:off x="0" y="-79021"/>
+            <a:ext cx="12192000" cy="6937022"/>
+          </a:xfrm>
+          <a:prstGeom prst="rect">
+            <a:avLst/>
+          </a:prstGeom>
+        </p:spPr>
+      </p:pic>
+    </p:spTree>
+    <p:extLst>
+      <p:ext uri="{BB962C8B-B14F-4D97-AF65-F5344CB8AC3E}">
+        <p14:creationId xmlns:p14="http://schemas.microsoft.com/office/powerpoint/2010/main" val="185749905"/>
+      </p:ext>
+    </p:extLst>
+  </p:cSld>
+  <p:clrMapOvr>
+    <a:masterClrMapping/>
+  </p:clrMapOvr>
+</p:sld>
+</file>
+
+<file path=ppt/slides/slide11.xml><?xml version="1.0" encoding="utf-8"?>
+<p:sld xmlns:a="http://schemas.openxmlformats.org/drawingml/2006/main" xmlns:r="http://schemas.openxmlformats.org/officeDocument/2006/relationships" xmlns:p="http://schemas.openxmlformats.org/presentationml/2006/main">
+  <p:cSld>
+    <p:spTree>
+      <p:nvGrpSpPr>
+        <p:cNvPr id="1" name=""/>
+        <p:cNvGrpSpPr/>
+        <p:nvPr/>
+      </p:nvGrpSpPr>
+      <p:grpSpPr>
+        <a:xfrm>
+          <a:off x="0" y="0"/>
+          <a:ext cx="0" cy="0"/>
+          <a:chOff x="0" y="0"/>
+          <a:chExt cx="0" cy="0"/>
+        </a:xfrm>
+      </p:grpSpPr>
+      <p:pic>
+        <p:nvPicPr>
+          <p:cNvPr id="3" name="Obraz 2">
+            <a:extLst>
+              <a:ext uri="{FF2B5EF4-FFF2-40B4-BE49-F238E27FC236}">
+                <a16:creationId xmlns:a16="http://schemas.microsoft.com/office/drawing/2014/main" id="{53CBABC3-110E-5B21-D895-98959B87D0B3}"/>
+              </a:ext>
+            </a:extLst>
+          </p:cNvPr>
+          <p:cNvPicPr>
+            <a:picLocks noChangeAspect="1"/>
+          </p:cNvPicPr>
+          <p:nvPr/>
+        </p:nvPicPr>
+        <p:blipFill rotWithShape="1">
+          <a:blip r:embed="rId3"/>
+          <a:srcRect l="10093" t="14650" r="14908" b="10289"/>
+          <a:stretch/>
+        </p:blipFill>
+        <p:spPr>
+          <a:xfrm>
+            <a:off x="0" y="-11290"/>
+            <a:ext cx="12192000" cy="6869290"/>
+          </a:xfrm>
+          <a:prstGeom prst="rect">
+            <a:avLst/>
+          </a:prstGeom>
+        </p:spPr>
+      </p:pic>
+    </p:spTree>
+    <p:extLst>
+      <p:ext uri="{BB962C8B-B14F-4D97-AF65-F5344CB8AC3E}">
+        <p14:creationId xmlns:p14="http://schemas.microsoft.com/office/powerpoint/2010/main" val="2219284192"/>
+      </p:ext>
+    </p:extLst>
+  </p:cSld>
+  <p:clrMapOvr>
+    <a:masterClrMapping/>
+  </p:clrMapOvr>
+</p:sld>
+</file>
+
+<file path=ppt/slides/slide12.xml><?xml version="1.0" encoding="utf-8"?>
 <p:sld xmlns:a="http://schemas.openxmlformats.org/drawingml/2006/main" xmlns:r="http://schemas.openxmlformats.org/officeDocument/2006/relationships" xmlns:p="http://schemas.openxmlformats.org/presentationml/2006/main" showMasterSp="0">
   <p:cSld>
     <p:spTree>
@@ -7741,12 +8092,6 @@
           <a:p>
             <a:r>
               <a:rPr lang="pl-PL" dirty="0"/>
-              <a:t>Rozwój telefonii komórkowej, Internetu wpływa na wzrost PKB</a:t>
-            </a:r>
-          </a:p>
-          <a:p>
-            <a:r>
-              <a:rPr lang="pl-PL" dirty="0"/>
               <a:t>Transport wpływa na wzrost PKB i wyższą emisję CO</a:t>
             </a:r>
             <a:r>
@@ -7757,7 +8102,7 @@
           <a:p>
             <a:r>
               <a:rPr lang="pl-PL" dirty="0"/>
-              <a:t>Państwa o największym wzroście gospodarczym i jednocześnie najwięksi emitenci CO</a:t>
+              <a:t>Globalny udział CO</a:t>
             </a:r>
             <a:r>
               <a:rPr lang="pl-PL" baseline="-25000" dirty="0"/>
@@ -7765,6 +8110,20 @@
             </a:r>
             <a:r>
               <a:rPr lang="pl-PL" dirty="0"/>
+              <a:t> z transportu w 2019 r. wyniósł ok. 20%</a:t>
+            </a:r>
+          </a:p>
+          <a:p>
+            <a:r>
+              <a:rPr lang="pl-PL" dirty="0"/>
+              <a:t>Państwa o największym wzroście gospodarczym i jednocześnie najwięksi emitenci CO</a:t>
+            </a:r>
+            <a:r>
+              <a:rPr lang="pl-PL" baseline="-25000" dirty="0"/>
+              <a:t>2</a:t>
+            </a:r>
+            <a:r>
+              <a:rPr lang="pl-PL" dirty="0"/>
               <a:t>: USA, Chiny, Indie</a:t>
             </a:r>
           </a:p>
@@ -7785,6 +8144,21 @@
             </a:r>
           </a:p>
           <a:p>
+            <a:r>
+              <a:rPr lang="pl-PL" dirty="0"/>
+              <a:t>Rozwój telefonii komórkowej, Internetu wpływa na wzrost PKB</a:t>
+            </a:r>
+          </a:p>
+          <a:p>
+            <a:r>
+              <a:rPr lang="pl-PL" dirty="0"/>
+              <a:t>Po 2000 roku widoczna jest korelacja między rozwojem technologii komunikacyjnych a ich wpływem na PKB</a:t>
+            </a:r>
+          </a:p>
+          <a:p>
+            <a:pPr marL="0" indent="0">
+              <a:buNone/>
+            </a:pPr>
             <a:endParaRPr lang="pl-PL" dirty="0"/>
           </a:p>
         </p:txBody>
@@ -7884,7 +8258,7 @@
         </p:nvSpPr>
         <p:spPr>
           <a:xfrm>
-            <a:off x="677335" y="685805"/>
+            <a:off x="620889" y="616380"/>
             <a:ext cx="8596668" cy="717395"/>
           </a:xfrm>
         </p:spPr>
@@ -7925,8 +8299,8 @@
         </p:nvSpPr>
         <p:spPr>
           <a:xfrm>
-            <a:off x="677334" y="1562884"/>
-            <a:ext cx="10972799" cy="1276889"/>
+            <a:off x="620889" y="1346816"/>
+            <a:ext cx="10972799" cy="1025143"/>
           </a:xfrm>
         </p:spPr>
         <p:txBody>
@@ -7957,7 +8331,7 @@
         </p:nvSpPr>
         <p:spPr>
           <a:xfrm>
-            <a:off x="677334" y="3557168"/>
+            <a:off x="609599" y="5643041"/>
             <a:ext cx="8410910" cy="369332"/>
           </a:xfrm>
           <a:prstGeom prst="rect">
@@ -8019,7 +8393,7 @@
         </p:nvSpPr>
         <p:spPr>
           <a:xfrm>
-            <a:off x="677334" y="2839773"/>
+            <a:off x="609600" y="4925646"/>
             <a:ext cx="8596668" cy="717395"/>
           </a:xfrm>
           <a:prstGeom prst="rect">
@@ -8112,6 +8486,509 @@
                 <a:cs typeface="Arial" panose="020B0604020202020204" pitchFamily="34" charset="0"/>
               </a:rPr>
               <a:t>GitHub</a:t>
+            </a:r>
+            <a:endParaRPr lang="pl-PL" b="1" dirty="0">
+              <a:solidFill>
+                <a:srgbClr val="006EFB"/>
+              </a:solidFill>
+              <a:latin typeface="Arial" panose="020B0604020202020204" pitchFamily="34" charset="0"/>
+              <a:cs typeface="Arial" panose="020B0604020202020204" pitchFamily="34" charset="0"/>
+            </a:endParaRPr>
+          </a:p>
+        </p:txBody>
+      </p:sp>
+      <p:sp>
+        <p:nvSpPr>
+          <p:cNvPr id="4" name="Symbol zastępczy zawartości 2">
+            <a:extLst>
+              <a:ext uri="{FF2B5EF4-FFF2-40B4-BE49-F238E27FC236}">
+                <a16:creationId xmlns:a16="http://schemas.microsoft.com/office/drawing/2014/main" id="{B548470D-EFF6-2951-41A3-65962E89CD02}"/>
+              </a:ext>
+            </a:extLst>
+          </p:cNvPr>
+          <p:cNvSpPr txBox="1">
+            <a:spLocks/>
+          </p:cNvSpPr>
+          <p:nvPr/>
+        </p:nvSpPr>
+        <p:spPr>
+          <a:xfrm>
+            <a:off x="609598" y="3361075"/>
+            <a:ext cx="10972799" cy="1230283"/>
+          </a:xfrm>
+          <a:prstGeom prst="rect">
+            <a:avLst/>
+          </a:prstGeom>
+        </p:spPr>
+        <p:txBody>
+          <a:bodyPr vert="horz" lIns="91440" tIns="45720" rIns="91440" bIns="45720" rtlCol="0">
+            <a:normAutofit/>
+          </a:bodyPr>
+          <a:lstStyle>
+            <a:lvl1pPr marL="342900" indent="-342900" algn="l" defTabSz="457200" rtl="0" eaLnBrk="1" latinLnBrk="0" hangingPunct="1">
+              <a:spcBef>
+                <a:spcPts val="1000"/>
+              </a:spcBef>
+              <a:spcAft>
+                <a:spcPts val="0"/>
+              </a:spcAft>
+              <a:buClr>
+                <a:schemeClr val="accent1"/>
+              </a:buClr>
+              <a:buSzPct val="80000"/>
+              <a:buFont typeface="Wingdings 3" charset="2"/>
+              <a:buChar char=""/>
+              <a:defRPr sz="1800" kern="1200">
+                <a:solidFill>
+                  <a:schemeClr val="tx1">
+                    <a:lumMod val="75000"/>
+                    <a:lumOff val="25000"/>
+                  </a:schemeClr>
+                </a:solidFill>
+                <a:latin typeface="+mn-lt"/>
+                <a:ea typeface="+mn-ea"/>
+                <a:cs typeface="+mn-cs"/>
+              </a:defRPr>
+            </a:lvl1pPr>
+            <a:lvl2pPr marL="742950" indent="-285750" algn="l" defTabSz="457200" rtl="0" eaLnBrk="1" latinLnBrk="0" hangingPunct="1">
+              <a:spcBef>
+                <a:spcPts val="1000"/>
+              </a:spcBef>
+              <a:spcAft>
+                <a:spcPts val="0"/>
+              </a:spcAft>
+              <a:buClr>
+                <a:schemeClr val="accent1"/>
+              </a:buClr>
+              <a:buSzPct val="80000"/>
+              <a:buFont typeface="Wingdings 3" charset="2"/>
+              <a:buChar char=""/>
+              <a:defRPr sz="1600" kern="1200">
+                <a:solidFill>
+                  <a:schemeClr val="tx1">
+                    <a:lumMod val="75000"/>
+                    <a:lumOff val="25000"/>
+                  </a:schemeClr>
+                </a:solidFill>
+                <a:latin typeface="+mn-lt"/>
+                <a:ea typeface="+mn-ea"/>
+                <a:cs typeface="+mn-cs"/>
+              </a:defRPr>
+            </a:lvl2pPr>
+            <a:lvl3pPr marL="1143000" indent="-228600" algn="l" defTabSz="457200" rtl="0" eaLnBrk="1" latinLnBrk="0" hangingPunct="1">
+              <a:spcBef>
+                <a:spcPts val="1000"/>
+              </a:spcBef>
+              <a:spcAft>
+                <a:spcPts val="0"/>
+              </a:spcAft>
+              <a:buClr>
+                <a:schemeClr val="accent1"/>
+              </a:buClr>
+              <a:buSzPct val="80000"/>
+              <a:buFont typeface="Wingdings 3" charset="2"/>
+              <a:buChar char=""/>
+              <a:defRPr sz="1400" kern="1200">
+                <a:solidFill>
+                  <a:schemeClr val="tx1">
+                    <a:lumMod val="75000"/>
+                    <a:lumOff val="25000"/>
+                  </a:schemeClr>
+                </a:solidFill>
+                <a:latin typeface="+mn-lt"/>
+                <a:ea typeface="+mn-ea"/>
+                <a:cs typeface="+mn-cs"/>
+              </a:defRPr>
+            </a:lvl3pPr>
+            <a:lvl4pPr marL="1600200" indent="-228600" algn="l" defTabSz="457200" rtl="0" eaLnBrk="1" latinLnBrk="0" hangingPunct="1">
+              <a:spcBef>
+                <a:spcPts val="1000"/>
+              </a:spcBef>
+              <a:spcAft>
+                <a:spcPts val="0"/>
+              </a:spcAft>
+              <a:buClr>
+                <a:schemeClr val="accent1"/>
+              </a:buClr>
+              <a:buSzPct val="80000"/>
+              <a:buFont typeface="Wingdings 3" charset="2"/>
+              <a:buChar char=""/>
+              <a:defRPr sz="1200" kern="1200">
+                <a:solidFill>
+                  <a:schemeClr val="tx1">
+                    <a:lumMod val="75000"/>
+                    <a:lumOff val="25000"/>
+                  </a:schemeClr>
+                </a:solidFill>
+                <a:latin typeface="+mn-lt"/>
+                <a:ea typeface="+mn-ea"/>
+                <a:cs typeface="+mn-cs"/>
+              </a:defRPr>
+            </a:lvl4pPr>
+            <a:lvl5pPr marL="2057400" indent="-228600" algn="l" defTabSz="457200" rtl="0" eaLnBrk="1" latinLnBrk="0" hangingPunct="1">
+              <a:spcBef>
+                <a:spcPts val="1000"/>
+              </a:spcBef>
+              <a:spcAft>
+                <a:spcPts val="0"/>
+              </a:spcAft>
+              <a:buClr>
+                <a:schemeClr val="accent1"/>
+              </a:buClr>
+              <a:buSzPct val="80000"/>
+              <a:buFont typeface="Wingdings 3" charset="2"/>
+              <a:buChar char=""/>
+              <a:defRPr sz="1200" kern="1200">
+                <a:solidFill>
+                  <a:schemeClr val="tx1">
+                    <a:lumMod val="75000"/>
+                    <a:lumOff val="25000"/>
+                  </a:schemeClr>
+                </a:solidFill>
+                <a:latin typeface="+mn-lt"/>
+                <a:ea typeface="+mn-ea"/>
+                <a:cs typeface="+mn-cs"/>
+              </a:defRPr>
+            </a:lvl5pPr>
+            <a:lvl6pPr marL="2514600" indent="-228600" algn="l" defTabSz="457200" rtl="0" eaLnBrk="1" latinLnBrk="0" hangingPunct="1">
+              <a:spcBef>
+                <a:spcPts val="1000"/>
+              </a:spcBef>
+              <a:spcAft>
+                <a:spcPts val="0"/>
+              </a:spcAft>
+              <a:buClr>
+                <a:schemeClr val="accent1"/>
+              </a:buClr>
+              <a:buSzPct val="80000"/>
+              <a:buFont typeface="Wingdings 3" charset="2"/>
+              <a:buChar char=""/>
+              <a:defRPr sz="1200" kern="1200">
+                <a:solidFill>
+                  <a:schemeClr val="tx1">
+                    <a:lumMod val="75000"/>
+                    <a:lumOff val="25000"/>
+                  </a:schemeClr>
+                </a:solidFill>
+                <a:latin typeface="+mn-lt"/>
+                <a:ea typeface="+mn-ea"/>
+                <a:cs typeface="+mn-cs"/>
+              </a:defRPr>
+            </a:lvl6pPr>
+            <a:lvl7pPr marL="2971800" indent="-228600" algn="l" defTabSz="457200" rtl="0" eaLnBrk="1" latinLnBrk="0" hangingPunct="1">
+              <a:spcBef>
+                <a:spcPts val="1000"/>
+              </a:spcBef>
+              <a:spcAft>
+                <a:spcPts val="0"/>
+              </a:spcAft>
+              <a:buClr>
+                <a:schemeClr val="accent1"/>
+              </a:buClr>
+              <a:buSzPct val="80000"/>
+              <a:buFont typeface="Wingdings 3" charset="2"/>
+              <a:buChar char=""/>
+              <a:defRPr sz="1200" kern="1200">
+                <a:solidFill>
+                  <a:schemeClr val="tx1">
+                    <a:lumMod val="75000"/>
+                    <a:lumOff val="25000"/>
+                  </a:schemeClr>
+                </a:solidFill>
+                <a:latin typeface="+mn-lt"/>
+                <a:ea typeface="+mn-ea"/>
+                <a:cs typeface="+mn-cs"/>
+              </a:defRPr>
+            </a:lvl7pPr>
+            <a:lvl8pPr marL="3429000" indent="-228600" algn="l" defTabSz="457200" rtl="0" eaLnBrk="1" latinLnBrk="0" hangingPunct="1">
+              <a:spcBef>
+                <a:spcPts val="1000"/>
+              </a:spcBef>
+              <a:spcAft>
+                <a:spcPts val="0"/>
+              </a:spcAft>
+              <a:buClr>
+                <a:schemeClr val="accent1"/>
+              </a:buClr>
+              <a:buSzPct val="80000"/>
+              <a:buFont typeface="Wingdings 3" charset="2"/>
+              <a:buChar char=""/>
+              <a:defRPr sz="1200" kern="1200">
+                <a:solidFill>
+                  <a:schemeClr val="tx1">
+                    <a:lumMod val="75000"/>
+                    <a:lumOff val="25000"/>
+                  </a:schemeClr>
+                </a:solidFill>
+                <a:latin typeface="+mn-lt"/>
+                <a:ea typeface="+mn-ea"/>
+                <a:cs typeface="+mn-cs"/>
+              </a:defRPr>
+            </a:lvl8pPr>
+            <a:lvl9pPr marL="3886200" indent="-228600" algn="l" defTabSz="457200" rtl="0" eaLnBrk="1" latinLnBrk="0" hangingPunct="1">
+              <a:spcBef>
+                <a:spcPts val="1000"/>
+              </a:spcBef>
+              <a:spcAft>
+                <a:spcPts val="0"/>
+              </a:spcAft>
+              <a:buClr>
+                <a:schemeClr val="accent1"/>
+              </a:buClr>
+              <a:buSzPct val="80000"/>
+              <a:buFont typeface="Wingdings 3" charset="2"/>
+              <a:buChar char=""/>
+              <a:defRPr sz="1200" kern="1200">
+                <a:solidFill>
+                  <a:schemeClr val="tx1">
+                    <a:lumMod val="75000"/>
+                    <a:lumOff val="25000"/>
+                  </a:schemeClr>
+                </a:solidFill>
+                <a:latin typeface="+mn-lt"/>
+                <a:ea typeface="+mn-ea"/>
+                <a:cs typeface="+mn-cs"/>
+              </a:defRPr>
+            </a:lvl9pPr>
+          </a:lstStyle>
+          <a:p>
+            <a:pPr algn="l"/>
+            <a:r>
+              <a:rPr lang="pl-PL" i="0" dirty="0">
+                <a:solidFill>
+                  <a:srgbClr val="1F2328"/>
+                </a:solidFill>
+                <a:effectLst/>
+                <a:highlight>
+                  <a:srgbClr val="FFFFFF"/>
+                </a:highlight>
+              </a:rPr>
+              <a:t>Dostęp do środków transportu i ich efektywność energetyczna/emisyjność</a:t>
+            </a:r>
+          </a:p>
+          <a:p>
+            <a:pPr lvl="1"/>
+            <a:r>
+              <a:rPr lang="pl-PL" i="1" dirty="0" err="1">
+                <a:solidFill>
+                  <a:schemeClr val="accent5"/>
+                </a:solidFill>
+                <a:effectLst/>
+                <a:highlight>
+                  <a:srgbClr val="FFFFFF"/>
+                </a:highlight>
+              </a:rPr>
+              <a:t>Annual</a:t>
+            </a:r>
+            <a:r>
+              <a:rPr lang="pl-PL" i="1" dirty="0">
+                <a:solidFill>
+                  <a:schemeClr val="accent5"/>
+                </a:solidFill>
+                <a:effectLst/>
+                <a:highlight>
+                  <a:srgbClr val="FFFFFF"/>
+                </a:highlight>
+              </a:rPr>
+              <a:t> CO</a:t>
+            </a:r>
+            <a:r>
+              <a:rPr lang="pl-PL" i="1" baseline="-25000" dirty="0">
+                <a:solidFill>
+                  <a:schemeClr val="accent5"/>
+                </a:solidFill>
+                <a:effectLst/>
+                <a:highlight>
+                  <a:srgbClr val="FFFFFF"/>
+                </a:highlight>
+              </a:rPr>
+              <a:t>2</a:t>
+            </a:r>
+            <a:r>
+              <a:rPr lang="pl-PL" i="1" dirty="0">
+                <a:solidFill>
+                  <a:schemeClr val="accent5"/>
+                </a:solidFill>
+                <a:effectLst/>
+                <a:highlight>
+                  <a:srgbClr val="FFFFFF"/>
+                </a:highlight>
+              </a:rPr>
+              <a:t> </a:t>
+            </a:r>
+            <a:r>
+              <a:rPr lang="pl-PL" i="1" dirty="0" err="1">
+                <a:solidFill>
+                  <a:schemeClr val="accent5"/>
+                </a:solidFill>
+                <a:effectLst/>
+                <a:highlight>
+                  <a:srgbClr val="FFFFFF"/>
+                </a:highlight>
+              </a:rPr>
+              <a:t>emission</a:t>
+            </a:r>
+            <a:r>
+              <a:rPr lang="pl-PL" i="1" dirty="0" err="1">
+                <a:solidFill>
+                  <a:schemeClr val="accent5"/>
+                </a:solidFill>
+                <a:highlight>
+                  <a:srgbClr val="FFFFFF"/>
+                </a:highlight>
+              </a:rPr>
+              <a:t>s</a:t>
+            </a:r>
+            <a:r>
+              <a:rPr lang="pl-PL" i="1" dirty="0">
+                <a:solidFill>
+                  <a:schemeClr val="accent5"/>
+                </a:solidFill>
+                <a:highlight>
+                  <a:srgbClr val="FFFFFF"/>
+                </a:highlight>
+              </a:rPr>
+              <a:t> </a:t>
+            </a:r>
+            <a:r>
+              <a:rPr lang="pl-PL" i="1" dirty="0">
+                <a:solidFill>
+                  <a:schemeClr val="accent5"/>
+                </a:solidFill>
+                <a:effectLst/>
+                <a:highlight>
+                  <a:srgbClr val="FFFFFF"/>
+                </a:highlight>
+              </a:rPr>
+              <a:t>vs. GDP w czasie</a:t>
+            </a:r>
+          </a:p>
+          <a:p>
+            <a:pPr algn="l"/>
+            <a:r>
+              <a:rPr lang="pl-PL" i="0" dirty="0">
+                <a:solidFill>
+                  <a:srgbClr val="1F2328"/>
+                </a:solidFill>
+                <a:effectLst/>
+                <a:highlight>
+                  <a:srgbClr val="FFFFFF"/>
+                </a:highlight>
+              </a:rPr>
+              <a:t>Dostęp do technologii komunikacyjnych vs. GDP w czasie</a:t>
+            </a:r>
+          </a:p>
+        </p:txBody>
+      </p:sp>
+      <p:sp>
+        <p:nvSpPr>
+          <p:cNvPr id="8" name="Tytuł 1">
+            <a:extLst>
+              <a:ext uri="{FF2B5EF4-FFF2-40B4-BE49-F238E27FC236}">
+                <a16:creationId xmlns:a16="http://schemas.microsoft.com/office/drawing/2014/main" id="{A63635E8-2CD9-BF46-178A-A8618CD9C151}"/>
+              </a:ext>
+            </a:extLst>
+          </p:cNvPr>
+          <p:cNvSpPr txBox="1">
+            <a:spLocks/>
+          </p:cNvSpPr>
+          <p:nvPr/>
+        </p:nvSpPr>
+        <p:spPr>
+          <a:xfrm>
+            <a:off x="609599" y="2706247"/>
+            <a:ext cx="8596668" cy="717395"/>
+          </a:xfrm>
+          <a:prstGeom prst="rect">
+            <a:avLst/>
+          </a:prstGeom>
+        </p:spPr>
+        <p:txBody>
+          <a:bodyPr vert="horz" lIns="91440" tIns="45720" rIns="91440" bIns="45720" rtlCol="0" anchor="t">
+            <a:normAutofit/>
+          </a:bodyPr>
+          <a:lstStyle>
+            <a:lvl1pPr algn="l" defTabSz="457200" rtl="0" eaLnBrk="1" latinLnBrk="0" hangingPunct="1">
+              <a:spcBef>
+                <a:spcPct val="0"/>
+              </a:spcBef>
+              <a:buNone/>
+              <a:defRPr sz="3600" kern="1200">
+                <a:solidFill>
+                  <a:schemeClr val="accent1"/>
+                </a:solidFill>
+                <a:latin typeface="+mj-lt"/>
+                <a:ea typeface="+mj-ea"/>
+                <a:cs typeface="+mj-cs"/>
+              </a:defRPr>
+            </a:lvl1pPr>
+            <a:lvl2pPr eaLnBrk="1" hangingPunct="1">
+              <a:defRPr>
+                <a:solidFill>
+                  <a:schemeClr val="tx2"/>
+                </a:solidFill>
+              </a:defRPr>
+            </a:lvl2pPr>
+            <a:lvl3pPr eaLnBrk="1" hangingPunct="1">
+              <a:defRPr>
+                <a:solidFill>
+                  <a:schemeClr val="tx2"/>
+                </a:solidFill>
+              </a:defRPr>
+            </a:lvl3pPr>
+            <a:lvl4pPr eaLnBrk="1" hangingPunct="1">
+              <a:defRPr>
+                <a:solidFill>
+                  <a:schemeClr val="tx2"/>
+                </a:solidFill>
+              </a:defRPr>
+            </a:lvl4pPr>
+            <a:lvl5pPr eaLnBrk="1" hangingPunct="1">
+              <a:defRPr>
+                <a:solidFill>
+                  <a:schemeClr val="tx2"/>
+                </a:solidFill>
+              </a:defRPr>
+            </a:lvl5pPr>
+            <a:lvl6pPr eaLnBrk="1" hangingPunct="1">
+              <a:defRPr>
+                <a:solidFill>
+                  <a:schemeClr val="tx2"/>
+                </a:solidFill>
+              </a:defRPr>
+            </a:lvl6pPr>
+            <a:lvl7pPr eaLnBrk="1" hangingPunct="1">
+              <a:defRPr>
+                <a:solidFill>
+                  <a:schemeClr val="tx2"/>
+                </a:solidFill>
+              </a:defRPr>
+            </a:lvl7pPr>
+            <a:lvl8pPr eaLnBrk="1" hangingPunct="1">
+              <a:defRPr>
+                <a:solidFill>
+                  <a:schemeClr val="tx2"/>
+                </a:solidFill>
+              </a:defRPr>
+            </a:lvl8pPr>
+            <a:lvl9pPr eaLnBrk="1" hangingPunct="1">
+              <a:defRPr>
+                <a:solidFill>
+                  <a:schemeClr val="tx2"/>
+                </a:solidFill>
+              </a:defRPr>
+            </a:lvl9pPr>
+          </a:lstStyle>
+          <a:p>
+            <a:r>
+              <a:rPr lang="pl-PL" sz="3200" b="1" dirty="0">
+                <a:solidFill>
+                  <a:srgbClr val="006EFB"/>
+                </a:solidFill>
+                <a:latin typeface="Arial" panose="020B0604020202020204" pitchFamily="34" charset="0"/>
+                <a:cs typeface="Arial" panose="020B0604020202020204" pitchFamily="34" charset="0"/>
+              </a:rPr>
+              <a:t>Szczegółowe zadania projektu</a:t>
             </a:r>
             <a:endParaRPr lang="pl-PL" b="1" dirty="0">
               <a:solidFill>
@@ -8943,7 +9820,7 @@
           <p:nvPr/>
         </p:nvPicPr>
         <p:blipFill>
-          <a:blip r:embed="rId2">
+          <a:blip r:embed="rId3">
             <a:extLst>
               <a:ext uri="{28A0092B-C50C-407E-A947-70E740481C1C}">
                 <a14:useLocalDpi xmlns:a14="http://schemas.microsoft.com/office/drawing/2010/main" val="0"/>
@@ -8957,8 +9834,8 @@
         </p:blipFill>
         <p:spPr bwMode="auto">
           <a:xfrm>
-            <a:off x="207451" y="66237"/>
-            <a:ext cx="1843797" cy="1024332"/>
+            <a:off x="207452" y="66236"/>
+            <a:ext cx="1822934" cy="1012741"/>
           </a:xfrm>
           <a:prstGeom prst="rect">
             <a:avLst/>
@@ -8975,45 +9852,35 @@
           </a:extLst>
         </p:spPr>
       </p:pic>
-      <p:sp>
-        <p:nvSpPr>
-          <p:cNvPr id="2" name="pole tekstowe 1">
+      <p:pic>
+        <p:nvPicPr>
+          <p:cNvPr id="8" name="Obraz 7">
             <a:extLst>
               <a:ext uri="{FF2B5EF4-FFF2-40B4-BE49-F238E27FC236}">
-                <a16:creationId xmlns:a16="http://schemas.microsoft.com/office/drawing/2014/main" id="{7256DC70-B83A-769F-50EA-65AE6C730547}"/>
+                <a16:creationId xmlns:a16="http://schemas.microsoft.com/office/drawing/2014/main" id="{452A1742-4912-0A96-5302-C434D1778516}"/>
               </a:ext>
             </a:extLst>
           </p:cNvPr>
-          <p:cNvSpPr txBox="1"/>
+          <p:cNvPicPr>
+            <a:picLocks noChangeAspect="1"/>
+          </p:cNvPicPr>
           <p:nvPr/>
-        </p:nvSpPr>
+        </p:nvPicPr>
+        <p:blipFill rotWithShape="1">
+          <a:blip r:embed="rId4"/>
+          <a:srcRect l="10115" t="15733" r="15289" b="9959"/>
+          <a:stretch/>
+        </p:blipFill>
         <p:spPr>
           <a:xfrm>
-            <a:off x="790221" y="1535289"/>
-            <a:ext cx="2901245" cy="369332"/>
+            <a:off x="1004711" y="925689"/>
+            <a:ext cx="10171289" cy="5699397"/>
           </a:xfrm>
           <a:prstGeom prst="rect">
             <a:avLst/>
           </a:prstGeom>
-          <a:noFill/>
         </p:spPr>
-        <p:txBody>
-          <a:bodyPr wrap="square" rtlCol="0">
-            <a:spAutoFit/>
-          </a:bodyPr>
-          <a:lstStyle/>
-          <a:p>
-            <a:r>
-              <a:rPr lang="pl-PL" dirty="0" err="1"/>
-              <a:t>Screen</a:t>
-            </a:r>
-            <a:r>
-              <a:rPr lang="pl-PL" dirty="0"/>
-              <a:t> z projektu</a:t>
-            </a:r>
-          </a:p>
-        </p:txBody>
-      </p:sp>
+      </p:pic>
     </p:spTree>
     <p:extLst>
       <p:ext uri="{BB962C8B-B14F-4D97-AF65-F5344CB8AC3E}">
@@ -9044,45 +9911,35 @@
           <a:chExt cx="0" cy="0"/>
         </a:xfrm>
       </p:grpSpPr>
-      <p:sp>
-        <p:nvSpPr>
-          <p:cNvPr id="2" name="pole tekstowe 1">
+      <p:pic>
+        <p:nvPicPr>
+          <p:cNvPr id="4" name="Obraz 3">
             <a:extLst>
               <a:ext uri="{FF2B5EF4-FFF2-40B4-BE49-F238E27FC236}">
-                <a16:creationId xmlns:a16="http://schemas.microsoft.com/office/drawing/2014/main" id="{663173D6-AA54-5A4D-BB87-947F458D9094}"/>
+                <a16:creationId xmlns:a16="http://schemas.microsoft.com/office/drawing/2014/main" id="{CB76FD0F-0619-4CA8-F903-64DF8E98B1A3}"/>
               </a:ext>
             </a:extLst>
           </p:cNvPr>
-          <p:cNvSpPr txBox="1"/>
+          <p:cNvPicPr>
+            <a:picLocks noChangeAspect="1"/>
+          </p:cNvPicPr>
           <p:nvPr/>
-        </p:nvSpPr>
+        </p:nvPicPr>
+        <p:blipFill rotWithShape="1">
+          <a:blip r:embed="rId3"/>
+          <a:srcRect l="9906" t="15352" r="14908" b="10328"/>
+          <a:stretch/>
+        </p:blipFill>
         <p:spPr>
           <a:xfrm>
-            <a:off x="790221" y="1535289"/>
-            <a:ext cx="2901245" cy="369332"/>
+            <a:off x="0" y="0"/>
+            <a:ext cx="12192000" cy="6858001"/>
           </a:xfrm>
           <a:prstGeom prst="rect">
             <a:avLst/>
           </a:prstGeom>
-          <a:noFill/>
         </p:spPr>
-        <p:txBody>
-          <a:bodyPr wrap="square" rtlCol="0">
-            <a:spAutoFit/>
-          </a:bodyPr>
-          <a:lstStyle/>
-          <a:p>
-            <a:r>
-              <a:rPr lang="pl-PL" dirty="0" err="1"/>
-              <a:t>Screen</a:t>
-            </a:r>
-            <a:r>
-              <a:rPr lang="pl-PL" dirty="0"/>
-              <a:t> z projektu</a:t>
-            </a:r>
-          </a:p>
-        </p:txBody>
-      </p:sp>
+      </p:pic>
     </p:spTree>
     <p:extLst>
       <p:ext uri="{BB962C8B-B14F-4D97-AF65-F5344CB8AC3E}">

--- a/Technologia vs GDP.pptx
+++ b/Technologia vs GDP.pptx
@@ -208,7 +208,7 @@
           <a:p>
             <a:fld id="{4738F603-E8B0-4797-A376-255C478D0C23}" type="datetimeFigureOut">
               <a:rPr lang="pl-PL" smtClean="0"/>
-              <a:t>20.05.2024</a:t>
+              <a:t>21.05.2024</a:t>
             </a:fld>
             <a:endParaRPr lang="pl-PL"/>
           </a:p>
@@ -2082,7 +2082,7 @@
             <a:fld id="{B61BEF0D-F0BB-DE4B-95CE-6DB70DBA9567}" type="datetimeFigureOut">
               <a:rPr lang="en-US" smtClean="0"/>
               <a:pPr/>
-              <a:t>5/20/2024</a:t>
+              <a:t>5/21/2024</a:t>
             </a:fld>
             <a:endParaRPr lang="en-US" dirty="0"/>
           </a:p>
@@ -2335,7 +2335,7 @@
             <a:fld id="{B61BEF0D-F0BB-DE4B-95CE-6DB70DBA9567}" type="datetimeFigureOut">
               <a:rPr lang="en-US" smtClean="0"/>
               <a:pPr/>
-              <a:t>5/20/2024</a:t>
+              <a:t>5/21/2024</a:t>
             </a:fld>
             <a:endParaRPr lang="en-US" dirty="0"/>
           </a:p>
@@ -2651,7 +2651,7 @@
             <a:fld id="{B61BEF0D-F0BB-DE4B-95CE-6DB70DBA9567}" type="datetimeFigureOut">
               <a:rPr lang="en-US" smtClean="0"/>
               <a:pPr/>
-              <a:t>5/20/2024</a:t>
+              <a:t>5/21/2024</a:t>
             </a:fld>
             <a:endParaRPr lang="en-US" dirty="0"/>
           </a:p>
@@ -2986,7 +2986,7 @@
             <a:fld id="{B61BEF0D-F0BB-DE4B-95CE-6DB70DBA9567}" type="datetimeFigureOut">
               <a:rPr lang="en-US" smtClean="0"/>
               <a:pPr/>
-              <a:t>5/20/2024</a:t>
+              <a:t>5/21/2024</a:t>
             </a:fld>
             <a:endParaRPr lang="en-US" dirty="0"/>
           </a:p>
@@ -3302,7 +3302,7 @@
             <a:fld id="{B61BEF0D-F0BB-DE4B-95CE-6DB70DBA9567}" type="datetimeFigureOut">
               <a:rPr lang="en-US" smtClean="0"/>
               <a:pPr/>
-              <a:t>5/20/2024</a:t>
+              <a:t>5/21/2024</a:t>
             </a:fld>
             <a:endParaRPr lang="en-US" dirty="0"/>
           </a:p>
@@ -3697,7 +3697,7 @@
             <a:fld id="{B61BEF0D-F0BB-DE4B-95CE-6DB70DBA9567}" type="datetimeFigureOut">
               <a:rPr lang="en-US" smtClean="0"/>
               <a:pPr/>
-              <a:t>5/20/2024</a:t>
+              <a:t>5/21/2024</a:t>
             </a:fld>
             <a:endParaRPr lang="en-US" dirty="0"/>
           </a:p>
@@ -3868,7 +3868,7 @@
           <a:p>
             <a:fld id="{55C6B4A9-1611-4792-9094-5F34BCA07E0B}" type="datetimeFigureOut">
               <a:rPr lang="en-US" smtClean="0"/>
-              <a:t>5/20/2024</a:t>
+              <a:t>5/21/2024</a:t>
             </a:fld>
             <a:endParaRPr lang="en-US" dirty="0"/>
           </a:p>
@@ -4049,7 +4049,7 @@
             <a:fld id="{B61BEF0D-F0BB-DE4B-95CE-6DB70DBA9567}" type="datetimeFigureOut">
               <a:rPr lang="en-US" smtClean="0"/>
               <a:pPr/>
-              <a:t>5/20/2024</a:t>
+              <a:t>5/21/2024</a:t>
             </a:fld>
             <a:endParaRPr lang="en-US" dirty="0"/>
           </a:p>
@@ -4221,7 +4221,7 @@
             <a:fld id="{B61BEF0D-F0BB-DE4B-95CE-6DB70DBA9567}" type="datetimeFigureOut">
               <a:rPr lang="en-US" smtClean="0"/>
               <a:pPr/>
-              <a:t>5/20/2024</a:t>
+              <a:t>5/21/2024</a:t>
             </a:fld>
             <a:endParaRPr lang="en-US" dirty="0"/>
           </a:p>
@@ -4470,7 +4470,7 @@
             <a:fld id="{B61BEF0D-F0BB-DE4B-95CE-6DB70DBA9567}" type="datetimeFigureOut">
               <a:rPr lang="en-US" smtClean="0"/>
               <a:pPr/>
-              <a:t>5/20/2024</a:t>
+              <a:t>5/21/2024</a:t>
             </a:fld>
             <a:endParaRPr lang="en-US" dirty="0"/>
           </a:p>
@@ -4703,7 +4703,7 @@
           <a:p>
             <a:fld id="{EB712588-04B1-427B-82EE-E8DB90309F08}" type="datetimeFigureOut">
               <a:rPr lang="en-US" smtClean="0"/>
-              <a:t>5/20/2024</a:t>
+              <a:t>5/21/2024</a:t>
             </a:fld>
             <a:endParaRPr lang="en-US" dirty="0"/>
           </a:p>
@@ -5078,7 +5078,7 @@
             <a:fld id="{B61BEF0D-F0BB-DE4B-95CE-6DB70DBA9567}" type="datetimeFigureOut">
               <a:rPr lang="en-US" smtClean="0"/>
               <a:pPr/>
-              <a:t>5/20/2024</a:t>
+              <a:t>5/21/2024</a:t>
             </a:fld>
             <a:endParaRPr lang="en-US" dirty="0"/>
           </a:p>
@@ -5203,7 +5203,7 @@
             <a:fld id="{B61BEF0D-F0BB-DE4B-95CE-6DB70DBA9567}" type="datetimeFigureOut">
               <a:rPr lang="en-US" smtClean="0"/>
               <a:pPr/>
-              <a:t>5/20/2024</a:t>
+              <a:t>5/21/2024</a:t>
             </a:fld>
             <a:endParaRPr lang="en-US" dirty="0"/>
           </a:p>
@@ -5300,7 +5300,7 @@
             <a:fld id="{B61BEF0D-F0BB-DE4B-95CE-6DB70DBA9567}" type="datetimeFigureOut">
               <a:rPr lang="en-US" smtClean="0"/>
               <a:pPr/>
-              <a:t>5/20/2024</a:t>
+              <a:t>5/21/2024</a:t>
             </a:fld>
             <a:endParaRPr lang="en-US" dirty="0"/>
           </a:p>
@@ -5556,7 +5556,7 @@
           <a:p>
             <a:fld id="{42A54C80-263E-416B-A8E0-580EDEADCBDC}" type="datetimeFigureOut">
               <a:rPr lang="en-US" smtClean="0"/>
-              <a:t>5/20/2024</a:t>
+              <a:t>5/21/2024</a:t>
             </a:fld>
             <a:endParaRPr lang="en-US" dirty="0"/>
           </a:p>
@@ -5863,7 +5863,7 @@
             <a:fld id="{B61BEF0D-F0BB-DE4B-95CE-6DB70DBA9567}" type="datetimeFigureOut">
               <a:rPr lang="en-US" smtClean="0"/>
               <a:pPr/>
-              <a:t>5/20/2024</a:t>
+              <a:t>5/21/2024</a:t>
             </a:fld>
             <a:endParaRPr lang="en-US" dirty="0"/>
           </a:p>
@@ -6566,7 +6566,7 @@
             <a:fld id="{B61BEF0D-F0BB-DE4B-95CE-6DB70DBA9567}" type="datetimeFigureOut">
               <a:rPr lang="en-US" smtClean="0"/>
               <a:pPr/>
-              <a:t>5/20/2024</a:t>
+              <a:t>5/21/2024</a:t>
             </a:fld>
             <a:endParaRPr lang="en-US" dirty="0"/>
           </a:p>
@@ -9048,7 +9048,7 @@
         </p:nvSpPr>
         <p:spPr>
           <a:xfrm>
-            <a:off x="677334" y="609600"/>
+            <a:off x="433494" y="303920"/>
             <a:ext cx="8596668" cy="717395"/>
           </a:xfrm>
         </p:spPr>
@@ -9086,43 +9086,34 @@
           </a:p>
         </p:txBody>
       </p:sp>
-      <p:sp>
-        <p:nvSpPr>
-          <p:cNvPr id="4" name="Symbol zastępczy zawartości 3">
+      <p:pic>
+        <p:nvPicPr>
+          <p:cNvPr id="5" name="Symbol zastępczy zawartości 4">
             <a:extLst>
               <a:ext uri="{FF2B5EF4-FFF2-40B4-BE49-F238E27FC236}">
-                <a16:creationId xmlns:a16="http://schemas.microsoft.com/office/drawing/2014/main" id="{168DF75A-52E2-BF26-A8C0-108191A453C0}"/>
+                <a16:creationId xmlns:a16="http://schemas.microsoft.com/office/drawing/2014/main" id="{E607D5E3-DFE9-A6D1-E87E-FADD915FCC36}"/>
               </a:ext>
             </a:extLst>
           </p:cNvPr>
-          <p:cNvSpPr>
-            <a:spLocks noGrp="1"/>
-          </p:cNvSpPr>
+          <p:cNvPicPr>
+            <a:picLocks noGrp="1" noChangeAspect="1"/>
+          </p:cNvPicPr>
           <p:nvPr>
             <p:ph idx="1"/>
           </p:nvPr>
-        </p:nvSpPr>
+        </p:nvPicPr>
+        <p:blipFill rotWithShape="1">
+          <a:blip r:embed="rId3"/>
+          <a:srcRect l="34271" t="19156" r="19600" b="8829"/>
+          <a:stretch/>
+        </p:blipFill>
         <p:spPr>
           <a:xfrm>
-            <a:off x="677334" y="1326995"/>
-            <a:ext cx="8596668" cy="4714367"/>
+            <a:off x="2542903" y="947079"/>
+            <a:ext cx="6592388" cy="5789058"/>
           </a:xfrm>
         </p:spPr>
-        <p:txBody>
-          <a:bodyPr/>
-          <a:lstStyle/>
-          <a:p>
-            <a:r>
-              <a:rPr lang="pl-PL" dirty="0" err="1"/>
-              <a:t>Screen</a:t>
-            </a:r>
-            <a:r>
-              <a:rPr lang="pl-PL" dirty="0"/>
-              <a:t> do wstawienia</a:t>
-            </a:r>
-          </a:p>
-        </p:txBody>
-      </p:sp>
+      </p:pic>
     </p:spTree>
     <p:extLst>
       <p:ext uri="{BB962C8B-B14F-4D97-AF65-F5344CB8AC3E}">
